--- a/Ghost Tunnel.pptx
+++ b/Ghost Tunnel.pptx
@@ -5,7 +5,7 @@
     <p:sldMasterId id="2147483648" r:id="rId1"/>
   </p:sldMasterIdLst>
   <p:notesMasterIdLst>
-    <p:notesMasterId r:id="rId24"/>
+    <p:notesMasterId r:id="rId23"/>
   </p:notesMasterIdLst>
   <p:sldIdLst>
     <p:sldId id="256" r:id="rId2"/>
@@ -14,22 +14,21 @@
     <p:sldId id="259" r:id="rId5"/>
     <p:sldId id="260" r:id="rId6"/>
     <p:sldId id="261" r:id="rId7"/>
-    <p:sldId id="278" r:id="rId8"/>
-    <p:sldId id="279" r:id="rId9"/>
+    <p:sldId id="262" r:id="rId8"/>
+    <p:sldId id="263" r:id="rId9"/>
     <p:sldId id="264" r:id="rId10"/>
     <p:sldId id="265" r:id="rId11"/>
     <p:sldId id="266" r:id="rId12"/>
     <p:sldId id="267" r:id="rId13"/>
     <p:sldId id="268" r:id="rId14"/>
-    <p:sldId id="269" r:id="rId15"/>
-    <p:sldId id="270" r:id="rId16"/>
-    <p:sldId id="271" r:id="rId17"/>
-    <p:sldId id="272" r:id="rId18"/>
-    <p:sldId id="275" r:id="rId19"/>
-    <p:sldId id="274" r:id="rId20"/>
-    <p:sldId id="273" r:id="rId21"/>
-    <p:sldId id="276" r:id="rId22"/>
-    <p:sldId id="277" r:id="rId23"/>
+    <p:sldId id="271" r:id="rId15"/>
+    <p:sldId id="272" r:id="rId16"/>
+    <p:sldId id="275" r:id="rId17"/>
+    <p:sldId id="274" r:id="rId18"/>
+    <p:sldId id="273" r:id="rId19"/>
+    <p:sldId id="276" r:id="rId20"/>
+    <p:sldId id="277" r:id="rId21"/>
+    <p:sldId id="278" r:id="rId22"/>
   </p:sldIdLst>
   <p:sldSz cx="12192000" cy="6858000"/>
   <p:notesSz cx="6858000" cy="9144000"/>
@@ -218,7 +217,7 @@
           <a:p>
             <a:fld id="{DEC330F5-A33B-4515-BF19-FF0F548F168B}" type="datetimeFigureOut">
               <a:rPr lang="zh-CN" altLang="en-US" smtClean="0"/>
-              <a:t>2018/5/30</a:t>
+              <a:t>2018/6/8</a:t>
             </a:fld>
             <a:endParaRPr lang="zh-CN" altLang="en-US"/>
           </a:p>
@@ -551,7 +550,7 @@
           <a:p>
             <a:fld id="{B0664DB8-0412-452F-A4C8-123365D897B3}" type="slidenum">
               <a:rPr lang="zh-CN" altLang="en-US" smtClean="0"/>
-              <a:t>19</a:t>
+              <a:t>17</a:t>
             </a:fld>
             <a:endParaRPr lang="zh-CN" altLang="en-US"/>
           </a:p>
@@ -701,7 +700,7 @@
           <a:p>
             <a:fld id="{1D22C937-9CD5-406D-ADF9-CBFE8AE81FBE}" type="datetimeFigureOut">
               <a:rPr lang="zh-CN" altLang="en-US" smtClean="0"/>
-              <a:t>2018/5/30</a:t>
+              <a:t>2018/6/8</a:t>
             </a:fld>
             <a:endParaRPr lang="zh-CN" altLang="en-US"/>
           </a:p>
@@ -871,7 +870,7 @@
           <a:p>
             <a:fld id="{1D22C937-9CD5-406D-ADF9-CBFE8AE81FBE}" type="datetimeFigureOut">
               <a:rPr lang="zh-CN" altLang="en-US" smtClean="0"/>
-              <a:t>2018/5/30</a:t>
+              <a:t>2018/6/8</a:t>
             </a:fld>
             <a:endParaRPr lang="zh-CN" altLang="en-US"/>
           </a:p>
@@ -1051,7 +1050,7 @@
           <a:p>
             <a:fld id="{1D22C937-9CD5-406D-ADF9-CBFE8AE81FBE}" type="datetimeFigureOut">
               <a:rPr lang="zh-CN" altLang="en-US" smtClean="0"/>
-              <a:t>2018/5/30</a:t>
+              <a:t>2018/6/8</a:t>
             </a:fld>
             <a:endParaRPr lang="zh-CN" altLang="en-US"/>
           </a:p>
@@ -1221,7 +1220,7 @@
           <a:p>
             <a:fld id="{1D22C937-9CD5-406D-ADF9-CBFE8AE81FBE}" type="datetimeFigureOut">
               <a:rPr lang="zh-CN" altLang="en-US" smtClean="0"/>
-              <a:t>2018/5/30</a:t>
+              <a:t>2018/6/8</a:t>
             </a:fld>
             <a:endParaRPr lang="zh-CN" altLang="en-US"/>
           </a:p>
@@ -1467,7 +1466,7 @@
           <a:p>
             <a:fld id="{1D22C937-9CD5-406D-ADF9-CBFE8AE81FBE}" type="datetimeFigureOut">
               <a:rPr lang="zh-CN" altLang="en-US" smtClean="0"/>
-              <a:t>2018/5/30</a:t>
+              <a:t>2018/6/8</a:t>
             </a:fld>
             <a:endParaRPr lang="zh-CN" altLang="en-US"/>
           </a:p>
@@ -1699,7 +1698,7 @@
           <a:p>
             <a:fld id="{1D22C937-9CD5-406D-ADF9-CBFE8AE81FBE}" type="datetimeFigureOut">
               <a:rPr lang="zh-CN" altLang="en-US" smtClean="0"/>
-              <a:t>2018/5/30</a:t>
+              <a:t>2018/6/8</a:t>
             </a:fld>
             <a:endParaRPr lang="zh-CN" altLang="en-US"/>
           </a:p>
@@ -2066,7 +2065,7 @@
           <a:p>
             <a:fld id="{1D22C937-9CD5-406D-ADF9-CBFE8AE81FBE}" type="datetimeFigureOut">
               <a:rPr lang="zh-CN" altLang="en-US" smtClean="0"/>
-              <a:t>2018/5/30</a:t>
+              <a:t>2018/6/8</a:t>
             </a:fld>
             <a:endParaRPr lang="zh-CN" altLang="en-US"/>
           </a:p>
@@ -2184,7 +2183,7 @@
           <a:p>
             <a:fld id="{1D22C937-9CD5-406D-ADF9-CBFE8AE81FBE}" type="datetimeFigureOut">
               <a:rPr lang="zh-CN" altLang="en-US" smtClean="0"/>
-              <a:t>2018/5/30</a:t>
+              <a:t>2018/6/8</a:t>
             </a:fld>
             <a:endParaRPr lang="zh-CN" altLang="en-US"/>
           </a:p>
@@ -2279,7 +2278,7 @@
           <a:p>
             <a:fld id="{1D22C937-9CD5-406D-ADF9-CBFE8AE81FBE}" type="datetimeFigureOut">
               <a:rPr lang="zh-CN" altLang="en-US" smtClean="0"/>
-              <a:t>2018/5/30</a:t>
+              <a:t>2018/6/8</a:t>
             </a:fld>
             <a:endParaRPr lang="zh-CN" altLang="en-US"/>
           </a:p>
@@ -2556,7 +2555,7 @@
           <a:p>
             <a:fld id="{1D22C937-9CD5-406D-ADF9-CBFE8AE81FBE}" type="datetimeFigureOut">
               <a:rPr lang="zh-CN" altLang="en-US" smtClean="0"/>
-              <a:t>2018/5/30</a:t>
+              <a:t>2018/6/8</a:t>
             </a:fld>
             <a:endParaRPr lang="zh-CN" altLang="en-US"/>
           </a:p>
@@ -2809,7 +2808,7 @@
           <a:p>
             <a:fld id="{1D22C937-9CD5-406D-ADF9-CBFE8AE81FBE}" type="datetimeFigureOut">
               <a:rPr lang="zh-CN" altLang="en-US" smtClean="0"/>
-              <a:t>2018/5/30</a:t>
+              <a:t>2018/6/8</a:t>
             </a:fld>
             <a:endParaRPr lang="zh-CN" altLang="en-US"/>
           </a:p>
@@ -3022,7 +3021,7 @@
           <a:p>
             <a:fld id="{1D22C937-9CD5-406D-ADF9-CBFE8AE81FBE}" type="datetimeFigureOut">
               <a:rPr lang="zh-CN" altLang="en-US" smtClean="0"/>
-              <a:t>2018/5/30</a:t>
+              <a:t>2018/6/8</a:t>
             </a:fld>
             <a:endParaRPr lang="zh-CN" altLang="en-US"/>
           </a:p>
@@ -3437,39 +3436,48 @@
             <p:ph type="ctrTitle"/>
           </p:nvPr>
         </p:nvSpPr>
-        <p:spPr/>
+        <p:spPr>
+          <a:xfrm>
+            <a:off x="1524000" y="1647377"/>
+            <a:ext cx="9144000" cy="2387600"/>
+          </a:xfrm>
+        </p:spPr>
         <p:txBody>
           <a:bodyPr>
             <a:normAutofit/>
           </a:bodyPr>
           <a:lstStyle/>
           <a:p>
-            <a:r>
-              <a:rPr lang="en-US" altLang="zh-CN" sz="8800" b="1" dirty="0">
-                <a:latin typeface="Abadi MT Condensed Extra Bold" charset="0"/>
-                <a:ea typeface="Abadi MT Condensed Extra Bold" charset="0"/>
-                <a:cs typeface="Abadi MT Condensed Extra Bold" charset="0"/>
+            <a:pPr>
+              <a:lnSpc>
+                <a:spcPct val="100000"/>
+              </a:lnSpc>
+              <a:spcBef>
+                <a:spcPts val="0"/>
+              </a:spcBef>
+            </a:pPr>
+            <a:r>
+              <a:rPr lang="en-US" altLang="zh-CN" sz="8900" b="1" dirty="0">
+                <a:latin typeface="Microsoft Tai Le" panose="020B0502040204020203" pitchFamily="34" charset="0"/>
+                <a:ea typeface="Microsoft JhengHei" panose="020B0604030504040204" pitchFamily="34" charset="-120"/>
+                <a:cs typeface="Microsoft Tai Le" panose="020B0502040204020203" pitchFamily="34" charset="0"/>
               </a:rPr>
               <a:t>Ghost Tunnel</a:t>
             </a:r>
             <a:r>
-              <a:rPr lang="en-US" altLang="zh-CN" b="1" dirty="0" smtClean="0">
-                <a:latin typeface="Abadi MT Condensed Extra Bold" charset="0"/>
-                <a:ea typeface="Abadi MT Condensed Extra Bold" charset="0"/>
-                <a:cs typeface="Abadi MT Condensed Extra Bold" charset="0"/>
-              </a:rPr>
+              <a:rPr lang="en-US" altLang="zh-CN" dirty="0" smtClean="0"/>
               <a:t/>
             </a:r>
             <a:br>
-              <a:rPr lang="en-US" altLang="zh-CN" b="1" dirty="0" smtClean="0">
-                <a:latin typeface="Abadi MT Condensed Extra Bold" charset="0"/>
-                <a:ea typeface="Abadi MT Condensed Extra Bold" charset="0"/>
-                <a:cs typeface="Abadi MT Condensed Extra Bold" charset="0"/>
-              </a:rPr>
+              <a:rPr lang="en-US" altLang="zh-CN" dirty="0" smtClean="0"/>
             </a:br>
             <a:r>
+              <a:rPr lang="en-US" altLang="zh-CN" sz="2400" spc="300" dirty="0" smtClean="0"/>
+              <a:t>Data transmission based on</a:t>
+            </a:r>
+            <a:r>
               <a:rPr lang="en-US" altLang="zh-CN" sz="2400" dirty="0" smtClean="0"/>
-              <a:t>Data transmission based on </a:t>
+              <a:t> </a:t>
             </a:r>
             <a:r>
               <a:rPr lang="en-US" altLang="zh-CN" sz="2400" dirty="0" err="1" smtClean="0"/>
@@ -3479,7 +3487,7 @@
               <a:rPr lang="en-US" altLang="zh-CN" sz="2400" dirty="0" smtClean="0"/>
               <a:t> covert channel</a:t>
             </a:r>
-            <a:endParaRPr lang="zh-CN" altLang="en-US" dirty="0"/>
+            <a:endParaRPr lang="zh-CN" altLang="en-US" sz="4000" dirty="0"/>
           </a:p>
         </p:txBody>
       </p:sp>
@@ -3491,7 +3499,7 @@
         </p:nvSpPr>
         <p:spPr>
           <a:xfrm>
-            <a:off x="7474042" y="5229727"/>
+            <a:off x="6984515" y="5206880"/>
             <a:ext cx="4717958" cy="1200329"/>
           </a:xfrm>
           <a:prstGeom prst="rect">
@@ -3565,6 +3573,13 @@
   <p:clrMapOvr>
     <a:masterClrMapping/>
   </p:clrMapOvr>
+  <p:timing>
+    <p:tnLst>
+      <p:par>
+        <p:cTn id="1" dur="indefinite" restart="never" nodeType="tmRoot"/>
+      </p:par>
+    </p:tnLst>
+  </p:timing>
 </p:sld>
 </file>
 
@@ -3608,8 +3623,8 @@
         </p:blipFill>
         <p:spPr bwMode="auto">
           <a:xfrm>
-            <a:off x="5142763" y="1041944"/>
-            <a:ext cx="6475968" cy="4319421"/>
+            <a:off x="2724707" y="2311732"/>
+            <a:ext cx="6274913" cy="4185319"/>
           </a:xfrm>
           <a:prstGeom prst="rect">
             <a:avLst/>
@@ -3628,14 +3643,14 @@
       </p:pic>
       <p:sp>
         <p:nvSpPr>
-          <p:cNvPr id="3" name="文本框 2"/>
+          <p:cNvPr id="6" name="文本框 5"/>
           <p:cNvSpPr txBox="1"/>
           <p:nvPr/>
         </p:nvSpPr>
         <p:spPr>
           <a:xfrm>
-            <a:off x="1267329" y="1962614"/>
-            <a:ext cx="2277975" cy="646331"/>
+            <a:off x="689812" y="641683"/>
+            <a:ext cx="4957010" cy="584775"/>
           </a:xfrm>
           <a:prstGeom prst="rect">
             <a:avLst/>
@@ -3649,14 +3664,49 @@
           <a:lstStyle/>
           <a:p>
             <a:r>
-              <a:rPr lang="en-US" altLang="zh-CN" dirty="0" err="1"/>
-              <a:t>PegasusTeam</a:t>
-            </a:r>
-            <a:r>
-              <a:rPr lang="en-US" altLang="zh-CN" dirty="0"/>
-              <a:t>, 360 Security Technology</a:t>
-            </a:r>
-            <a:endParaRPr lang="en-US" altLang="zh-CN" dirty="0" smtClean="0"/>
+              <a:rPr lang="en-US" altLang="zh-CN" sz="3200" b="1" dirty="0" smtClean="0">
+                <a:latin typeface="Microsoft Tai Le" panose="020B0502040204020203" pitchFamily="34" charset="0"/>
+                <a:cs typeface="Microsoft Tai Le" panose="020B0502040204020203" pitchFamily="34" charset="0"/>
+              </a:rPr>
+              <a:t>Pegasus Team</a:t>
+            </a:r>
+            <a:endParaRPr lang="en-US" altLang="zh-CN" sz="3200" dirty="0"/>
+          </a:p>
+        </p:txBody>
+      </p:sp>
+      <p:sp>
+        <p:nvSpPr>
+          <p:cNvPr id="7" name="文本框 6"/>
+          <p:cNvSpPr txBox="1"/>
+          <p:nvPr/>
+        </p:nvSpPr>
+        <p:spPr>
+          <a:xfrm>
+            <a:off x="689812" y="1652532"/>
+            <a:ext cx="9143999" cy="461665"/>
+          </a:xfrm>
+          <a:prstGeom prst="rect">
+            <a:avLst/>
+          </a:prstGeom>
+          <a:noFill/>
+        </p:spPr>
+        <p:txBody>
+          <a:bodyPr wrap="square" rtlCol="0">
+            <a:spAutoFit/>
+          </a:bodyPr>
+          <a:lstStyle/>
+          <a:p>
+            <a:pPr marL="342900" indent="-342900">
+              <a:spcBef>
+                <a:spcPts val="2400"/>
+              </a:spcBef>
+              <a:buFont typeface="Arial" panose="020B0604020202020204" pitchFamily="34" charset="0"/>
+              <a:buChar char="•"/>
+            </a:pPr>
+            <a:r>
+              <a:rPr lang="en-US" altLang="zh-CN" sz="2400" dirty="0"/>
+              <a:t> 360 Security Technology</a:t>
+            </a:r>
           </a:p>
         </p:txBody>
       </p:sp>
@@ -3670,6 +3720,13 @@
   <p:clrMapOvr>
     <a:masterClrMapping/>
   </p:clrMapOvr>
+  <p:timing>
+    <p:tnLst>
+      <p:par>
+        <p:cTn id="1" dur="indefinite" restart="never" nodeType="tmRoot"/>
+      </p:par>
+    </p:tnLst>
+  </p:timing>
 </p:sld>
 </file>
 
@@ -3706,8 +3763,8 @@
         </p:blipFill>
         <p:spPr>
           <a:xfrm>
-            <a:off x="1984681" y="1453614"/>
-            <a:ext cx="4808243" cy="3423187"/>
+            <a:off x="1069842" y="2619504"/>
+            <a:ext cx="3293154" cy="2344533"/>
           </a:xfrm>
           <a:prstGeom prst="rect">
             <a:avLst/>
@@ -3716,14 +3773,86 @@
       </p:pic>
       <p:sp>
         <p:nvSpPr>
-          <p:cNvPr id="5" name="文本框 4"/>
+          <p:cNvPr id="4" name="右箭头 3"/>
+          <p:cNvSpPr/>
+          <p:nvPr/>
+        </p:nvSpPr>
+        <p:spPr>
+          <a:xfrm>
+            <a:off x="4308827" y="3427963"/>
+            <a:ext cx="882316" cy="465222"/>
+          </a:xfrm>
+          <a:prstGeom prst="rightArrow">
+            <a:avLst/>
+          </a:prstGeom>
+          <a:noFill/>
+          <a:ln>
+            <a:solidFill>
+              <a:schemeClr val="bg2">
+                <a:lumMod val="75000"/>
+              </a:schemeClr>
+            </a:solidFill>
+          </a:ln>
+        </p:spPr>
+        <p:style>
+          <a:lnRef idx="2">
+            <a:schemeClr val="accent1">
+              <a:shade val="50000"/>
+            </a:schemeClr>
+          </a:lnRef>
+          <a:fillRef idx="1">
+            <a:schemeClr val="accent1"/>
+          </a:fillRef>
+          <a:effectRef idx="0">
+            <a:schemeClr val="accent1"/>
+          </a:effectRef>
+          <a:fontRef idx="minor">
+            <a:schemeClr val="lt1"/>
+          </a:fontRef>
+        </p:style>
+        <p:txBody>
+          <a:bodyPr rtlCol="0" anchor="ctr"/>
+          <a:lstStyle/>
+          <a:p>
+            <a:pPr algn="ctr"/>
+            <a:endParaRPr lang="zh-CN" altLang="en-US"/>
+          </a:p>
+        </p:txBody>
+      </p:sp>
+      <p:pic>
+        <p:nvPicPr>
+          <p:cNvPr id="6" name="图片 5"/>
+          <p:cNvPicPr>
+            <a:picLocks noChangeAspect="1"/>
+          </p:cNvPicPr>
+          <p:nvPr/>
+        </p:nvPicPr>
+        <p:blipFill>
+          <a:blip r:embed="rId3"/>
+          <a:stretch>
+            <a:fillRect/>
+          </a:stretch>
+        </p:blipFill>
+        <p:spPr>
+          <a:xfrm flipH="1">
+            <a:off x="5003012" y="867427"/>
+            <a:ext cx="727709" cy="461665"/>
+          </a:xfrm>
+          <a:prstGeom prst="rect">
+            <a:avLst/>
+          </a:prstGeom>
+        </p:spPr>
+      </p:pic>
+      <p:sp>
+        <p:nvSpPr>
+          <p:cNvPr id="7" name="文本框 6"/>
           <p:cNvSpPr txBox="1"/>
           <p:nvPr/>
         </p:nvSpPr>
         <p:spPr>
           <a:xfrm>
-            <a:off x="962529" y="502782"/>
-            <a:ext cx="3433008" cy="369332"/>
+            <a:off x="5085348" y="1333416"/>
+            <a:ext cx="577516" cy="338554"/>
           </a:xfrm>
           <a:prstGeom prst="rect">
             <a:avLst/>
@@ -3737,21 +3866,947 @@
           <a:lstStyle/>
           <a:p>
             <a:r>
-              <a:rPr lang="en-US" altLang="zh-CN" dirty="0" err="1" smtClean="0"/>
+              <a:rPr lang="en-US" altLang="zh-CN" sz="1600" dirty="0" smtClean="0">
+                <a:latin typeface="Microsoft Tai Le" panose="020B0502040204020203" pitchFamily="34" charset="0"/>
+                <a:cs typeface="Microsoft Tai Le" panose="020B0502040204020203" pitchFamily="34" charset="0"/>
+              </a:rPr>
+              <a:t>STA</a:t>
+            </a:r>
+            <a:endParaRPr lang="zh-CN" altLang="en-US" sz="1600" dirty="0">
+              <a:latin typeface="Microsoft Tai Le" panose="020B0502040204020203" pitchFamily="34" charset="0"/>
+              <a:cs typeface="Microsoft Tai Le" panose="020B0502040204020203" pitchFamily="34" charset="0"/>
+            </a:endParaRPr>
+          </a:p>
+        </p:txBody>
+      </p:sp>
+      <p:sp>
+        <p:nvSpPr>
+          <p:cNvPr id="9" name="下箭头 8"/>
+          <p:cNvSpPr/>
+          <p:nvPr/>
+        </p:nvSpPr>
+        <p:spPr>
+          <a:xfrm>
+            <a:off x="5277853" y="1671970"/>
+            <a:ext cx="137139" cy="4760915"/>
+          </a:xfrm>
+          <a:prstGeom prst="downArrow">
+            <a:avLst/>
+          </a:prstGeom>
+          <a:noFill/>
+          <a:ln>
+            <a:solidFill>
+              <a:schemeClr val="bg2">
+                <a:lumMod val="75000"/>
+              </a:schemeClr>
+            </a:solidFill>
+          </a:ln>
+        </p:spPr>
+        <p:style>
+          <a:lnRef idx="2">
+            <a:schemeClr val="accent1">
+              <a:shade val="50000"/>
+            </a:schemeClr>
+          </a:lnRef>
+          <a:fillRef idx="1">
+            <a:schemeClr val="accent1"/>
+          </a:fillRef>
+          <a:effectRef idx="0">
+            <a:schemeClr val="accent1"/>
+          </a:effectRef>
+          <a:fontRef idx="minor">
+            <a:schemeClr val="lt1"/>
+          </a:fontRef>
+        </p:style>
+        <p:txBody>
+          <a:bodyPr rtlCol="0" anchor="ctr"/>
+          <a:lstStyle/>
+          <a:p>
+            <a:pPr algn="ctr"/>
+            <a:endParaRPr lang="zh-CN" altLang="en-US"/>
+          </a:p>
+        </p:txBody>
+      </p:sp>
+      <p:pic>
+        <p:nvPicPr>
+          <p:cNvPr id="10" name="图片 9"/>
+          <p:cNvPicPr>
+            <a:picLocks noChangeAspect="1"/>
+          </p:cNvPicPr>
+          <p:nvPr/>
+        </p:nvPicPr>
+        <p:blipFill>
+          <a:blip r:embed="rId4"/>
+          <a:stretch>
+            <a:fillRect/>
+          </a:stretch>
+        </p:blipFill>
+        <p:spPr>
+          <a:xfrm>
+            <a:off x="8987860" y="867427"/>
+            <a:ext cx="717614" cy="482533"/>
+          </a:xfrm>
+          <a:prstGeom prst="rect">
+            <a:avLst/>
+          </a:prstGeom>
+        </p:spPr>
+      </p:pic>
+      <p:sp>
+        <p:nvSpPr>
+          <p:cNvPr id="11" name="文本框 10"/>
+          <p:cNvSpPr txBox="1"/>
+          <p:nvPr/>
+        </p:nvSpPr>
+        <p:spPr>
+          <a:xfrm>
+            <a:off x="9144001" y="1248882"/>
+            <a:ext cx="638725" cy="338554"/>
+          </a:xfrm>
+          <a:prstGeom prst="rect">
+            <a:avLst/>
+          </a:prstGeom>
+          <a:noFill/>
+        </p:spPr>
+        <p:txBody>
+          <a:bodyPr wrap="square" rtlCol="0">
+            <a:spAutoFit/>
+          </a:bodyPr>
+          <a:lstStyle/>
+          <a:p>
+            <a:r>
+              <a:rPr lang="en-US" altLang="zh-CN" sz="1600" dirty="0" smtClean="0"/>
+              <a:t>AP</a:t>
+            </a:r>
+            <a:endParaRPr lang="zh-CN" altLang="en-US" sz="1600" dirty="0"/>
+          </a:p>
+        </p:txBody>
+      </p:sp>
+      <p:sp>
+        <p:nvSpPr>
+          <p:cNvPr id="12" name="下箭头 11"/>
+          <p:cNvSpPr/>
+          <p:nvPr/>
+        </p:nvSpPr>
+        <p:spPr>
+          <a:xfrm>
+            <a:off x="9294140" y="1671969"/>
+            <a:ext cx="137139" cy="4760915"/>
+          </a:xfrm>
+          <a:prstGeom prst="downArrow">
+            <a:avLst/>
+          </a:prstGeom>
+          <a:noFill/>
+          <a:ln>
+            <a:solidFill>
+              <a:schemeClr val="bg2">
+                <a:lumMod val="75000"/>
+              </a:schemeClr>
+            </a:solidFill>
+          </a:ln>
+        </p:spPr>
+        <p:style>
+          <a:lnRef idx="2">
+            <a:schemeClr val="accent1">
+              <a:shade val="50000"/>
+            </a:schemeClr>
+          </a:lnRef>
+          <a:fillRef idx="1">
+            <a:schemeClr val="accent1"/>
+          </a:fillRef>
+          <a:effectRef idx="0">
+            <a:schemeClr val="accent1"/>
+          </a:effectRef>
+          <a:fontRef idx="minor">
+            <a:schemeClr val="lt1"/>
+          </a:fontRef>
+        </p:style>
+        <p:txBody>
+          <a:bodyPr rtlCol="0" anchor="ctr"/>
+          <a:lstStyle/>
+          <a:p>
+            <a:pPr algn="ctr"/>
+            <a:endParaRPr lang="zh-CN" altLang="en-US"/>
+          </a:p>
+        </p:txBody>
+      </p:sp>
+      <p:cxnSp>
+        <p:nvCxnSpPr>
+          <p:cNvPr id="14" name="直接箭头连接符 13"/>
+          <p:cNvCxnSpPr/>
+          <p:nvPr/>
+        </p:nvCxnSpPr>
+        <p:spPr>
+          <a:xfrm flipH="1">
+            <a:off x="5855369" y="2175511"/>
+            <a:ext cx="3459214" cy="0"/>
+          </a:xfrm>
+          <a:prstGeom prst="straightConnector1">
+            <a:avLst/>
+          </a:prstGeom>
+          <a:ln>
+            <a:solidFill>
+              <a:schemeClr val="bg2">
+                <a:lumMod val="75000"/>
+              </a:schemeClr>
+            </a:solidFill>
+            <a:tailEnd type="triangle"/>
+          </a:ln>
+        </p:spPr>
+        <p:style>
+          <a:lnRef idx="1">
+            <a:schemeClr val="accent1"/>
+          </a:lnRef>
+          <a:fillRef idx="0">
+            <a:schemeClr val="accent1"/>
+          </a:fillRef>
+          <a:effectRef idx="0">
+            <a:schemeClr val="accent1"/>
+          </a:effectRef>
+          <a:fontRef idx="minor">
+            <a:schemeClr val="tx1"/>
+          </a:fontRef>
+        </p:style>
+      </p:cxnSp>
+      <p:cxnSp>
+        <p:nvCxnSpPr>
+          <p:cNvPr id="18" name="直接箭头连接符 17"/>
+          <p:cNvCxnSpPr/>
+          <p:nvPr/>
+        </p:nvCxnSpPr>
+        <p:spPr>
+          <a:xfrm>
+            <a:off x="5382908" y="2711116"/>
+            <a:ext cx="3456292" cy="0"/>
+          </a:xfrm>
+          <a:prstGeom prst="straightConnector1">
+            <a:avLst/>
+          </a:prstGeom>
+          <a:ln>
+            <a:solidFill>
+              <a:schemeClr val="bg2">
+                <a:lumMod val="75000"/>
+              </a:schemeClr>
+            </a:solidFill>
+            <a:tailEnd type="triangle"/>
+          </a:ln>
+        </p:spPr>
+        <p:style>
+          <a:lnRef idx="1">
+            <a:schemeClr val="accent1"/>
+          </a:lnRef>
+          <a:fillRef idx="0">
+            <a:schemeClr val="accent1"/>
+          </a:fillRef>
+          <a:effectRef idx="0">
+            <a:schemeClr val="accent1"/>
+          </a:effectRef>
+          <a:fontRef idx="minor">
+            <a:schemeClr val="tx1"/>
+          </a:fontRef>
+        </p:style>
+      </p:cxnSp>
+      <p:cxnSp>
+        <p:nvCxnSpPr>
+          <p:cNvPr id="19" name="直接箭头连接符 18"/>
+          <p:cNvCxnSpPr/>
+          <p:nvPr/>
+        </p:nvCxnSpPr>
+        <p:spPr>
+          <a:xfrm flipH="1">
+            <a:off x="5855369" y="3261461"/>
+            <a:ext cx="3459214" cy="0"/>
+          </a:xfrm>
+          <a:prstGeom prst="straightConnector1">
+            <a:avLst/>
+          </a:prstGeom>
+          <a:ln>
+            <a:solidFill>
+              <a:schemeClr val="bg2">
+                <a:lumMod val="75000"/>
+              </a:schemeClr>
+            </a:solidFill>
+            <a:tailEnd type="triangle"/>
+          </a:ln>
+        </p:spPr>
+        <p:style>
+          <a:lnRef idx="1">
+            <a:schemeClr val="accent1"/>
+          </a:lnRef>
+          <a:fillRef idx="0">
+            <a:schemeClr val="accent1"/>
+          </a:fillRef>
+          <a:effectRef idx="0">
+            <a:schemeClr val="accent1"/>
+          </a:effectRef>
+          <a:fontRef idx="minor">
+            <a:schemeClr val="tx1"/>
+          </a:fontRef>
+        </p:style>
+      </p:cxnSp>
+      <p:cxnSp>
+        <p:nvCxnSpPr>
+          <p:cNvPr id="20" name="直接箭头连接符 19"/>
+          <p:cNvCxnSpPr/>
+          <p:nvPr/>
+        </p:nvCxnSpPr>
+        <p:spPr>
+          <a:xfrm flipH="1">
+            <a:off x="5867010" y="4365258"/>
+            <a:ext cx="3459214" cy="0"/>
+          </a:xfrm>
+          <a:prstGeom prst="straightConnector1">
+            <a:avLst/>
+          </a:prstGeom>
+          <a:ln>
+            <a:solidFill>
+              <a:schemeClr val="bg2">
+                <a:lumMod val="75000"/>
+              </a:schemeClr>
+            </a:solidFill>
+            <a:tailEnd type="triangle"/>
+          </a:ln>
+        </p:spPr>
+        <p:style>
+          <a:lnRef idx="1">
+            <a:schemeClr val="accent1"/>
+          </a:lnRef>
+          <a:fillRef idx="0">
+            <a:schemeClr val="accent1"/>
+          </a:fillRef>
+          <a:effectRef idx="0">
+            <a:schemeClr val="accent1"/>
+          </a:effectRef>
+          <a:fontRef idx="minor">
+            <a:schemeClr val="tx1"/>
+          </a:fontRef>
+        </p:style>
+      </p:cxnSp>
+      <p:cxnSp>
+        <p:nvCxnSpPr>
+          <p:cNvPr id="21" name="直接箭头连接符 20"/>
+          <p:cNvCxnSpPr/>
+          <p:nvPr/>
+        </p:nvCxnSpPr>
+        <p:spPr>
+          <a:xfrm>
+            <a:off x="5398950" y="3838977"/>
+            <a:ext cx="3456292" cy="0"/>
+          </a:xfrm>
+          <a:prstGeom prst="straightConnector1">
+            <a:avLst/>
+          </a:prstGeom>
+          <a:ln>
+            <a:solidFill>
+              <a:schemeClr val="bg2">
+                <a:lumMod val="75000"/>
+              </a:schemeClr>
+            </a:solidFill>
+            <a:tailEnd type="triangle"/>
+          </a:ln>
+        </p:spPr>
+        <p:style>
+          <a:lnRef idx="1">
+            <a:schemeClr val="accent1"/>
+          </a:lnRef>
+          <a:fillRef idx="0">
+            <a:schemeClr val="accent1"/>
+          </a:fillRef>
+          <a:effectRef idx="0">
+            <a:schemeClr val="accent1"/>
+          </a:effectRef>
+          <a:fontRef idx="minor">
+            <a:schemeClr val="tx1"/>
+          </a:fontRef>
+        </p:style>
+      </p:cxnSp>
+      <p:cxnSp>
+        <p:nvCxnSpPr>
+          <p:cNvPr id="22" name="直接箭头连接符 21"/>
+          <p:cNvCxnSpPr/>
+          <p:nvPr/>
+        </p:nvCxnSpPr>
+        <p:spPr>
+          <a:xfrm>
+            <a:off x="5398950" y="4916905"/>
+            <a:ext cx="3456292" cy="0"/>
+          </a:xfrm>
+          <a:prstGeom prst="straightConnector1">
+            <a:avLst/>
+          </a:prstGeom>
+          <a:ln>
+            <a:solidFill>
+              <a:schemeClr val="bg2">
+                <a:lumMod val="75000"/>
+              </a:schemeClr>
+            </a:solidFill>
+            <a:tailEnd type="triangle"/>
+          </a:ln>
+        </p:spPr>
+        <p:style>
+          <a:lnRef idx="1">
+            <a:schemeClr val="accent1"/>
+          </a:lnRef>
+          <a:fillRef idx="0">
+            <a:schemeClr val="accent1"/>
+          </a:fillRef>
+          <a:effectRef idx="0">
+            <a:schemeClr val="accent1"/>
+          </a:effectRef>
+          <a:fontRef idx="minor">
+            <a:schemeClr val="tx1"/>
+          </a:fontRef>
+        </p:style>
+      </p:cxnSp>
+      <p:cxnSp>
+        <p:nvCxnSpPr>
+          <p:cNvPr id="23" name="直接箭头连接符 22"/>
+          <p:cNvCxnSpPr/>
+          <p:nvPr/>
+        </p:nvCxnSpPr>
+        <p:spPr>
+          <a:xfrm flipH="1">
+            <a:off x="5867010" y="5496227"/>
+            <a:ext cx="3459214" cy="0"/>
+          </a:xfrm>
+          <a:prstGeom prst="straightConnector1">
+            <a:avLst/>
+          </a:prstGeom>
+          <a:ln>
+            <a:solidFill>
+              <a:schemeClr val="bg2">
+                <a:lumMod val="75000"/>
+              </a:schemeClr>
+            </a:solidFill>
+            <a:tailEnd type="triangle"/>
+          </a:ln>
+        </p:spPr>
+        <p:style>
+          <a:lnRef idx="1">
+            <a:schemeClr val="accent1"/>
+          </a:lnRef>
+          <a:fillRef idx="0">
+            <a:schemeClr val="accent1"/>
+          </a:fillRef>
+          <a:effectRef idx="0">
+            <a:schemeClr val="accent1"/>
+          </a:effectRef>
+          <a:fontRef idx="minor">
+            <a:schemeClr val="tx1"/>
+          </a:fontRef>
+        </p:style>
+      </p:cxnSp>
+      <p:sp>
+        <p:nvSpPr>
+          <p:cNvPr id="24" name="文本框 23"/>
+          <p:cNvSpPr txBox="1"/>
+          <p:nvPr/>
+        </p:nvSpPr>
+        <p:spPr>
+          <a:xfrm>
+            <a:off x="6469249" y="1898300"/>
+            <a:ext cx="3064043" cy="307777"/>
+          </a:xfrm>
+          <a:prstGeom prst="rect">
+            <a:avLst/>
+          </a:prstGeom>
+          <a:noFill/>
+        </p:spPr>
+        <p:txBody>
+          <a:bodyPr wrap="square" rtlCol="0">
+            <a:spAutoFit/>
+          </a:bodyPr>
+          <a:lstStyle/>
+          <a:p>
+            <a:r>
+              <a:rPr lang="en-US" altLang="zh-CN" sz="1400" dirty="0" smtClean="0">
+                <a:latin typeface="Microsoft Tai Le" panose="020B0502040204020203" pitchFamily="34" charset="0"/>
+                <a:cs typeface="Microsoft Tai Le" panose="020B0502040204020203" pitchFamily="34" charset="0"/>
+              </a:rPr>
+              <a:t>(1) Beacon(Broadcast SSID)</a:t>
+            </a:r>
+            <a:endParaRPr lang="zh-CN" altLang="en-US" sz="1400" dirty="0">
+              <a:latin typeface="Microsoft Tai Le" panose="020B0502040204020203" pitchFamily="34" charset="0"/>
+              <a:cs typeface="Microsoft Tai Le" panose="020B0502040204020203" pitchFamily="34" charset="0"/>
+            </a:endParaRPr>
+          </a:p>
+        </p:txBody>
+      </p:sp>
+      <p:sp>
+        <p:nvSpPr>
+          <p:cNvPr id="25" name="文本框 24"/>
+          <p:cNvSpPr txBox="1"/>
+          <p:nvPr/>
+        </p:nvSpPr>
+        <p:spPr>
+          <a:xfrm>
+            <a:off x="5694948" y="2438400"/>
+            <a:ext cx="2695073" cy="307777"/>
+          </a:xfrm>
+          <a:prstGeom prst="rect">
+            <a:avLst/>
+          </a:prstGeom>
+          <a:noFill/>
+        </p:spPr>
+        <p:txBody>
+          <a:bodyPr wrap="square" rtlCol="0">
+            <a:spAutoFit/>
+          </a:bodyPr>
+          <a:lstStyle/>
+          <a:p>
+            <a:r>
+              <a:rPr lang="en-US" altLang="zh-CN" sz="1400" dirty="0" smtClean="0">
+                <a:latin typeface="Microsoft Tai Le" panose="020B0502040204020203" pitchFamily="34" charset="0"/>
+                <a:cs typeface="Microsoft Tai Le" panose="020B0502040204020203" pitchFamily="34" charset="0"/>
+              </a:rPr>
+              <a:t>(2) Probe Request</a:t>
+            </a:r>
+            <a:endParaRPr lang="zh-CN" altLang="en-US" sz="1400" dirty="0">
+              <a:latin typeface="Microsoft Tai Le" panose="020B0502040204020203" pitchFamily="34" charset="0"/>
+              <a:cs typeface="Microsoft Tai Le" panose="020B0502040204020203" pitchFamily="34" charset="0"/>
+            </a:endParaRPr>
+          </a:p>
+        </p:txBody>
+      </p:sp>
+      <p:sp>
+        <p:nvSpPr>
+          <p:cNvPr id="26" name="文本框 25"/>
+          <p:cNvSpPr txBox="1"/>
+          <p:nvPr/>
+        </p:nvSpPr>
+        <p:spPr>
+          <a:xfrm>
+            <a:off x="6469249" y="2993340"/>
+            <a:ext cx="2388794" cy="307777"/>
+          </a:xfrm>
+          <a:prstGeom prst="rect">
+            <a:avLst/>
+          </a:prstGeom>
+          <a:noFill/>
+        </p:spPr>
+        <p:txBody>
+          <a:bodyPr wrap="square" rtlCol="0">
+            <a:spAutoFit/>
+          </a:bodyPr>
+          <a:lstStyle/>
+          <a:p>
+            <a:r>
+              <a:rPr lang="en-US" altLang="zh-CN" sz="1400" dirty="0" smtClean="0">
+                <a:latin typeface="Microsoft Tai Le" panose="020B0502040204020203" pitchFamily="34" charset="0"/>
+                <a:cs typeface="Microsoft Tai Le" panose="020B0502040204020203" pitchFamily="34" charset="0"/>
+              </a:rPr>
+              <a:t>(3) Probe Response</a:t>
+            </a:r>
+            <a:endParaRPr lang="zh-CN" altLang="en-US" sz="1400" dirty="0">
+              <a:latin typeface="Microsoft Tai Le" panose="020B0502040204020203" pitchFamily="34" charset="0"/>
+              <a:cs typeface="Microsoft Tai Le" panose="020B0502040204020203" pitchFamily="34" charset="0"/>
+            </a:endParaRPr>
+          </a:p>
+        </p:txBody>
+      </p:sp>
+      <p:sp>
+        <p:nvSpPr>
+          <p:cNvPr id="27" name="文本框 26"/>
+          <p:cNvSpPr txBox="1"/>
+          <p:nvPr/>
+        </p:nvSpPr>
+        <p:spPr>
+          <a:xfrm>
+            <a:off x="5694948" y="3565357"/>
+            <a:ext cx="2534652" cy="307777"/>
+          </a:xfrm>
+          <a:prstGeom prst="rect">
+            <a:avLst/>
+          </a:prstGeom>
+          <a:noFill/>
+        </p:spPr>
+        <p:txBody>
+          <a:bodyPr wrap="square" rtlCol="0">
+            <a:spAutoFit/>
+          </a:bodyPr>
+          <a:lstStyle/>
+          <a:p>
+            <a:r>
+              <a:rPr lang="en-US" altLang="zh-CN" sz="1400" dirty="0" smtClean="0">
+                <a:latin typeface="Microsoft Tai Le" panose="020B0502040204020203" pitchFamily="34" charset="0"/>
+                <a:cs typeface="Microsoft Tai Le" panose="020B0502040204020203" pitchFamily="34" charset="0"/>
+              </a:rPr>
+              <a:t>(4) Authentication Request</a:t>
+            </a:r>
+            <a:endParaRPr lang="zh-CN" altLang="en-US" sz="1400" dirty="0">
+              <a:latin typeface="Microsoft Tai Le" panose="020B0502040204020203" pitchFamily="34" charset="0"/>
+              <a:cs typeface="Microsoft Tai Le" panose="020B0502040204020203" pitchFamily="34" charset="0"/>
+            </a:endParaRPr>
+          </a:p>
+        </p:txBody>
+      </p:sp>
+      <p:sp>
+        <p:nvSpPr>
+          <p:cNvPr id="28" name="文本框 27"/>
+          <p:cNvSpPr txBox="1"/>
+          <p:nvPr/>
+        </p:nvSpPr>
+        <p:spPr>
+          <a:xfrm>
+            <a:off x="6469249" y="4100552"/>
+            <a:ext cx="2719836" cy="307777"/>
+          </a:xfrm>
+          <a:prstGeom prst="rect">
+            <a:avLst/>
+          </a:prstGeom>
+          <a:noFill/>
+        </p:spPr>
+        <p:txBody>
+          <a:bodyPr wrap="square" rtlCol="0">
+            <a:spAutoFit/>
+          </a:bodyPr>
+          <a:lstStyle/>
+          <a:p>
+            <a:r>
+              <a:rPr lang="en-US" altLang="zh-CN" sz="1400" dirty="0" smtClean="0">
+                <a:latin typeface="Microsoft Tai Le" panose="020B0502040204020203" pitchFamily="34" charset="0"/>
+                <a:cs typeface="Microsoft Tai Le" panose="020B0502040204020203" pitchFamily="34" charset="0"/>
+              </a:rPr>
+              <a:t>(5) Authentication Response</a:t>
+            </a:r>
+            <a:endParaRPr lang="zh-CN" altLang="en-US" sz="1400" dirty="0">
+              <a:latin typeface="Microsoft Tai Le" panose="020B0502040204020203" pitchFamily="34" charset="0"/>
+              <a:cs typeface="Microsoft Tai Le" panose="020B0502040204020203" pitchFamily="34" charset="0"/>
+            </a:endParaRPr>
+          </a:p>
+        </p:txBody>
+      </p:sp>
+      <p:sp>
+        <p:nvSpPr>
+          <p:cNvPr id="29" name="文本框 28"/>
+          <p:cNvSpPr txBox="1"/>
+          <p:nvPr/>
+        </p:nvSpPr>
+        <p:spPr>
+          <a:xfrm>
+            <a:off x="5694948" y="4638413"/>
+            <a:ext cx="2614822" cy="307777"/>
+          </a:xfrm>
+          <a:prstGeom prst="rect">
+            <a:avLst/>
+          </a:prstGeom>
+          <a:noFill/>
+        </p:spPr>
+        <p:txBody>
+          <a:bodyPr wrap="square" rtlCol="0">
+            <a:spAutoFit/>
+          </a:bodyPr>
+          <a:lstStyle/>
+          <a:p>
+            <a:r>
+              <a:rPr lang="en-US" altLang="zh-CN" sz="1400" dirty="0" smtClean="0">
+                <a:latin typeface="Microsoft Tai Le" panose="020B0502040204020203" pitchFamily="34" charset="0"/>
+                <a:cs typeface="Microsoft Tai Le" panose="020B0502040204020203" pitchFamily="34" charset="0"/>
+              </a:rPr>
+              <a:t>(6) Association Request</a:t>
+            </a:r>
+            <a:endParaRPr lang="zh-CN" altLang="en-US" sz="1400" dirty="0">
+              <a:latin typeface="Microsoft Tai Le" panose="020B0502040204020203" pitchFamily="34" charset="0"/>
+              <a:cs typeface="Microsoft Tai Le" panose="020B0502040204020203" pitchFamily="34" charset="0"/>
+            </a:endParaRPr>
+          </a:p>
+        </p:txBody>
+      </p:sp>
+      <p:sp>
+        <p:nvSpPr>
+          <p:cNvPr id="30" name="文本框 29"/>
+          <p:cNvSpPr txBox="1"/>
+          <p:nvPr/>
+        </p:nvSpPr>
+        <p:spPr>
+          <a:xfrm>
+            <a:off x="6469249" y="5244483"/>
+            <a:ext cx="2385993" cy="307777"/>
+          </a:xfrm>
+          <a:prstGeom prst="rect">
+            <a:avLst/>
+          </a:prstGeom>
+          <a:noFill/>
+        </p:spPr>
+        <p:txBody>
+          <a:bodyPr wrap="square" rtlCol="0">
+            <a:spAutoFit/>
+          </a:bodyPr>
+          <a:lstStyle/>
+          <a:p>
+            <a:r>
+              <a:rPr lang="en-US" altLang="zh-CN" sz="1400" dirty="0" smtClean="0">
+                <a:latin typeface="Microsoft Tai Le" panose="020B0502040204020203" pitchFamily="34" charset="0"/>
+                <a:cs typeface="Microsoft Tai Le" panose="020B0502040204020203" pitchFamily="34" charset="0"/>
+              </a:rPr>
+              <a:t>(7) Association Response</a:t>
+            </a:r>
+            <a:endParaRPr lang="zh-CN" altLang="en-US" sz="1400" dirty="0">
+              <a:latin typeface="Microsoft Tai Le" panose="020B0502040204020203" pitchFamily="34" charset="0"/>
+              <a:cs typeface="Microsoft Tai Le" panose="020B0502040204020203" pitchFamily="34" charset="0"/>
+            </a:endParaRPr>
+          </a:p>
+        </p:txBody>
+      </p:sp>
+      <p:sp>
+        <p:nvSpPr>
+          <p:cNvPr id="31" name="右大括号 30"/>
+          <p:cNvSpPr/>
+          <p:nvPr/>
+        </p:nvSpPr>
+        <p:spPr>
+          <a:xfrm>
+            <a:off x="9494666" y="5496227"/>
+            <a:ext cx="210808" cy="776237"/>
+          </a:xfrm>
+          <a:prstGeom prst="rightBrace">
+            <a:avLst/>
+          </a:prstGeom>
+          <a:ln>
+            <a:solidFill>
+              <a:schemeClr val="bg2">
+                <a:lumMod val="75000"/>
+              </a:schemeClr>
+            </a:solidFill>
+          </a:ln>
+        </p:spPr>
+        <p:style>
+          <a:lnRef idx="1">
+            <a:schemeClr val="accent1"/>
+          </a:lnRef>
+          <a:fillRef idx="0">
+            <a:schemeClr val="accent1"/>
+          </a:fillRef>
+          <a:effectRef idx="0">
+            <a:schemeClr val="accent1"/>
+          </a:effectRef>
+          <a:fontRef idx="minor">
+            <a:schemeClr val="tx1"/>
+          </a:fontRef>
+        </p:style>
+        <p:txBody>
+          <a:bodyPr rtlCol="0" anchor="ctr"/>
+          <a:lstStyle/>
+          <a:p>
+            <a:pPr algn="ctr"/>
+            <a:endParaRPr lang="zh-CN" altLang="en-US"/>
+          </a:p>
+        </p:txBody>
+      </p:sp>
+      <p:sp>
+        <p:nvSpPr>
+          <p:cNvPr id="32" name="文本框 31"/>
+          <p:cNvSpPr txBox="1"/>
+          <p:nvPr/>
+        </p:nvSpPr>
+        <p:spPr>
+          <a:xfrm>
+            <a:off x="9789967" y="5743074"/>
+            <a:ext cx="2642666" cy="307777"/>
+          </a:xfrm>
+          <a:prstGeom prst="rect">
+            <a:avLst/>
+          </a:prstGeom>
+          <a:noFill/>
+        </p:spPr>
+        <p:txBody>
+          <a:bodyPr wrap="square" rtlCol="0">
+            <a:spAutoFit/>
+          </a:bodyPr>
+          <a:lstStyle/>
+          <a:p>
+            <a:r>
+              <a:rPr lang="en-US" altLang="zh-CN" sz="1400" dirty="0" err="1" smtClean="0">
+                <a:solidFill>
+                  <a:schemeClr val="accent1">
+                    <a:lumMod val="75000"/>
+                  </a:schemeClr>
+                </a:solidFill>
+                <a:latin typeface="Microsoft Tai Le" panose="020B0502040204020203" pitchFamily="34" charset="0"/>
+                <a:cs typeface="Microsoft Tai Le" panose="020B0502040204020203" pitchFamily="34" charset="0"/>
+              </a:rPr>
+              <a:t>WiFi</a:t>
+            </a:r>
+            <a:r>
+              <a:rPr lang="en-US" altLang="zh-CN" sz="1400" dirty="0" smtClean="0">
+                <a:solidFill>
+                  <a:schemeClr val="accent1">
+                    <a:lumMod val="75000"/>
+                  </a:schemeClr>
+                </a:solidFill>
+                <a:latin typeface="Microsoft Tai Le" panose="020B0502040204020203" pitchFamily="34" charset="0"/>
+                <a:cs typeface="Microsoft Tai Le" panose="020B0502040204020203" pitchFamily="34" charset="0"/>
+              </a:rPr>
+              <a:t> Connection Established</a:t>
+            </a:r>
+            <a:endParaRPr lang="zh-CN" altLang="en-US" sz="1400" dirty="0">
+              <a:solidFill>
+                <a:schemeClr val="accent1">
+                  <a:lumMod val="75000"/>
+                </a:schemeClr>
+              </a:solidFill>
+              <a:latin typeface="Microsoft Tai Le" panose="020B0502040204020203" pitchFamily="34" charset="0"/>
+              <a:cs typeface="Microsoft Tai Le" panose="020B0502040204020203" pitchFamily="34" charset="0"/>
+            </a:endParaRPr>
+          </a:p>
+        </p:txBody>
+      </p:sp>
+      <p:sp>
+        <p:nvSpPr>
+          <p:cNvPr id="33" name="文本框 32"/>
+          <p:cNvSpPr txBox="1"/>
+          <p:nvPr/>
+        </p:nvSpPr>
+        <p:spPr>
+          <a:xfrm>
+            <a:off x="288759" y="241593"/>
+            <a:ext cx="7042482" cy="584775"/>
+          </a:xfrm>
+          <a:prstGeom prst="rect">
+            <a:avLst/>
+          </a:prstGeom>
+          <a:noFill/>
+        </p:spPr>
+        <p:txBody>
+          <a:bodyPr wrap="square" rtlCol="0">
+            <a:spAutoFit/>
+          </a:bodyPr>
+          <a:lstStyle/>
+          <a:p>
+            <a:r>
+              <a:rPr lang="en-US" altLang="zh-CN" sz="3200" b="1" dirty="0" err="1">
+                <a:latin typeface="Microsoft Tai Le" panose="020B0502040204020203" pitchFamily="34" charset="0"/>
+                <a:cs typeface="Microsoft Tai Le" panose="020B0502040204020203" pitchFamily="34" charset="0"/>
+              </a:rPr>
               <a:t>Comman</a:t>
             </a:r>
             <a:r>
-              <a:rPr lang="en-US" altLang="zh-CN" dirty="0" smtClean="0"/>
+              <a:rPr lang="en-US" altLang="zh-CN" sz="3200" b="1" dirty="0">
+                <a:latin typeface="Microsoft Tai Le" panose="020B0502040204020203" pitchFamily="34" charset="0"/>
+                <a:cs typeface="Microsoft Tai Le" panose="020B0502040204020203" pitchFamily="34" charset="0"/>
+              </a:rPr>
               <a:t> </a:t>
             </a:r>
             <a:r>
-              <a:rPr lang="en-US" altLang="zh-CN" dirty="0" err="1" smtClean="0"/>
+              <a:rPr lang="en-US" altLang="zh-CN" sz="3200" b="1" dirty="0" err="1">
+                <a:latin typeface="Microsoft Tai Le" panose="020B0502040204020203" pitchFamily="34" charset="0"/>
+                <a:cs typeface="Microsoft Tai Le" panose="020B0502040204020203" pitchFamily="34" charset="0"/>
+              </a:rPr>
               <a:t>WiFi</a:t>
             </a:r>
             <a:r>
-              <a:rPr lang="en-US" altLang="zh-CN" dirty="0" smtClean="0"/>
+              <a:rPr lang="en-US" altLang="zh-CN" sz="3200" b="1" dirty="0">
+                <a:latin typeface="Microsoft Tai Le" panose="020B0502040204020203" pitchFamily="34" charset="0"/>
+                <a:cs typeface="Microsoft Tai Le" panose="020B0502040204020203" pitchFamily="34" charset="0"/>
+              </a:rPr>
               <a:t> Connection</a:t>
             </a:r>
+          </a:p>
+        </p:txBody>
+      </p:sp>
+      <p:sp>
+        <p:nvSpPr>
+          <p:cNvPr id="34" name="右大括号 30"/>
+          <p:cNvSpPr/>
+          <p:nvPr/>
+        </p:nvSpPr>
+        <p:spPr>
+          <a:xfrm>
+            <a:off x="9572075" y="2218768"/>
+            <a:ext cx="210651" cy="1042693"/>
+          </a:xfrm>
+          <a:prstGeom prst="rightBrace">
+            <a:avLst/>
+          </a:prstGeom>
+          <a:ln>
+            <a:solidFill>
+              <a:schemeClr val="bg2">
+                <a:lumMod val="75000"/>
+              </a:schemeClr>
+            </a:solidFill>
+          </a:ln>
+        </p:spPr>
+        <p:style>
+          <a:lnRef idx="1">
+            <a:schemeClr val="accent1"/>
+          </a:lnRef>
+          <a:fillRef idx="0">
+            <a:schemeClr val="accent1"/>
+          </a:fillRef>
+          <a:effectRef idx="0">
+            <a:schemeClr val="accent1"/>
+          </a:effectRef>
+          <a:fontRef idx="minor">
+            <a:schemeClr val="tx1"/>
+          </a:fontRef>
+        </p:style>
+        <p:txBody>
+          <a:bodyPr rtlCol="0" anchor="ctr"/>
+          <a:lstStyle/>
+          <a:p>
+            <a:pPr algn="ctr"/>
+            <a:endParaRPr lang="zh-CN" altLang="en-US"/>
+          </a:p>
+        </p:txBody>
+      </p:sp>
+      <p:sp>
+        <p:nvSpPr>
+          <p:cNvPr id="35" name="文本框 31"/>
+          <p:cNvSpPr txBox="1"/>
+          <p:nvPr/>
+        </p:nvSpPr>
+        <p:spPr>
+          <a:xfrm>
+            <a:off x="9886219" y="2557227"/>
+            <a:ext cx="2642666" cy="307777"/>
+          </a:xfrm>
+          <a:prstGeom prst="rect">
+            <a:avLst/>
+          </a:prstGeom>
+          <a:noFill/>
+        </p:spPr>
+        <p:txBody>
+          <a:bodyPr wrap="square" rtlCol="0">
+            <a:spAutoFit/>
+          </a:bodyPr>
+          <a:lstStyle/>
+          <a:p>
+            <a:r>
+              <a:rPr lang="en-US" altLang="zh-CN" sz="1400" b="1" dirty="0" smtClean="0">
+                <a:solidFill>
+                  <a:srgbClr val="FF0000"/>
+                </a:solidFill>
+                <a:latin typeface="Microsoft Tai Le" panose="020B0502040204020203" pitchFamily="34" charset="0"/>
+                <a:cs typeface="Microsoft Tai Le" panose="020B0502040204020203" pitchFamily="34" charset="0"/>
+              </a:rPr>
+              <a:t>Ghost</a:t>
+            </a:r>
+            <a:r>
+              <a:rPr lang="zh-CN" altLang="en-US" sz="1400" b="1" dirty="0" smtClean="0">
+                <a:solidFill>
+                  <a:srgbClr val="FF0000"/>
+                </a:solidFill>
+                <a:latin typeface="Microsoft Tai Le" panose="020B0502040204020203" pitchFamily="34" charset="0"/>
+                <a:cs typeface="Microsoft Tai Le" panose="020B0502040204020203" pitchFamily="34" charset="0"/>
+              </a:rPr>
+              <a:t> </a:t>
+            </a:r>
+            <a:r>
+              <a:rPr lang="en-US" altLang="zh-CN" sz="1400" b="1" dirty="0" smtClean="0">
+                <a:solidFill>
+                  <a:srgbClr val="FF0000"/>
+                </a:solidFill>
+                <a:latin typeface="Microsoft Tai Le" panose="020B0502040204020203" pitchFamily="34" charset="0"/>
+                <a:cs typeface="Microsoft Tai Le" panose="020B0502040204020203" pitchFamily="34" charset="0"/>
+              </a:rPr>
+              <a:t>Tunnel</a:t>
+            </a:r>
+            <a:endParaRPr lang="zh-CN" altLang="en-US" sz="1400" b="1" dirty="0">
+              <a:solidFill>
+                <a:srgbClr val="FF0000"/>
+              </a:solidFill>
+              <a:latin typeface="Microsoft Tai Le" panose="020B0502040204020203" pitchFamily="34" charset="0"/>
+              <a:cs typeface="Microsoft Tai Le" panose="020B0502040204020203" pitchFamily="34" charset="0"/>
+            </a:endParaRPr>
           </a:p>
         </p:txBody>
       </p:sp>
@@ -3765,6 +4820,13 @@
   <p:clrMapOvr>
     <a:masterClrMapping/>
   </p:clrMapOvr>
+  <p:timing>
+    <p:tnLst>
+      <p:par>
+        <p:cTn id="1" dur="indefinite" restart="never" nodeType="tmRoot"/>
+      </p:par>
+    </p:tnLst>
+  </p:timing>
 </p:sld>
 </file>
 
@@ -3785,16 +4847,160 @@
           <a:chExt cx="0" cy="0"/>
         </a:xfrm>
       </p:grpSpPr>
-      <p:sp>
-        <p:nvSpPr>
-          <p:cNvPr id="3" name="文本框 2"/>
+      <p:pic>
+        <p:nvPicPr>
+          <p:cNvPr id="5" name="图片 4"/>
+          <p:cNvPicPr>
+            <a:picLocks noChangeAspect="1"/>
+          </p:cNvPicPr>
+          <p:nvPr/>
+        </p:nvPicPr>
+        <p:blipFill>
+          <a:blip r:embed="rId2"/>
+          <a:stretch>
+            <a:fillRect/>
+          </a:stretch>
+        </p:blipFill>
+        <p:spPr>
+          <a:xfrm>
+            <a:off x="2911642" y="3223206"/>
+            <a:ext cx="5167492" cy="3377256"/>
+          </a:xfrm>
+          <a:prstGeom prst="rect">
+            <a:avLst/>
+          </a:prstGeom>
+        </p:spPr>
+      </p:pic>
+      <p:pic>
+        <p:nvPicPr>
+          <p:cNvPr id="6" name="图片 5"/>
+          <p:cNvPicPr>
+            <a:picLocks noChangeAspect="1"/>
+          </p:cNvPicPr>
+          <p:nvPr/>
+        </p:nvPicPr>
+        <p:blipFill>
+          <a:blip r:embed="rId3"/>
+          <a:stretch>
+            <a:fillRect/>
+          </a:stretch>
+        </p:blipFill>
+        <p:spPr>
+          <a:xfrm>
+            <a:off x="9810934" y="2662989"/>
+            <a:ext cx="2110191" cy="1517004"/>
+          </a:xfrm>
+          <a:prstGeom prst="rect">
+            <a:avLst/>
+          </a:prstGeom>
+        </p:spPr>
+      </p:pic>
+      <p:sp>
+        <p:nvSpPr>
+          <p:cNvPr id="7" name="右箭头 6"/>
+          <p:cNvSpPr/>
+          <p:nvPr/>
+        </p:nvSpPr>
+        <p:spPr>
+          <a:xfrm rot="19580327">
+            <a:off x="7598878" y="4347680"/>
+            <a:ext cx="1973179" cy="130994"/>
+          </a:xfrm>
+          <a:prstGeom prst="rightArrow">
+            <a:avLst/>
+          </a:prstGeom>
+          <a:noFill/>
+          <a:ln>
+            <a:solidFill>
+              <a:schemeClr val="bg2">
+                <a:lumMod val="75000"/>
+              </a:schemeClr>
+            </a:solidFill>
+          </a:ln>
+        </p:spPr>
+        <p:style>
+          <a:lnRef idx="2">
+            <a:schemeClr val="accent1">
+              <a:shade val="50000"/>
+            </a:schemeClr>
+          </a:lnRef>
+          <a:fillRef idx="1">
+            <a:schemeClr val="accent1"/>
+          </a:fillRef>
+          <a:effectRef idx="0">
+            <a:schemeClr val="accent1"/>
+          </a:effectRef>
+          <a:fontRef idx="minor">
+            <a:schemeClr val="lt1"/>
+          </a:fontRef>
+        </p:style>
+        <p:txBody>
+          <a:bodyPr rtlCol="0" anchor="ctr"/>
+          <a:lstStyle/>
+          <a:p>
+            <a:pPr algn="ctr"/>
+            <a:endParaRPr lang="zh-CN" altLang="en-US"/>
+          </a:p>
+        </p:txBody>
+      </p:sp>
+      <p:sp>
+        <p:nvSpPr>
+          <p:cNvPr id="8" name="右箭头 7"/>
+          <p:cNvSpPr/>
+          <p:nvPr/>
+        </p:nvSpPr>
+        <p:spPr>
+          <a:xfrm rot="8754291">
+            <a:off x="8056622" y="4527424"/>
+            <a:ext cx="1973179" cy="130994"/>
+          </a:xfrm>
+          <a:prstGeom prst="rightArrow">
+            <a:avLst/>
+          </a:prstGeom>
+          <a:noFill/>
+          <a:ln>
+            <a:solidFill>
+              <a:schemeClr val="bg2">
+                <a:lumMod val="75000"/>
+              </a:schemeClr>
+            </a:solidFill>
+          </a:ln>
+        </p:spPr>
+        <p:style>
+          <a:lnRef idx="2">
+            <a:schemeClr val="accent1">
+              <a:shade val="50000"/>
+            </a:schemeClr>
+          </a:lnRef>
+          <a:fillRef idx="1">
+            <a:schemeClr val="accent1"/>
+          </a:fillRef>
+          <a:effectRef idx="0">
+            <a:schemeClr val="accent1"/>
+          </a:effectRef>
+          <a:fontRef idx="minor">
+            <a:schemeClr val="lt1"/>
+          </a:fontRef>
+        </p:style>
+        <p:txBody>
+          <a:bodyPr rtlCol="0" anchor="ctr"/>
+          <a:lstStyle/>
+          <a:p>
+            <a:pPr algn="ctr"/>
+            <a:endParaRPr lang="zh-CN" altLang="en-US"/>
+          </a:p>
+        </p:txBody>
+      </p:sp>
+      <p:sp>
+        <p:nvSpPr>
+          <p:cNvPr id="9" name="文本框 8"/>
           <p:cNvSpPr txBox="1"/>
           <p:nvPr/>
         </p:nvSpPr>
         <p:spPr>
-          <a:xfrm>
-            <a:off x="1581046" y="2112835"/>
-            <a:ext cx="7647839" cy="2308324"/>
+          <a:xfrm rot="19514514">
+            <a:off x="7720143" y="4041472"/>
+            <a:ext cx="1838981" cy="307777"/>
           </a:xfrm>
           <a:prstGeom prst="rect">
             <a:avLst/>
@@ -3807,75 +5013,30 @@
           </a:bodyPr>
           <a:lstStyle/>
           <a:p>
-            <a:pPr marL="285750" indent="-285750">
-              <a:lnSpc>
-                <a:spcPct val="150000"/>
-              </a:lnSpc>
-              <a:buFont typeface="Arial" charset="0"/>
-              <a:buChar char="•"/>
-            </a:pPr>
-            <a:r>
-              <a:rPr lang="en-US" altLang="zh-CN" sz="2400" dirty="0"/>
-              <a:t>A covert </a:t>
-            </a:r>
-            <a:r>
-              <a:rPr lang="en-US" altLang="zh-CN" sz="2400" dirty="0" err="1"/>
-              <a:t>WiFi</a:t>
-            </a:r>
-            <a:r>
-              <a:rPr lang="en-US" altLang="zh-CN" sz="2400" dirty="0"/>
-              <a:t> channel using Beacon, Probe Request, </a:t>
-            </a:r>
-            <a:r>
-              <a:rPr lang="en-US" altLang="zh-CN" sz="2400" dirty="0" smtClean="0"/>
-              <a:t>Probe </a:t>
-            </a:r>
-            <a:r>
-              <a:rPr lang="en-US" altLang="zh-CN" sz="2400" dirty="0" smtClean="0"/>
-              <a:t>Response</a:t>
-            </a:r>
-            <a:endParaRPr lang="zh-CN" altLang="en-US" sz="2400" dirty="0" smtClean="0"/>
-          </a:p>
-          <a:p>
-            <a:pPr marL="285750" indent="-285750">
-              <a:lnSpc>
-                <a:spcPct val="150000"/>
-              </a:lnSpc>
-              <a:buFont typeface="Arial" charset="0"/>
-              <a:buChar char="•"/>
-            </a:pPr>
-            <a:endParaRPr lang="en-US" altLang="zh-CN" sz="2400" dirty="0"/>
-          </a:p>
-          <a:p>
-            <a:pPr marL="285750" indent="-285750">
-              <a:lnSpc>
-                <a:spcPct val="150000"/>
-              </a:lnSpc>
-              <a:buFont typeface="Arial" charset="0"/>
-              <a:buChar char="•"/>
-            </a:pPr>
-            <a:r>
-              <a:rPr lang="en-US" altLang="zh-CN" sz="2400" dirty="0" smtClean="0"/>
-              <a:t>A </a:t>
-            </a:r>
-            <a:r>
-              <a:rPr lang="en-US" altLang="zh-CN" sz="2400" dirty="0"/>
-              <a:t>special SSID as the identifier</a:t>
-            </a:r>
-            <a:endParaRPr lang="zh-CN" altLang="en-US" sz="2400" dirty="0"/>
-          </a:p>
-        </p:txBody>
-      </p:sp>
-      <p:sp>
-        <p:nvSpPr>
-          <p:cNvPr id="4" name="文本框 3"/>
+            <a:r>
+              <a:rPr lang="en-US" altLang="zh-CN" sz="1400" dirty="0" smtClean="0">
+                <a:latin typeface="Microsoft Tai Le" panose="020B0502040204020203" pitchFamily="34" charset="0"/>
+                <a:cs typeface="Microsoft Tai Le" panose="020B0502040204020203" pitchFamily="34" charset="0"/>
+              </a:rPr>
+              <a:t>Probe Request</a:t>
+            </a:r>
+            <a:endParaRPr lang="zh-CN" altLang="en-US" sz="1400" dirty="0">
+              <a:latin typeface="Microsoft Tai Le" panose="020B0502040204020203" pitchFamily="34" charset="0"/>
+              <a:cs typeface="Microsoft Tai Le" panose="020B0502040204020203" pitchFamily="34" charset="0"/>
+            </a:endParaRPr>
+          </a:p>
+        </p:txBody>
+      </p:sp>
+      <p:sp>
+        <p:nvSpPr>
+          <p:cNvPr id="10" name="文本框 9"/>
           <p:cNvSpPr txBox="1"/>
           <p:nvPr/>
         </p:nvSpPr>
         <p:spPr>
-          <a:xfrm>
-            <a:off x="473626" y="712926"/>
-            <a:ext cx="9862680" cy="523220"/>
+          <a:xfrm rot="19550841">
+            <a:off x="8115263" y="4489727"/>
+            <a:ext cx="2509630" cy="307777"/>
           </a:xfrm>
           <a:prstGeom prst="rect">
             <a:avLst/>
@@ -3889,28 +5050,197 @@
           <a:lstStyle/>
           <a:p>
             <a:r>
-              <a:rPr lang="en-US" altLang="zh-CN" sz="2800" dirty="0">
-                <a:latin typeface="Abadi MT Condensed Extra Bold" charset="0"/>
-                <a:ea typeface="Abadi MT Condensed Extra Bold" charset="0"/>
-                <a:cs typeface="Abadi MT Condensed Extra Bold" charset="0"/>
+              <a:rPr lang="en-US" altLang="zh-CN" sz="1400" dirty="0" smtClean="0">
+                <a:latin typeface="Microsoft Tai Le" panose="020B0502040204020203" pitchFamily="34" charset="0"/>
+                <a:cs typeface="Microsoft Tai Le" panose="020B0502040204020203" pitchFamily="34" charset="0"/>
+              </a:rPr>
+              <a:t>Beacon/Probe Response</a:t>
+            </a:r>
+            <a:endParaRPr lang="zh-CN" altLang="en-US" sz="1400" dirty="0">
+              <a:latin typeface="Microsoft Tai Le" panose="020B0502040204020203" pitchFamily="34" charset="0"/>
+              <a:cs typeface="Microsoft Tai Le" panose="020B0502040204020203" pitchFamily="34" charset="0"/>
+            </a:endParaRPr>
+          </a:p>
+        </p:txBody>
+      </p:sp>
+      <p:sp>
+        <p:nvSpPr>
+          <p:cNvPr id="11" name="文本框 10"/>
+          <p:cNvSpPr txBox="1"/>
+          <p:nvPr/>
+        </p:nvSpPr>
+        <p:spPr>
+          <a:xfrm>
+            <a:off x="9250017" y="2884022"/>
+            <a:ext cx="1097140" cy="338554"/>
+          </a:xfrm>
+          <a:prstGeom prst="rect">
+            <a:avLst/>
+          </a:prstGeom>
+          <a:noFill/>
+        </p:spPr>
+        <p:txBody>
+          <a:bodyPr wrap="square" rtlCol="0">
+            <a:spAutoFit/>
+          </a:bodyPr>
+          <a:lstStyle/>
+          <a:p>
+            <a:r>
+              <a:rPr lang="en-US" altLang="zh-CN" sz="1600" b="1" dirty="0" smtClean="0">
+                <a:latin typeface="Microsoft Tai Le" panose="020B0502040204020203" pitchFamily="34" charset="0"/>
+                <a:cs typeface="Microsoft Tai Le" panose="020B0502040204020203" pitchFamily="34" charset="0"/>
+              </a:rPr>
+              <a:t>SSID : </a:t>
+            </a:r>
+            <a:r>
+              <a:rPr lang="en-US" altLang="zh-CN" sz="1600" b="1" dirty="0" err="1" smtClean="0">
+                <a:latin typeface="Microsoft Tai Le" panose="020B0502040204020203" pitchFamily="34" charset="0"/>
+                <a:cs typeface="Microsoft Tai Le" panose="020B0502040204020203" pitchFamily="34" charset="0"/>
+              </a:rPr>
+              <a:t>gt</a:t>
+            </a:r>
+            <a:endParaRPr lang="zh-CN" altLang="en-US" sz="1600" b="1" dirty="0">
+              <a:latin typeface="Microsoft Tai Le" panose="020B0502040204020203" pitchFamily="34" charset="0"/>
+              <a:cs typeface="Microsoft Tai Le" panose="020B0502040204020203" pitchFamily="34" charset="0"/>
+            </a:endParaRPr>
+          </a:p>
+        </p:txBody>
+      </p:sp>
+      <p:sp>
+        <p:nvSpPr>
+          <p:cNvPr id="12" name="文本框 11"/>
+          <p:cNvSpPr txBox="1"/>
+          <p:nvPr/>
+        </p:nvSpPr>
+        <p:spPr>
+          <a:xfrm>
+            <a:off x="10591139" y="4012011"/>
+            <a:ext cx="1426238" cy="338554"/>
+          </a:xfrm>
+          <a:prstGeom prst="rect">
+            <a:avLst/>
+          </a:prstGeom>
+          <a:noFill/>
+        </p:spPr>
+        <p:txBody>
+          <a:bodyPr wrap="square" rtlCol="0">
+            <a:spAutoFit/>
+          </a:bodyPr>
+          <a:lstStyle/>
+          <a:p>
+            <a:r>
+              <a:rPr lang="en-US" altLang="zh-CN" sz="1600" b="1" dirty="0" smtClean="0">
+                <a:latin typeface="Microsoft Tai Le" panose="020B0502040204020203" pitchFamily="34" charset="0"/>
+                <a:cs typeface="Microsoft Tai Le" panose="020B0502040204020203" pitchFamily="34" charset="0"/>
+              </a:rPr>
+              <a:t>Fake AP</a:t>
+            </a:r>
+            <a:endParaRPr lang="zh-CN" altLang="en-US" sz="1600" b="1" dirty="0">
+              <a:latin typeface="Microsoft Tai Le" panose="020B0502040204020203" pitchFamily="34" charset="0"/>
+              <a:cs typeface="Microsoft Tai Le" panose="020B0502040204020203" pitchFamily="34" charset="0"/>
+            </a:endParaRPr>
+          </a:p>
+        </p:txBody>
+      </p:sp>
+      <p:sp>
+        <p:nvSpPr>
+          <p:cNvPr id="14" name="文本框 13"/>
+          <p:cNvSpPr txBox="1"/>
+          <p:nvPr/>
+        </p:nvSpPr>
+        <p:spPr>
+          <a:xfrm>
+            <a:off x="689811" y="641683"/>
+            <a:ext cx="8560205" cy="584775"/>
+          </a:xfrm>
+          <a:prstGeom prst="rect">
+            <a:avLst/>
+          </a:prstGeom>
+          <a:noFill/>
+        </p:spPr>
+        <p:txBody>
+          <a:bodyPr wrap="square" rtlCol="0">
+            <a:spAutoFit/>
+          </a:bodyPr>
+          <a:lstStyle/>
+          <a:p>
+            <a:r>
+              <a:rPr lang="en-US" altLang="zh-CN" sz="3200" b="1" dirty="0">
+                <a:latin typeface="Microsoft Tai Le" panose="020B0502040204020203" pitchFamily="34" charset="0"/>
+                <a:cs typeface="Microsoft Tai Le" panose="020B0502040204020203" pitchFamily="34" charset="0"/>
               </a:rPr>
               <a:t>Ghost Tunnel – No </a:t>
             </a:r>
             <a:r>
-              <a:rPr lang="en-US" altLang="zh-CN" sz="2800" dirty="0" err="1">
-                <a:latin typeface="Abadi MT Condensed Extra Bold" charset="0"/>
-                <a:ea typeface="Abadi MT Condensed Extra Bold" charset="0"/>
-                <a:cs typeface="Abadi MT Condensed Extra Bold" charset="0"/>
+              <a:rPr lang="en-US" altLang="zh-CN" sz="3200" b="1" dirty="0" err="1">
+                <a:latin typeface="Microsoft Tai Le" panose="020B0502040204020203" pitchFamily="34" charset="0"/>
+                <a:cs typeface="Microsoft Tai Le" panose="020B0502040204020203" pitchFamily="34" charset="0"/>
               </a:rPr>
               <a:t>WiFi</a:t>
             </a:r>
             <a:r>
-              <a:rPr lang="en-US" altLang="zh-CN" sz="2800" dirty="0">
-                <a:latin typeface="Abadi MT Condensed Extra Bold" charset="0"/>
-                <a:ea typeface="Abadi MT Condensed Extra Bold" charset="0"/>
-                <a:cs typeface="Abadi MT Condensed Extra Bold" charset="0"/>
+              <a:rPr lang="en-US" altLang="zh-CN" sz="3200" b="1" dirty="0">
+                <a:latin typeface="Microsoft Tai Le" panose="020B0502040204020203" pitchFamily="34" charset="0"/>
+                <a:cs typeface="Microsoft Tai Le" panose="020B0502040204020203" pitchFamily="34" charset="0"/>
               </a:rPr>
               <a:t> Connection</a:t>
+            </a:r>
+          </a:p>
+        </p:txBody>
+      </p:sp>
+      <p:sp>
+        <p:nvSpPr>
+          <p:cNvPr id="15" name="文本框 14"/>
+          <p:cNvSpPr txBox="1"/>
+          <p:nvPr/>
+        </p:nvSpPr>
+        <p:spPr>
+          <a:xfrm>
+            <a:off x="689812" y="1652532"/>
+            <a:ext cx="9143999" cy="1508105"/>
+          </a:xfrm>
+          <a:prstGeom prst="rect">
+            <a:avLst/>
+          </a:prstGeom>
+          <a:noFill/>
+        </p:spPr>
+        <p:txBody>
+          <a:bodyPr wrap="square" rtlCol="0">
+            <a:spAutoFit/>
+          </a:bodyPr>
+          <a:lstStyle/>
+          <a:p>
+            <a:pPr marL="342900" indent="-342900">
+              <a:spcBef>
+                <a:spcPts val="2400"/>
+              </a:spcBef>
+              <a:buFont typeface="Arial" panose="020B0604020202020204" pitchFamily="34" charset="0"/>
+              <a:buChar char="•"/>
+            </a:pPr>
+            <a:r>
+              <a:rPr lang="en-US" altLang="zh-CN" sz="2400" dirty="0"/>
+              <a:t>A covert </a:t>
+            </a:r>
+            <a:r>
+              <a:rPr lang="en-US" altLang="zh-CN" sz="2400" dirty="0" err="1"/>
+              <a:t>WiFi</a:t>
+            </a:r>
+            <a:r>
+              <a:rPr lang="en-US" altLang="zh-CN" sz="2400" dirty="0"/>
+              <a:t> channel using Beacon, Probe Request, Probe Response</a:t>
+            </a:r>
+          </a:p>
+          <a:p>
+            <a:pPr marL="342900" indent="-342900">
+              <a:spcBef>
+                <a:spcPts val="2400"/>
+              </a:spcBef>
+              <a:buFont typeface="Arial" panose="020B0604020202020204" pitchFamily="34" charset="0"/>
+              <a:buChar char="•"/>
+            </a:pPr>
+            <a:r>
+              <a:rPr lang="en-US" altLang="zh-CN" sz="2400" dirty="0"/>
+              <a:t>A special SSID as the identifier</a:t>
             </a:r>
           </a:p>
         </p:txBody>
@@ -3925,6 +5255,13 @@
   <p:clrMapOvr>
     <a:masterClrMapping/>
   </p:clrMapOvr>
+  <p:timing>
+    <p:tnLst>
+      <p:par>
+        <p:cTn id="1" dur="indefinite" restart="never" nodeType="tmRoot"/>
+      </p:par>
+    </p:tnLst>
+  </p:timing>
 </p:sld>
 </file>
 
@@ -3947,14 +5284,14 @@
       </p:grpSpPr>
       <p:sp>
         <p:nvSpPr>
-          <p:cNvPr id="5" name="文本框 3"/>
+          <p:cNvPr id="2" name="文本框 1"/>
           <p:cNvSpPr txBox="1"/>
           <p:nvPr/>
         </p:nvSpPr>
         <p:spPr>
           <a:xfrm>
-            <a:off x="535049" y="4197552"/>
-            <a:ext cx="5928503" cy="1754326"/>
+            <a:off x="866274" y="4363452"/>
+            <a:ext cx="5213684" cy="2308324"/>
           </a:xfrm>
           <a:prstGeom prst="rect">
             <a:avLst/>
@@ -3968,17 +5305,28 @@
           <a:lstStyle/>
           <a:p>
             <a:r>
-              <a:rPr lang="en-US" altLang="zh-CN" sz="5400" dirty="0">
-                <a:latin typeface="Abadi MT Condensed Extra Bold" charset="0"/>
-                <a:ea typeface="Abadi MT Condensed Extra Bold" charset="0"/>
-                <a:cs typeface="Abadi MT Condensed Extra Bold" charset="0"/>
+              <a:rPr lang="en-US" altLang="zh-CN" sz="4800" b="1" dirty="0" smtClean="0">
+                <a:latin typeface="Microsoft Tai Le" panose="020B0502040204020203" pitchFamily="34" charset="0"/>
+                <a:cs typeface="Microsoft Tai Le" panose="020B0502040204020203" pitchFamily="34" charset="0"/>
               </a:rPr>
-              <a:t>Ghost Tunnel implementation</a:t>
-            </a:r>
-            <a:endParaRPr lang="en-US" altLang="zh-CN" sz="5400" dirty="0">
-              <a:latin typeface="Abadi MT Condensed Extra Bold" charset="0"/>
-              <a:ea typeface="Abadi MT Condensed Extra Bold" charset="0"/>
-              <a:cs typeface="Abadi MT Condensed Extra Bold" charset="0"/>
+              <a:t>Ghost </a:t>
+            </a:r>
+            <a:r>
+              <a:rPr lang="en-US" altLang="zh-CN" sz="4800" b="1" smtClean="0">
+                <a:latin typeface="Microsoft Tai Le" panose="020B0502040204020203" pitchFamily="34" charset="0"/>
+                <a:cs typeface="Microsoft Tai Le" panose="020B0502040204020203" pitchFamily="34" charset="0"/>
+              </a:rPr>
+              <a:t>Tunnel Implementation</a:t>
+            </a:r>
+            <a:endParaRPr lang="en-US" altLang="zh-CN" sz="4800" b="1" dirty="0" smtClean="0">
+              <a:latin typeface="Microsoft Tai Le" panose="020B0502040204020203" pitchFamily="34" charset="0"/>
+              <a:cs typeface="Microsoft Tai Le" panose="020B0502040204020203" pitchFamily="34" charset="0"/>
+            </a:endParaRPr>
+          </a:p>
+          <a:p>
+            <a:endParaRPr lang="zh-CN" altLang="en-US" sz="4800" b="1" dirty="0">
+              <a:latin typeface="Microsoft Tai Le" panose="020B0502040204020203" pitchFamily="34" charset="0"/>
+              <a:cs typeface="Microsoft Tai Le" panose="020B0502040204020203" pitchFamily="34" charset="0"/>
             </a:endParaRPr>
           </a:p>
         </p:txBody>
@@ -3993,6 +5341,13 @@
   <p:clrMapOvr>
     <a:masterClrMapping/>
   </p:clrMapOvr>
+  <p:timing>
+    <p:tnLst>
+      <p:par>
+        <p:cTn id="1" dur="indefinite" restart="never" nodeType="tmRoot"/>
+      </p:par>
+    </p:tnLst>
+  </p:timing>
 </p:sld>
 </file>
 
@@ -4015,14 +5370,14 @@
       </p:grpSpPr>
       <p:sp>
         <p:nvSpPr>
-          <p:cNvPr id="2" name="文本框 1"/>
+          <p:cNvPr id="3" name="文本框 2"/>
           <p:cNvSpPr txBox="1"/>
           <p:nvPr/>
         </p:nvSpPr>
         <p:spPr>
           <a:xfrm>
-            <a:off x="1106905" y="4379494"/>
-            <a:ext cx="3545305" cy="369332"/>
+            <a:off x="689811" y="641683"/>
+            <a:ext cx="8560205" cy="584775"/>
           </a:xfrm>
           <a:prstGeom prst="rect">
             <a:avLst/>
@@ -4036,23 +5391,39 @@
           <a:lstStyle/>
           <a:p>
             <a:r>
-              <a:rPr lang="en-US" altLang="zh-CN" dirty="0" smtClean="0"/>
-              <a:t>Beacon/Probe Response</a:t>
-            </a:r>
-            <a:endParaRPr lang="zh-CN" altLang="en-US" dirty="0"/>
-          </a:p>
-        </p:txBody>
-      </p:sp>
-      <p:sp>
-        <p:nvSpPr>
-          <p:cNvPr id="3" name="文本框 2"/>
+              <a:rPr lang="en-US" altLang="zh-CN" sz="3200" b="1" dirty="0">
+                <a:latin typeface="Microsoft Tai Le" panose="020B0502040204020203" pitchFamily="34" charset="0"/>
+                <a:cs typeface="Microsoft Tai Le" panose="020B0502040204020203" pitchFamily="34" charset="0"/>
+              </a:rPr>
+              <a:t>Through Operating System </a:t>
+            </a:r>
+            <a:r>
+              <a:rPr lang="en-US" altLang="zh-CN" sz="3200" b="1" dirty="0" err="1">
+                <a:latin typeface="Microsoft Tai Le" panose="020B0502040204020203" pitchFamily="34" charset="0"/>
+                <a:cs typeface="Microsoft Tai Le" panose="020B0502040204020203" pitchFamily="34" charset="0"/>
+              </a:rPr>
+              <a:t>WiFi</a:t>
+            </a:r>
+            <a:r>
+              <a:rPr lang="en-US" altLang="zh-CN" sz="3200" b="1" dirty="0">
+                <a:latin typeface="Microsoft Tai Le" panose="020B0502040204020203" pitchFamily="34" charset="0"/>
+                <a:cs typeface="Microsoft Tai Le" panose="020B0502040204020203" pitchFamily="34" charset="0"/>
+              </a:rPr>
+              <a:t> API</a:t>
+            </a:r>
+          </a:p>
+        </p:txBody>
+      </p:sp>
+      <p:sp>
+        <p:nvSpPr>
+          <p:cNvPr id="4" name="文本框 3"/>
           <p:cNvSpPr txBox="1"/>
           <p:nvPr/>
         </p:nvSpPr>
         <p:spPr>
           <a:xfrm>
-            <a:off x="2695074" y="1299411"/>
-            <a:ext cx="4299284" cy="369332"/>
+            <a:off x="1577008" y="1909206"/>
+            <a:ext cx="6785809" cy="3139321"/>
           </a:xfrm>
           <a:prstGeom prst="rect">
             <a:avLst/>
@@ -4065,187 +5436,20 @@
           </a:bodyPr>
           <a:lstStyle/>
           <a:p>
-            <a:r>
-              <a:rPr lang="en-US" altLang="zh-CN" dirty="0" smtClean="0"/>
-              <a:t>Beacon</a:t>
-            </a:r>
-            <a:r>
-              <a:rPr lang="zh-CN" altLang="en-US" dirty="0" smtClean="0"/>
-              <a:t>帧结构</a:t>
-            </a:r>
-            <a:endParaRPr lang="zh-CN" altLang="en-US" dirty="0"/>
-          </a:p>
-        </p:txBody>
-      </p:sp>
-    </p:spTree>
-    <p:extLst>
-      <p:ext uri="{BB962C8B-B14F-4D97-AF65-F5344CB8AC3E}">
-        <p14:creationId xmlns:p14="http://schemas.microsoft.com/office/powerpoint/2010/main" val="3800914842"/>
-      </p:ext>
-    </p:extLst>
-  </p:cSld>
-  <p:clrMapOvr>
-    <a:masterClrMapping/>
-  </p:clrMapOvr>
-</p:sld>
-</file>
-
-<file path=ppt/slides/slide15.xml><?xml version="1.0" encoding="utf-8"?>
-<p:sld xmlns:a="http://schemas.openxmlformats.org/drawingml/2006/main" xmlns:r="http://schemas.openxmlformats.org/officeDocument/2006/relationships" xmlns:p="http://schemas.openxmlformats.org/presentationml/2006/main">
-  <p:cSld>
-    <p:spTree>
-      <p:nvGrpSpPr>
-        <p:cNvPr id="1" name=""/>
-        <p:cNvGrpSpPr/>
-        <p:nvPr/>
-      </p:nvGrpSpPr>
-      <p:grpSpPr>
-        <a:xfrm>
-          <a:off x="0" y="0"/>
-          <a:ext cx="0" cy="0"/>
-          <a:chOff x="0" y="0"/>
-          <a:chExt cx="0" cy="0"/>
-        </a:xfrm>
-      </p:grpSpPr>
-      <p:sp>
-        <p:nvSpPr>
-          <p:cNvPr id="2" name="文本框 1"/>
-          <p:cNvSpPr txBox="1"/>
-          <p:nvPr/>
-        </p:nvSpPr>
-        <p:spPr>
-          <a:xfrm>
-            <a:off x="1106905" y="4379494"/>
-            <a:ext cx="3545305" cy="369332"/>
-          </a:xfrm>
-          <a:prstGeom prst="rect">
-            <a:avLst/>
-          </a:prstGeom>
-          <a:noFill/>
-        </p:spPr>
-        <p:txBody>
-          <a:bodyPr wrap="square" rtlCol="0">
-            <a:spAutoFit/>
-          </a:bodyPr>
-          <a:lstStyle/>
-          <a:p>
-            <a:r>
-              <a:rPr lang="en-US" altLang="zh-CN" dirty="0" smtClean="0"/>
-              <a:t>Probe Request</a:t>
-            </a:r>
-            <a:endParaRPr lang="zh-CN" altLang="en-US" dirty="0"/>
-          </a:p>
-        </p:txBody>
-      </p:sp>
-      <p:sp>
-        <p:nvSpPr>
-          <p:cNvPr id="4" name="文本框 3"/>
-          <p:cNvSpPr txBox="1"/>
-          <p:nvPr/>
-        </p:nvSpPr>
-        <p:spPr>
-          <a:xfrm>
-            <a:off x="2695074" y="1299411"/>
-            <a:ext cx="4299284" cy="369332"/>
-          </a:xfrm>
-          <a:prstGeom prst="rect">
-            <a:avLst/>
-          </a:prstGeom>
-          <a:noFill/>
-        </p:spPr>
-        <p:txBody>
-          <a:bodyPr wrap="square" rtlCol="0">
-            <a:spAutoFit/>
-          </a:bodyPr>
-          <a:lstStyle/>
-          <a:p>
-            <a:r>
-              <a:rPr lang="en-US" altLang="zh-CN" dirty="0" smtClean="0"/>
-              <a:t>Probe request</a:t>
-            </a:r>
-            <a:r>
-              <a:rPr lang="zh-CN" altLang="en-US" dirty="0" smtClean="0"/>
-              <a:t>帧结构</a:t>
-            </a:r>
-            <a:endParaRPr lang="en-US" altLang="zh-CN" dirty="0" smtClean="0"/>
-          </a:p>
-        </p:txBody>
-      </p:sp>
-    </p:spTree>
-    <p:extLst>
-      <p:ext uri="{BB962C8B-B14F-4D97-AF65-F5344CB8AC3E}">
-        <p14:creationId xmlns:p14="http://schemas.microsoft.com/office/powerpoint/2010/main" val="1559476576"/>
-      </p:ext>
-    </p:extLst>
-  </p:cSld>
-  <p:clrMapOvr>
-    <a:masterClrMapping/>
-  </p:clrMapOvr>
-</p:sld>
-</file>
-
-<file path=ppt/slides/slide16.xml><?xml version="1.0" encoding="utf-8"?>
-<p:sld xmlns:a="http://schemas.openxmlformats.org/drawingml/2006/main" xmlns:r="http://schemas.openxmlformats.org/officeDocument/2006/relationships" xmlns:p="http://schemas.openxmlformats.org/presentationml/2006/main">
-  <p:cSld>
-    <p:spTree>
-      <p:nvGrpSpPr>
-        <p:cNvPr id="1" name=""/>
-        <p:cNvGrpSpPr/>
-        <p:nvPr/>
-      </p:nvGrpSpPr>
-      <p:grpSpPr>
-        <a:xfrm>
-          <a:off x="0" y="0"/>
-          <a:ext cx="0" cy="0"/>
-          <a:chOff x="0" y="0"/>
-          <a:chExt cx="0" cy="0"/>
-        </a:xfrm>
-      </p:grpSpPr>
-      <p:sp>
-        <p:nvSpPr>
-          <p:cNvPr id="2" name="文本框 1"/>
-          <p:cNvSpPr txBox="1"/>
-          <p:nvPr/>
-        </p:nvSpPr>
-        <p:spPr>
-          <a:xfrm>
-            <a:off x="2549471" y="1958552"/>
-            <a:ext cx="5710989" cy="2677656"/>
-          </a:xfrm>
-          <a:prstGeom prst="rect">
-            <a:avLst/>
-          </a:prstGeom>
-          <a:noFill/>
-        </p:spPr>
-        <p:txBody>
-          <a:bodyPr wrap="square" rtlCol="0">
-            <a:spAutoFit/>
-          </a:bodyPr>
-          <a:lstStyle/>
-          <a:p>
-            <a:pPr marL="285750" indent="-285750">
-              <a:buFont typeface="Arial" charset="0"/>
-              <a:buChar char="•"/>
+            <a:pPr>
+              <a:spcBef>
+                <a:spcPts val="2400"/>
+              </a:spcBef>
             </a:pPr>
             <a:r>
-              <a:rPr lang="en-US" altLang="zh-CN" sz="2800" dirty="0" smtClean="0"/>
-              <a:t>Windows</a:t>
-            </a:r>
-            <a:endParaRPr lang="en-US" altLang="zh-CN" sz="2800" dirty="0"/>
-          </a:p>
-          <a:p>
-            <a:pPr lvl="1"/>
-            <a:r>
-              <a:rPr lang="en-US" altLang="zh-CN" sz="2800" dirty="0" smtClean="0"/>
-              <a:t>-</a:t>
-            </a:r>
-            <a:r>
-              <a:rPr lang="zh-CN" altLang="en-US" sz="2800" dirty="0" smtClean="0"/>
-              <a:t> </a:t>
-            </a:r>
-            <a:r>
-              <a:rPr lang="en-US" altLang="zh-CN" sz="2800" dirty="0" smtClean="0"/>
-              <a:t>Native </a:t>
+              <a:rPr lang="en-US" altLang="zh-CN" sz="2800" dirty="0"/>
+              <a:t>• Windows</a:t>
+            </a:r>
+          </a:p>
+          <a:p>
+            <a:r>
+              <a:rPr lang="en-US" altLang="zh-CN" sz="2800" dirty="0"/>
+              <a:t>   -   Native </a:t>
             </a:r>
             <a:r>
               <a:rPr lang="en-US" altLang="zh-CN" sz="2800" dirty="0" err="1"/>
@@ -4257,24 +5461,20 @@
             </a:r>
           </a:p>
           <a:p>
-            <a:pPr marL="285750" indent="-285750">
-              <a:buFont typeface="Arial" charset="0"/>
-              <a:buChar char="•"/>
+            <a:pPr>
+              <a:spcBef>
+                <a:spcPts val="1800"/>
+              </a:spcBef>
             </a:pPr>
             <a:r>
-              <a:rPr lang="en-US" altLang="zh-CN" sz="2800" dirty="0" smtClean="0"/>
-              <a:t>Mac </a:t>
-            </a:r>
-            <a:r>
               <a:rPr lang="en-US" altLang="zh-CN" sz="2800" dirty="0"/>
-              <a:t>OSX</a:t>
-            </a:r>
-          </a:p>
-          <a:p>
-            <a:pPr lvl="1"/>
+              <a:t>• Mac OSX</a:t>
+            </a:r>
+          </a:p>
+          <a:p>
             <a:r>
               <a:rPr lang="en-US" altLang="zh-CN" sz="2800" dirty="0"/>
-              <a:t>- </a:t>
+              <a:t>   -   </a:t>
             </a:r>
             <a:r>
               <a:rPr lang="en-US" altLang="zh-CN" sz="2800" dirty="0" err="1"/>
@@ -4283,76 +5483,26 @@
             <a:endParaRPr lang="en-US" altLang="zh-CN" sz="2800" dirty="0"/>
           </a:p>
           <a:p>
-            <a:pPr marL="285750" indent="-285750">
-              <a:buFont typeface="Arial" charset="0"/>
-              <a:buChar char="•"/>
+            <a:pPr>
+              <a:spcBef>
+                <a:spcPts val="1800"/>
+              </a:spcBef>
             </a:pPr>
             <a:r>
-              <a:rPr lang="en-US" altLang="zh-CN" sz="2800" dirty="0" smtClean="0"/>
-              <a:t>Linux</a:t>
-            </a:r>
-            <a:endParaRPr lang="en-US" altLang="zh-CN" sz="2800" dirty="0"/>
-          </a:p>
-          <a:p>
-            <a:pPr lvl="1"/>
-            <a:r>
               <a:rPr lang="en-US" altLang="zh-CN" sz="2800" dirty="0"/>
-              <a:t>- nl80211 &amp; </a:t>
+              <a:t>• Linux</a:t>
+            </a:r>
+          </a:p>
+          <a:p>
+            <a:r>
+              <a:rPr lang="en-US" altLang="zh-CN" sz="2800" dirty="0"/>
+              <a:t>   -   nl80211 &amp; </a:t>
             </a:r>
             <a:r>
               <a:rPr lang="en-US" altLang="zh-CN" sz="2800" dirty="0" err="1"/>
               <a:t>libnl</a:t>
             </a:r>
             <a:endParaRPr lang="zh-CN" altLang="en-US" sz="2800" dirty="0"/>
-          </a:p>
-        </p:txBody>
-      </p:sp>
-      <p:sp>
-        <p:nvSpPr>
-          <p:cNvPr id="3" name="文本框 3"/>
-          <p:cNvSpPr txBox="1"/>
-          <p:nvPr/>
-        </p:nvSpPr>
-        <p:spPr>
-          <a:xfrm>
-            <a:off x="473626" y="712926"/>
-            <a:ext cx="9862680" cy="523220"/>
-          </a:xfrm>
-          <a:prstGeom prst="rect">
-            <a:avLst/>
-          </a:prstGeom>
-          <a:noFill/>
-        </p:spPr>
-        <p:txBody>
-          <a:bodyPr wrap="square" rtlCol="0">
-            <a:spAutoFit/>
-          </a:bodyPr>
-          <a:lstStyle/>
-          <a:p>
-            <a:r>
-              <a:rPr lang="en-US" altLang="zh-CN" sz="2800" dirty="0">
-                <a:latin typeface="Abadi MT Condensed Extra Bold" charset="0"/>
-                <a:ea typeface="Abadi MT Condensed Extra Bold" charset="0"/>
-                <a:cs typeface="Abadi MT Condensed Extra Bold" charset="0"/>
-              </a:rPr>
-              <a:t>Through Operating System </a:t>
-            </a:r>
-            <a:r>
-              <a:rPr lang="en-US" altLang="zh-CN" sz="2800" dirty="0" err="1">
-                <a:latin typeface="Abadi MT Condensed Extra Bold" charset="0"/>
-                <a:ea typeface="Abadi MT Condensed Extra Bold" charset="0"/>
-                <a:cs typeface="Abadi MT Condensed Extra Bold" charset="0"/>
-              </a:rPr>
-              <a:t>WiFi</a:t>
-            </a:r>
-            <a:r>
-              <a:rPr lang="en-US" altLang="zh-CN" sz="2800" dirty="0">
-                <a:latin typeface="Abadi MT Condensed Extra Bold" charset="0"/>
-                <a:ea typeface="Abadi MT Condensed Extra Bold" charset="0"/>
-                <a:cs typeface="Abadi MT Condensed Extra Bold" charset="0"/>
-              </a:rPr>
-              <a:t> API</a:t>
-            </a:r>
           </a:p>
         </p:txBody>
       </p:sp>
@@ -4366,10 +5516,17 @@
   <p:clrMapOvr>
     <a:masterClrMapping/>
   </p:clrMapOvr>
+  <p:timing>
+    <p:tnLst>
+      <p:par>
+        <p:cTn id="1" dur="indefinite" restart="never" nodeType="tmRoot"/>
+      </p:par>
+    </p:tnLst>
+  </p:timing>
 </p:sld>
 </file>
 
-<file path=ppt/slides/slide17.xml><?xml version="1.0" encoding="utf-8"?>
+<file path=ppt/slides/slide15.xml><?xml version="1.0" encoding="utf-8"?>
 <p:sld xmlns:a="http://schemas.openxmlformats.org/drawingml/2006/main" xmlns:r="http://schemas.openxmlformats.org/officeDocument/2006/relationships" xmlns:p="http://schemas.openxmlformats.org/presentationml/2006/main">
   <p:cSld>
     <p:spTree>
@@ -4395,13 +5552,13 @@
           <p:nvPr>
             <p:extLst>
               <p:ext uri="{D42A27DB-BD31-4B8C-83A1-F6EECF244321}">
-                <p14:modId xmlns:p14="http://schemas.microsoft.com/office/powerpoint/2010/main" val="3192056068"/>
+                <p14:modId xmlns:p14="http://schemas.microsoft.com/office/powerpoint/2010/main" val="1822316069"/>
               </p:ext>
             </p:extLst>
           </p:nvPr>
         </p:nvGraphicFramePr>
         <p:xfrm>
-          <a:off x="1379621" y="3896003"/>
+          <a:off x="1379621" y="4073563"/>
           <a:ext cx="8128000" cy="370840"/>
         </p:xfrm>
         <a:graphic>
@@ -4414,14 +5571,14 @@
                 <a:gridCol w="4064000">
                   <a:extLst>
                     <a:ext uri="{9D8B030D-6E8A-4147-A177-3AD203B41FA5}">
-                      <a16:colId xmlns:a16="http://schemas.microsoft.com/office/drawing/2014/main" xmlns="" val="1827267564"/>
+                      <a16:colId xmlns="" xmlns:a16="http://schemas.microsoft.com/office/drawing/2014/main" val="1827267564"/>
                     </a:ext>
                   </a:extLst>
                 </a:gridCol>
                 <a:gridCol w="4064000">
                   <a:extLst>
                     <a:ext uri="{9D8B030D-6E8A-4147-A177-3AD203B41FA5}">
-                      <a16:colId xmlns:a16="http://schemas.microsoft.com/office/drawing/2014/main" xmlns="" val="317000207"/>
+                      <a16:colId xmlns="" xmlns:a16="http://schemas.microsoft.com/office/drawing/2014/main" val="317000207"/>
                     </a:ext>
                   </a:extLst>
                 </a:gridCol>
@@ -4461,7 +5618,7 @@
                 </a:tc>
                 <a:extLst>
                   <a:ext uri="{0D108BD9-81ED-4DB2-BD59-A6C34878D82A}">
-                    <a16:rowId xmlns:a16="http://schemas.microsoft.com/office/drawing/2014/main" xmlns="" val="187627843"/>
+                    <a16:rowId xmlns="" xmlns:a16="http://schemas.microsoft.com/office/drawing/2014/main" val="187627843"/>
                   </a:ext>
                 </a:extLst>
               </a:tr>
@@ -4478,13 +5635,13 @@
           <p:nvPr>
             <p:extLst>
               <p:ext uri="{D42A27DB-BD31-4B8C-83A1-F6EECF244321}">
-                <p14:modId xmlns:p14="http://schemas.microsoft.com/office/powerpoint/2010/main" val="462727885"/>
+                <p14:modId xmlns:p14="http://schemas.microsoft.com/office/powerpoint/2010/main" val="1096398423"/>
               </p:ext>
             </p:extLst>
           </p:nvPr>
         </p:nvGraphicFramePr>
         <p:xfrm>
-          <a:off x="1379620" y="5279489"/>
+          <a:off x="1379621" y="5480811"/>
           <a:ext cx="9416716" cy="370840"/>
         </p:xfrm>
         <a:graphic>
@@ -4497,28 +5654,28 @@
                 <a:gridCol w="2354179">
                   <a:extLst>
                     <a:ext uri="{9D8B030D-6E8A-4147-A177-3AD203B41FA5}">
-                      <a16:colId xmlns:a16="http://schemas.microsoft.com/office/drawing/2014/main" xmlns="" val="675886092"/>
+                      <a16:colId xmlns="" xmlns:a16="http://schemas.microsoft.com/office/drawing/2014/main" val="675886092"/>
                     </a:ext>
                   </a:extLst>
                 </a:gridCol>
                 <a:gridCol w="2354179">
                   <a:extLst>
                     <a:ext uri="{9D8B030D-6E8A-4147-A177-3AD203B41FA5}">
-                      <a16:colId xmlns:a16="http://schemas.microsoft.com/office/drawing/2014/main" xmlns="" val="1385184338"/>
+                      <a16:colId xmlns="" xmlns:a16="http://schemas.microsoft.com/office/drawing/2014/main" val="1385184338"/>
                     </a:ext>
                   </a:extLst>
                 </a:gridCol>
                 <a:gridCol w="2354179">
                   <a:extLst>
                     <a:ext uri="{9D8B030D-6E8A-4147-A177-3AD203B41FA5}">
-                      <a16:colId xmlns:a16="http://schemas.microsoft.com/office/drawing/2014/main" xmlns="" val="1112019429"/>
+                      <a16:colId xmlns="" xmlns:a16="http://schemas.microsoft.com/office/drawing/2014/main" val="1112019429"/>
                     </a:ext>
                   </a:extLst>
                 </a:gridCol>
                 <a:gridCol w="2354179">
                   <a:extLst>
                     <a:ext uri="{9D8B030D-6E8A-4147-A177-3AD203B41FA5}">
-                      <a16:colId xmlns:a16="http://schemas.microsoft.com/office/drawing/2014/main" xmlns="" val="1409807415"/>
+                      <a16:colId xmlns="" xmlns:a16="http://schemas.microsoft.com/office/drawing/2014/main" val="1409807415"/>
                     </a:ext>
                   </a:extLst>
                 </a:gridCol>
@@ -4582,7 +5739,7 @@
                 </a:tc>
                 <a:extLst>
                   <a:ext uri="{0D108BD9-81ED-4DB2-BD59-A6C34878D82A}">
-                    <a16:rowId xmlns:a16="http://schemas.microsoft.com/office/drawing/2014/main" xmlns="" val="3154943063"/>
+                    <a16:rowId xmlns="" xmlns:a16="http://schemas.microsoft.com/office/drawing/2014/main" val="3154943063"/>
                   </a:ext>
                 </a:extLst>
               </a:tr>
@@ -4598,8 +5755,8 @@
         </p:nvSpPr>
         <p:spPr>
           <a:xfrm>
-            <a:off x="1379621" y="1236146"/>
-            <a:ext cx="5022529" cy="1754326"/>
+            <a:off x="1235773" y="1184778"/>
+            <a:ext cx="6557949" cy="1938992"/>
           </a:xfrm>
           <a:prstGeom prst="rect">
             <a:avLst/>
@@ -4613,254 +5770,248 @@
           <a:lstStyle/>
           <a:p>
             <a:r>
-              <a:rPr lang="en-US" altLang="zh-CN" dirty="0">
-                <a:latin typeface="Al Bayan Plain" charset="-78"/>
-                <a:ea typeface="Al Bayan Plain" charset="-78"/>
-                <a:cs typeface="Al Bayan Plain" charset="-78"/>
+              <a:rPr lang="en-US" altLang="zh-CN" sz="2000" dirty="0">
+                <a:latin typeface="Microsoft JhengHei" panose="020B0604030504040204" pitchFamily="34" charset="-120"/>
+                <a:ea typeface="Microsoft JhengHei" panose="020B0604030504040204" pitchFamily="34" charset="-120"/>
               </a:rPr>
               <a:t>DWORD WINAPI </a:t>
             </a:r>
             <a:r>
-              <a:rPr lang="en-US" altLang="zh-CN" dirty="0" err="1">
-                <a:latin typeface="Al Bayan Plain" charset="-78"/>
-                <a:ea typeface="Al Bayan Plain" charset="-78"/>
-                <a:cs typeface="Al Bayan Plain" charset="-78"/>
+              <a:rPr lang="en-US" altLang="zh-CN" sz="2000" dirty="0" err="1">
+                <a:latin typeface="Microsoft JhengHei" panose="020B0604030504040204" pitchFamily="34" charset="-120"/>
+                <a:ea typeface="Microsoft JhengHei" panose="020B0604030504040204" pitchFamily="34" charset="-120"/>
               </a:rPr>
               <a:t>WlanScan</a:t>
             </a:r>
             <a:r>
-              <a:rPr lang="en-US" altLang="zh-CN" dirty="0">
-                <a:latin typeface="Al Bayan Plain" charset="-78"/>
-                <a:ea typeface="Al Bayan Plain" charset="-78"/>
-                <a:cs typeface="Al Bayan Plain" charset="-78"/>
+              <a:rPr lang="en-US" altLang="zh-CN" sz="2000" dirty="0">
+                <a:latin typeface="Microsoft JhengHei" panose="020B0604030504040204" pitchFamily="34" charset="-120"/>
+                <a:ea typeface="Microsoft JhengHei" panose="020B0604030504040204" pitchFamily="34" charset="-120"/>
               </a:rPr>
               <a:t>(</a:t>
             </a:r>
           </a:p>
           <a:p>
-            <a:pPr lvl="1"/>
-            <a:r>
-              <a:rPr lang="en-US" altLang="zh-CN" dirty="0">
-                <a:latin typeface="Al Bayan Plain" charset="-78"/>
-                <a:ea typeface="Al Bayan Plain" charset="-78"/>
-                <a:cs typeface="Al Bayan Plain" charset="-78"/>
+            <a:r>
+              <a:rPr lang="en-US" altLang="zh-CN" sz="2000" dirty="0" smtClean="0">
+                <a:latin typeface="Microsoft JhengHei" panose="020B0604030504040204" pitchFamily="34" charset="-120"/>
+                <a:ea typeface="Microsoft JhengHei" panose="020B0604030504040204" pitchFamily="34" charset="-120"/>
               </a:rPr>
-              <a:t>_In_ HANDLE </a:t>
-            </a:r>
-            <a:r>
-              <a:rPr lang="en-US" altLang="zh-CN" dirty="0" err="1">
-                <a:latin typeface="Al Bayan Plain" charset="-78"/>
-                <a:ea typeface="Al Bayan Plain" charset="-78"/>
-                <a:cs typeface="Al Bayan Plain" charset="-78"/>
+              <a:t>               _</a:t>
+            </a:r>
+            <a:r>
+              <a:rPr lang="en-US" altLang="zh-CN" sz="2000" dirty="0">
+                <a:latin typeface="Microsoft JhengHei" panose="020B0604030504040204" pitchFamily="34" charset="-120"/>
+                <a:ea typeface="Microsoft JhengHei" panose="020B0604030504040204" pitchFamily="34" charset="-120"/>
+              </a:rPr>
+              <a:t>In_ HANDLE </a:t>
+            </a:r>
+            <a:r>
+              <a:rPr lang="en-US" altLang="zh-CN" sz="2000" dirty="0" err="1">
+                <a:latin typeface="Microsoft JhengHei" panose="020B0604030504040204" pitchFamily="34" charset="-120"/>
+                <a:ea typeface="Microsoft JhengHei" panose="020B0604030504040204" pitchFamily="34" charset="-120"/>
               </a:rPr>
               <a:t>hClientHandle</a:t>
             </a:r>
             <a:r>
-              <a:rPr lang="en-US" altLang="zh-CN" dirty="0">
-                <a:latin typeface="Al Bayan Plain" charset="-78"/>
-                <a:ea typeface="Al Bayan Plain" charset="-78"/>
-                <a:cs typeface="Al Bayan Plain" charset="-78"/>
+              <a:rPr lang="en-US" altLang="zh-CN" sz="2000" dirty="0">
+                <a:latin typeface="Microsoft JhengHei" panose="020B0604030504040204" pitchFamily="34" charset="-120"/>
+                <a:ea typeface="Microsoft JhengHei" panose="020B0604030504040204" pitchFamily="34" charset="-120"/>
               </a:rPr>
               <a:t>,</a:t>
             </a:r>
           </a:p>
           <a:p>
-            <a:pPr lvl="1"/>
-            <a:r>
-              <a:rPr lang="en-US" altLang="zh-CN" dirty="0">
-                <a:latin typeface="Al Bayan Plain" charset="-78"/>
-                <a:ea typeface="Al Bayan Plain" charset="-78"/>
-                <a:cs typeface="Al Bayan Plain" charset="-78"/>
+            <a:r>
+              <a:rPr lang="en-US" altLang="zh-CN" sz="2000" dirty="0" smtClean="0">
+                <a:latin typeface="Microsoft JhengHei" panose="020B0604030504040204" pitchFamily="34" charset="-120"/>
+                <a:ea typeface="Microsoft JhengHei" panose="020B0604030504040204" pitchFamily="34" charset="-120"/>
               </a:rPr>
-              <a:t>_In_ </a:t>
-            </a:r>
-            <a:r>
-              <a:rPr lang="en-US" altLang="zh-CN" dirty="0" err="1">
-                <a:latin typeface="Al Bayan Plain" charset="-78"/>
-                <a:ea typeface="Al Bayan Plain" charset="-78"/>
-                <a:cs typeface="Al Bayan Plain" charset="-78"/>
+              <a:t>               _</a:t>
+            </a:r>
+            <a:r>
+              <a:rPr lang="en-US" altLang="zh-CN" sz="2000" dirty="0">
+                <a:latin typeface="Microsoft JhengHei" panose="020B0604030504040204" pitchFamily="34" charset="-120"/>
+                <a:ea typeface="Microsoft JhengHei" panose="020B0604030504040204" pitchFamily="34" charset="-120"/>
+              </a:rPr>
+              <a:t>In_ </a:t>
+            </a:r>
+            <a:r>
+              <a:rPr lang="en-US" altLang="zh-CN" sz="2000" dirty="0" err="1">
+                <a:latin typeface="Microsoft JhengHei" panose="020B0604030504040204" pitchFamily="34" charset="-120"/>
+                <a:ea typeface="Microsoft JhengHei" panose="020B0604030504040204" pitchFamily="34" charset="-120"/>
               </a:rPr>
               <a:t>const</a:t>
             </a:r>
             <a:r>
-              <a:rPr lang="en-US" altLang="zh-CN" dirty="0">
-                <a:latin typeface="Al Bayan Plain" charset="-78"/>
-                <a:ea typeface="Al Bayan Plain" charset="-78"/>
-                <a:cs typeface="Al Bayan Plain" charset="-78"/>
+              <a:rPr lang="en-US" altLang="zh-CN" sz="2000" dirty="0">
+                <a:latin typeface="Microsoft JhengHei" panose="020B0604030504040204" pitchFamily="34" charset="-120"/>
+                <a:ea typeface="Microsoft JhengHei" panose="020B0604030504040204" pitchFamily="34" charset="-120"/>
               </a:rPr>
               <a:t> GUID *</a:t>
             </a:r>
             <a:r>
-              <a:rPr lang="en-US" altLang="zh-CN" dirty="0" err="1">
-                <a:latin typeface="Al Bayan Plain" charset="-78"/>
-                <a:ea typeface="Al Bayan Plain" charset="-78"/>
-                <a:cs typeface="Al Bayan Plain" charset="-78"/>
+              <a:rPr lang="en-US" altLang="zh-CN" sz="2000" dirty="0" err="1">
+                <a:latin typeface="Microsoft JhengHei" panose="020B0604030504040204" pitchFamily="34" charset="-120"/>
+                <a:ea typeface="Microsoft JhengHei" panose="020B0604030504040204" pitchFamily="34" charset="-120"/>
               </a:rPr>
               <a:t>pInterfaceGuid</a:t>
             </a:r>
             <a:r>
-              <a:rPr lang="en-US" altLang="zh-CN" dirty="0">
-                <a:latin typeface="Al Bayan Plain" charset="-78"/>
-                <a:ea typeface="Al Bayan Plain" charset="-78"/>
-                <a:cs typeface="Al Bayan Plain" charset="-78"/>
+              <a:rPr lang="en-US" altLang="zh-CN" sz="2000" dirty="0">
+                <a:latin typeface="Microsoft JhengHei" panose="020B0604030504040204" pitchFamily="34" charset="-120"/>
+                <a:ea typeface="Microsoft JhengHei" panose="020B0604030504040204" pitchFamily="34" charset="-120"/>
               </a:rPr>
               <a:t>,</a:t>
             </a:r>
           </a:p>
           <a:p>
-            <a:pPr lvl="1"/>
-            <a:r>
-              <a:rPr lang="en-US" altLang="zh-CN" dirty="0">
-                <a:latin typeface="Al Bayan Plain" charset="-78"/>
-                <a:ea typeface="Al Bayan Plain" charset="-78"/>
-                <a:cs typeface="Al Bayan Plain" charset="-78"/>
+            <a:r>
+              <a:rPr lang="en-US" altLang="zh-CN" sz="2000" dirty="0" smtClean="0">
+                <a:latin typeface="Microsoft JhengHei" panose="020B0604030504040204" pitchFamily="34" charset="-120"/>
+                <a:ea typeface="Microsoft JhengHei" panose="020B0604030504040204" pitchFamily="34" charset="-120"/>
               </a:rPr>
-              <a:t>_</a:t>
-            </a:r>
-            <a:r>
-              <a:rPr lang="en-US" altLang="zh-CN" dirty="0" err="1">
-                <a:latin typeface="Al Bayan Plain" charset="-78"/>
-                <a:ea typeface="Al Bayan Plain" charset="-78"/>
-                <a:cs typeface="Al Bayan Plain" charset="-78"/>
+              <a:t>               _</a:t>
+            </a:r>
+            <a:r>
+              <a:rPr lang="en-US" altLang="zh-CN" sz="2000" dirty="0" err="1">
+                <a:latin typeface="Microsoft JhengHei" panose="020B0604030504040204" pitchFamily="34" charset="-120"/>
+                <a:ea typeface="Microsoft JhengHei" panose="020B0604030504040204" pitchFamily="34" charset="-120"/>
               </a:rPr>
               <a:t>In_opt</a:t>
             </a:r>
             <a:r>
-              <a:rPr lang="en-US" altLang="zh-CN" dirty="0">
-                <a:latin typeface="Al Bayan Plain" charset="-78"/>
-                <a:ea typeface="Al Bayan Plain" charset="-78"/>
-                <a:cs typeface="Al Bayan Plain" charset="-78"/>
+              <a:rPr lang="en-US" altLang="zh-CN" sz="2000" dirty="0">
+                <a:latin typeface="Microsoft JhengHei" panose="020B0604030504040204" pitchFamily="34" charset="-120"/>
+                <a:ea typeface="Microsoft JhengHei" panose="020B0604030504040204" pitchFamily="34" charset="-120"/>
               </a:rPr>
               <a:t>_ </a:t>
             </a:r>
             <a:r>
-              <a:rPr lang="en-US" altLang="zh-CN" dirty="0" err="1">
-                <a:latin typeface="Al Bayan Plain" charset="-78"/>
-                <a:ea typeface="Al Bayan Plain" charset="-78"/>
-                <a:cs typeface="Al Bayan Plain" charset="-78"/>
+              <a:rPr lang="en-US" altLang="zh-CN" sz="2000" dirty="0" err="1">
+                <a:latin typeface="Microsoft JhengHei" panose="020B0604030504040204" pitchFamily="34" charset="-120"/>
+                <a:ea typeface="Microsoft JhengHei" panose="020B0604030504040204" pitchFamily="34" charset="-120"/>
               </a:rPr>
               <a:t>const</a:t>
             </a:r>
             <a:r>
-              <a:rPr lang="en-US" altLang="zh-CN" dirty="0">
-                <a:latin typeface="Al Bayan Plain" charset="-78"/>
-                <a:ea typeface="Al Bayan Plain" charset="-78"/>
-                <a:cs typeface="Al Bayan Plain" charset="-78"/>
+              <a:rPr lang="en-US" altLang="zh-CN" sz="2000" dirty="0">
+                <a:latin typeface="Microsoft JhengHei" panose="020B0604030504040204" pitchFamily="34" charset="-120"/>
+                <a:ea typeface="Microsoft JhengHei" panose="020B0604030504040204" pitchFamily="34" charset="-120"/>
               </a:rPr>
-              <a:t> PDOT11_SSID </a:t>
-            </a:r>
-            <a:r>
-              <a:rPr lang="en-US" altLang="zh-CN" dirty="0">
+              <a:t> </a:t>
+            </a:r>
+            <a:r>
+              <a:rPr lang="en-US" altLang="zh-CN" sz="2000" dirty="0" smtClean="0">
+                <a:latin typeface="Microsoft JhengHei" panose="020B0604030504040204" pitchFamily="34" charset="-120"/>
+                <a:ea typeface="Microsoft JhengHei" panose="020B0604030504040204" pitchFamily="34" charset="-120"/>
+              </a:rPr>
+              <a:t>PDOT11_SSID    </a:t>
+            </a:r>
+            <a:r>
+              <a:rPr lang="en-US" altLang="zh-CN" sz="2000" b="1" dirty="0">
                 <a:solidFill>
                   <a:srgbClr val="FF0000"/>
                 </a:solidFill>
-                <a:latin typeface="Al Bayan Plain" charset="-78"/>
-                <a:ea typeface="Al Bayan Plain" charset="-78"/>
-                <a:cs typeface="Al Bayan Plain" charset="-78"/>
+                <a:latin typeface="Microsoft JhengHei" panose="020B0604030504040204" pitchFamily="34" charset="-120"/>
+                <a:ea typeface="Microsoft JhengHei" panose="020B0604030504040204" pitchFamily="34" charset="-120"/>
               </a:rPr>
               <a:t>pDot11Ssid</a:t>
             </a:r>
             <a:r>
-              <a:rPr lang="en-US" altLang="zh-CN" dirty="0">
-                <a:latin typeface="Al Bayan Plain" charset="-78"/>
-                <a:ea typeface="Al Bayan Plain" charset="-78"/>
-                <a:cs typeface="Al Bayan Plain" charset="-78"/>
+              <a:rPr lang="en-US" altLang="zh-CN" sz="2000" dirty="0">
+                <a:latin typeface="Microsoft JhengHei" panose="020B0604030504040204" pitchFamily="34" charset="-120"/>
+                <a:ea typeface="Microsoft JhengHei" panose="020B0604030504040204" pitchFamily="34" charset="-120"/>
               </a:rPr>
               <a:t>,</a:t>
             </a:r>
           </a:p>
           <a:p>
-            <a:pPr lvl="1"/>
-            <a:r>
-              <a:rPr lang="en-US" altLang="zh-CN" dirty="0">
-                <a:latin typeface="Al Bayan Plain" charset="-78"/>
-                <a:ea typeface="Al Bayan Plain" charset="-78"/>
-                <a:cs typeface="Al Bayan Plain" charset="-78"/>
+            <a:r>
+              <a:rPr lang="en-US" altLang="zh-CN" sz="2000" dirty="0" smtClean="0">
+                <a:latin typeface="Microsoft JhengHei" panose="020B0604030504040204" pitchFamily="34" charset="-120"/>
+                <a:ea typeface="Microsoft JhengHei" panose="020B0604030504040204" pitchFamily="34" charset="-120"/>
               </a:rPr>
-              <a:t>_</a:t>
-            </a:r>
-            <a:r>
-              <a:rPr lang="en-US" altLang="zh-CN" dirty="0" err="1">
-                <a:latin typeface="Al Bayan Plain" charset="-78"/>
-                <a:ea typeface="Al Bayan Plain" charset="-78"/>
-                <a:cs typeface="Al Bayan Plain" charset="-78"/>
+              <a:t>               _</a:t>
+            </a:r>
+            <a:r>
+              <a:rPr lang="en-US" altLang="zh-CN" sz="2000" dirty="0" err="1">
+                <a:latin typeface="Microsoft JhengHei" panose="020B0604030504040204" pitchFamily="34" charset="-120"/>
+                <a:ea typeface="Microsoft JhengHei" panose="020B0604030504040204" pitchFamily="34" charset="-120"/>
               </a:rPr>
               <a:t>In_opt</a:t>
             </a:r>
             <a:r>
-              <a:rPr lang="en-US" altLang="zh-CN" dirty="0">
-                <a:latin typeface="Al Bayan Plain" charset="-78"/>
-                <a:ea typeface="Al Bayan Plain" charset="-78"/>
-                <a:cs typeface="Al Bayan Plain" charset="-78"/>
+              <a:rPr lang="en-US" altLang="zh-CN" sz="2000" dirty="0">
+                <a:latin typeface="Microsoft JhengHei" panose="020B0604030504040204" pitchFamily="34" charset="-120"/>
+                <a:ea typeface="Microsoft JhengHei" panose="020B0604030504040204" pitchFamily="34" charset="-120"/>
               </a:rPr>
               <a:t>_ </a:t>
             </a:r>
             <a:r>
-              <a:rPr lang="en-US" altLang="zh-CN" dirty="0" err="1">
-                <a:latin typeface="Al Bayan Plain" charset="-78"/>
-                <a:ea typeface="Al Bayan Plain" charset="-78"/>
-                <a:cs typeface="Al Bayan Plain" charset="-78"/>
+              <a:rPr lang="en-US" altLang="zh-CN" sz="2000" dirty="0" err="1">
+                <a:latin typeface="Microsoft JhengHei" panose="020B0604030504040204" pitchFamily="34" charset="-120"/>
+                <a:ea typeface="Microsoft JhengHei" panose="020B0604030504040204" pitchFamily="34" charset="-120"/>
               </a:rPr>
               <a:t>const</a:t>
             </a:r>
             <a:r>
-              <a:rPr lang="en-US" altLang="zh-CN" dirty="0">
-                <a:latin typeface="Al Bayan Plain" charset="-78"/>
-                <a:ea typeface="Al Bayan Plain" charset="-78"/>
-                <a:cs typeface="Al Bayan Plain" charset="-78"/>
+              <a:rPr lang="en-US" altLang="zh-CN" sz="2000" dirty="0">
+                <a:latin typeface="Microsoft JhengHei" panose="020B0604030504040204" pitchFamily="34" charset="-120"/>
+                <a:ea typeface="Microsoft JhengHei" panose="020B0604030504040204" pitchFamily="34" charset="-120"/>
               </a:rPr>
               <a:t> PWLAN_RAW_DATA </a:t>
             </a:r>
             <a:r>
-              <a:rPr lang="en-US" altLang="zh-CN" dirty="0" err="1">
+              <a:rPr lang="en-US" altLang="zh-CN" sz="2000" b="1" dirty="0" err="1">
                 <a:solidFill>
                   <a:srgbClr val="FF0000"/>
                 </a:solidFill>
-                <a:latin typeface="Al Bayan Plain" charset="-78"/>
-                <a:ea typeface="Al Bayan Plain" charset="-78"/>
-                <a:cs typeface="Al Bayan Plain" charset="-78"/>
+                <a:latin typeface="Microsoft JhengHei" panose="020B0604030504040204" pitchFamily="34" charset="-120"/>
+                <a:ea typeface="Microsoft JhengHei" panose="020B0604030504040204" pitchFamily="34" charset="-120"/>
               </a:rPr>
               <a:t>pIeData</a:t>
             </a:r>
             <a:r>
-              <a:rPr lang="en-US" altLang="zh-CN" dirty="0">
-                <a:latin typeface="Al Bayan Plain" charset="-78"/>
-                <a:ea typeface="Al Bayan Plain" charset="-78"/>
-                <a:cs typeface="Al Bayan Plain" charset="-78"/>
+              <a:rPr lang="en-US" altLang="zh-CN" sz="2000" dirty="0">
+                <a:latin typeface="Microsoft JhengHei" panose="020B0604030504040204" pitchFamily="34" charset="-120"/>
+                <a:ea typeface="Microsoft JhengHei" panose="020B0604030504040204" pitchFamily="34" charset="-120"/>
               </a:rPr>
               <a:t>,</a:t>
             </a:r>
           </a:p>
           <a:p>
-            <a:pPr lvl="1"/>
-            <a:r>
-              <a:rPr lang="en-US" altLang="zh-CN" dirty="0">
-                <a:latin typeface="Al Bayan Plain" charset="-78"/>
-                <a:ea typeface="Al Bayan Plain" charset="-78"/>
-                <a:cs typeface="Al Bayan Plain" charset="-78"/>
+            <a:r>
+              <a:rPr lang="en-US" altLang="zh-CN" sz="2000" dirty="0" smtClean="0">
+                <a:latin typeface="Microsoft JhengHei" panose="020B0604030504040204" pitchFamily="34" charset="-120"/>
+                <a:ea typeface="Microsoft JhengHei" panose="020B0604030504040204" pitchFamily="34" charset="-120"/>
               </a:rPr>
-              <a:t>_Reserved_ PVOID </a:t>
-            </a:r>
-            <a:r>
-              <a:rPr lang="en-US" altLang="zh-CN" dirty="0" err="1">
-                <a:latin typeface="Al Bayan Plain" charset="-78"/>
-                <a:ea typeface="Al Bayan Plain" charset="-78"/>
-                <a:cs typeface="Al Bayan Plain" charset="-78"/>
+              <a:t>               _</a:t>
+            </a:r>
+            <a:r>
+              <a:rPr lang="en-US" altLang="zh-CN" sz="2000" dirty="0">
+                <a:latin typeface="Microsoft JhengHei" panose="020B0604030504040204" pitchFamily="34" charset="-120"/>
+                <a:ea typeface="Microsoft JhengHei" panose="020B0604030504040204" pitchFamily="34" charset="-120"/>
+              </a:rPr>
+              <a:t>Reserved_ PVOID </a:t>
+            </a:r>
+            <a:r>
+              <a:rPr lang="en-US" altLang="zh-CN" sz="2000" dirty="0" err="1">
+                <a:latin typeface="Microsoft JhengHei" panose="020B0604030504040204" pitchFamily="34" charset="-120"/>
+                <a:ea typeface="Microsoft JhengHei" panose="020B0604030504040204" pitchFamily="34" charset="-120"/>
               </a:rPr>
               <a:t>pReserved</a:t>
             </a:r>
             <a:r>
-              <a:rPr lang="en-US" altLang="zh-CN" dirty="0">
-                <a:latin typeface="Al Bayan Plain" charset="-78"/>
-                <a:ea typeface="Al Bayan Plain" charset="-78"/>
-                <a:cs typeface="Al Bayan Plain" charset="-78"/>
+              <a:rPr lang="en-US" altLang="zh-CN" sz="2000" dirty="0">
+                <a:latin typeface="Microsoft JhengHei" panose="020B0604030504040204" pitchFamily="34" charset="-120"/>
+                <a:ea typeface="Microsoft JhengHei" panose="020B0604030504040204" pitchFamily="34" charset="-120"/>
               </a:rPr>
               <a:t> );</a:t>
             </a:r>
-            <a:endParaRPr lang="zh-CN" altLang="en-US" dirty="0">
-              <a:latin typeface="Al Bayan Plain" charset="-78"/>
-              <a:ea typeface="Al Bayan Plain" charset="-78"/>
-              <a:cs typeface="Al Bayan Plain" charset="-78"/>
+            <a:endParaRPr lang="zh-CN" altLang="en-US" sz="2000" dirty="0">
+              <a:latin typeface="Microsoft JhengHei" panose="020B0604030504040204" pitchFamily="34" charset="-120"/>
+              <a:ea typeface="Microsoft JhengHei" panose="020B0604030504040204" pitchFamily="34" charset="-120"/>
             </a:endParaRPr>
           </a:p>
         </p:txBody>
@@ -4873,8 +6024,8 @@
         </p:nvSpPr>
         <p:spPr>
           <a:xfrm>
-            <a:off x="1379620" y="3329026"/>
-            <a:ext cx="3344779" cy="369332"/>
+            <a:off x="1379621" y="3555359"/>
+            <a:ext cx="3946358" cy="369332"/>
           </a:xfrm>
           <a:prstGeom prst="rect">
             <a:avLst/>
@@ -4887,41 +6038,19 @@
           </a:bodyPr>
           <a:lstStyle/>
           <a:p>
-            <a:r>
-              <a:rPr lang="en-US" altLang="zh-CN" dirty="0" smtClean="0">
-                <a:latin typeface="Al Bayan Plain" charset="-78"/>
-                <a:ea typeface="Al Bayan Plain" charset="-78"/>
-                <a:cs typeface="Al Bayan Plain" charset="-78"/>
-              </a:rPr>
+            <a:pPr marL="285750" indent="-285750">
+              <a:buFont typeface="Arial" panose="020B0604020202020204" pitchFamily="34" charset="0"/>
+              <a:buChar char="•"/>
+            </a:pPr>
+            <a:r>
+              <a:rPr lang="en-US" altLang="zh-CN" b="1" dirty="0" smtClean="0"/>
               <a:t>DOT11_SSID</a:t>
             </a:r>
             <a:r>
-              <a:rPr lang="zh-CN" altLang="en-US" dirty="0" smtClean="0">
-                <a:latin typeface="Al Bayan Plain" charset="-78"/>
-                <a:ea typeface="Al Bayan Plain" charset="-78"/>
-                <a:cs typeface="Al Bayan Plain" charset="-78"/>
-              </a:rPr>
-              <a:t>	</a:t>
-            </a:r>
-            <a:r>
-              <a:rPr lang="en-US" altLang="zh-CN" dirty="0" smtClean="0">
-                <a:solidFill>
-                  <a:srgbClr val="FF0000"/>
-                </a:solidFill>
-                <a:latin typeface="Al Bayan Plain" charset="-78"/>
-                <a:ea typeface="Al Bayan Plain" charset="-78"/>
-                <a:cs typeface="Al Bayan Plain" charset="-78"/>
-              </a:rPr>
-              <a:t>pDot11Ssid</a:t>
-            </a:r>
-            <a:endParaRPr lang="zh-CN" altLang="en-US" dirty="0">
-              <a:solidFill>
-                <a:srgbClr val="FF0000"/>
-              </a:solidFill>
-              <a:latin typeface="Al Bayan Plain" charset="-78"/>
-              <a:ea typeface="Al Bayan Plain" charset="-78"/>
-              <a:cs typeface="Al Bayan Plain" charset="-78"/>
-            </a:endParaRPr>
+              <a:rPr lang="en-US" altLang="zh-CN" dirty="0" smtClean="0"/>
+              <a:t> pDot11Ssid</a:t>
+            </a:r>
+            <a:endParaRPr lang="zh-CN" altLang="en-US" dirty="0"/>
           </a:p>
         </p:txBody>
       </p:sp>
@@ -4933,8 +6062,8 @@
         </p:nvSpPr>
         <p:spPr>
           <a:xfrm>
-            <a:off x="1379620" y="4714020"/>
-            <a:ext cx="4259179" cy="369332"/>
+            <a:off x="1379621" y="4926218"/>
+            <a:ext cx="3946358" cy="369332"/>
           </a:xfrm>
           <a:prstGeom prst="rect">
             <a:avLst/>
@@ -4947,54 +6076,36 @@
           </a:bodyPr>
           <a:lstStyle/>
           <a:p>
-            <a:r>
-              <a:rPr lang="en-US" altLang="zh-CN" dirty="0" smtClean="0">
-                <a:latin typeface="Al Bayan Plain" charset="-78"/>
-                <a:ea typeface="Al Bayan Plain" charset="-78"/>
-                <a:cs typeface="Al Bayan Plain" charset="-78"/>
-              </a:rPr>
+            <a:pPr marL="285750" indent="-285750">
+              <a:buFont typeface="Arial" panose="020B0604020202020204" pitchFamily="34" charset="0"/>
+              <a:buChar char="•"/>
+            </a:pPr>
+            <a:r>
+              <a:rPr lang="en-US" altLang="zh-CN" b="1" dirty="0" smtClean="0"/>
               <a:t>WLAN_RAW_DATA</a:t>
             </a:r>
             <a:r>
-              <a:rPr lang="zh-CN" altLang="en-US" dirty="0" smtClean="0">
-                <a:latin typeface="Al Bayan Plain" charset="-78"/>
-                <a:ea typeface="Al Bayan Plain" charset="-78"/>
-                <a:cs typeface="Al Bayan Plain" charset="-78"/>
-              </a:rPr>
-              <a:t>	</a:t>
-            </a:r>
-            <a:r>
-              <a:rPr lang="en-US" altLang="zh-CN" dirty="0" err="1" smtClean="0">
-                <a:solidFill>
-                  <a:srgbClr val="FF0000"/>
-                </a:solidFill>
-                <a:latin typeface="Al Bayan Plain" charset="-78"/>
-                <a:ea typeface="Al Bayan Plain" charset="-78"/>
-                <a:cs typeface="Al Bayan Plain" charset="-78"/>
-              </a:rPr>
+              <a:rPr lang="en-US" altLang="zh-CN" dirty="0" smtClean="0"/>
+              <a:t> </a:t>
+            </a:r>
+            <a:r>
+              <a:rPr lang="en-US" altLang="zh-CN" dirty="0" err="1" smtClean="0"/>
               <a:t>pIeData</a:t>
             </a:r>
-            <a:endParaRPr lang="zh-CN" altLang="en-US" dirty="0">
-              <a:solidFill>
-                <a:srgbClr val="FF0000"/>
-              </a:solidFill>
-              <a:latin typeface="Al Bayan Plain" charset="-78"/>
-              <a:ea typeface="Al Bayan Plain" charset="-78"/>
-              <a:cs typeface="Al Bayan Plain" charset="-78"/>
-            </a:endParaRPr>
-          </a:p>
-        </p:txBody>
-      </p:sp>
-      <p:sp>
-        <p:nvSpPr>
-          <p:cNvPr id="10" name="文本框 3"/>
+            <a:endParaRPr lang="zh-CN" altLang="en-US" dirty="0"/>
+          </a:p>
+        </p:txBody>
+      </p:sp>
+      <p:sp>
+        <p:nvSpPr>
+          <p:cNvPr id="10" name="文本框 9"/>
           <p:cNvSpPr txBox="1"/>
           <p:nvPr/>
         </p:nvSpPr>
         <p:spPr>
           <a:xfrm>
-            <a:off x="473626" y="712926"/>
-            <a:ext cx="9862680" cy="523220"/>
+            <a:off x="689811" y="641683"/>
+            <a:ext cx="8560205" cy="584775"/>
           </a:xfrm>
           <a:prstGeom prst="rect">
             <a:avLst/>
@@ -5008,37 +6119,23 @@
           <a:lstStyle/>
           <a:p>
             <a:r>
-              <a:rPr lang="en-US" altLang="zh-CN" sz="2800" dirty="0" smtClean="0">
-                <a:latin typeface="Abadi MT Condensed Extra Bold" charset="0"/>
-                <a:ea typeface="Abadi MT Condensed Extra Bold" charset="0"/>
-                <a:cs typeface="Abadi MT Condensed Extra Bold" charset="0"/>
+              <a:rPr lang="en-US" altLang="zh-CN" sz="3200" b="1" dirty="0" err="1">
+                <a:latin typeface="Microsoft Tai Le" panose="020B0502040204020203" pitchFamily="34" charset="0"/>
+                <a:cs typeface="Microsoft Tai Le" panose="020B0502040204020203" pitchFamily="34" charset="0"/>
               </a:rPr>
-              <a:t>Wind</a:t>
-            </a:r>
-            <a:r>
-              <a:rPr lang="en-US" altLang="zh-CN" sz="2800" dirty="0" smtClean="0">
-                <a:latin typeface="Abadi MT Condensed Extra Bold" charset="0"/>
-                <a:ea typeface="Abadi MT Condensed Extra Bold" charset="0"/>
-                <a:cs typeface="Abadi MT Condensed Extra Bold" charset="0"/>
+              <a:t>Winodws</a:t>
+            </a:r>
+            <a:r>
+              <a:rPr lang="en-US" altLang="zh-CN" sz="3200" b="1" dirty="0">
+                <a:latin typeface="Microsoft Tai Le" panose="020B0502040204020203" pitchFamily="34" charset="0"/>
+                <a:cs typeface="Microsoft Tai Le" panose="020B0502040204020203" pitchFamily="34" charset="0"/>
               </a:rPr>
-              <a:t>o</a:t>
-            </a:r>
-            <a:r>
-              <a:rPr lang="en-US" altLang="zh-CN" sz="2800" dirty="0" smtClean="0">
-                <a:latin typeface="Abadi MT Condensed Extra Bold" charset="0"/>
-                <a:ea typeface="Abadi MT Condensed Extra Bold" charset="0"/>
-                <a:cs typeface="Abadi MT Condensed Extra Bold" charset="0"/>
-              </a:rPr>
-              <a:t>ws </a:t>
-            </a:r>
-            <a:r>
-              <a:rPr lang="en-US" altLang="zh-CN" sz="2800" dirty="0">
-                <a:latin typeface="Abadi MT Condensed Extra Bold" charset="0"/>
-                <a:ea typeface="Abadi MT Condensed Extra Bold" charset="0"/>
-                <a:cs typeface="Abadi MT Condensed Extra Bold" charset="0"/>
-              </a:rPr>
-              <a:t>Platform</a:t>
-            </a:r>
+              <a:t> Platform</a:t>
+            </a:r>
+            <a:endParaRPr lang="zh-CN" altLang="en-US" sz="3200" b="1" dirty="0">
+              <a:latin typeface="Microsoft Tai Le" panose="020B0502040204020203" pitchFamily="34" charset="0"/>
+              <a:cs typeface="Microsoft Tai Le" panose="020B0502040204020203" pitchFamily="34" charset="0"/>
+            </a:endParaRPr>
           </a:p>
         </p:txBody>
       </p:sp>
@@ -5052,10 +6149,17 @@
   <p:clrMapOvr>
     <a:masterClrMapping/>
   </p:clrMapOvr>
+  <p:timing>
+    <p:tnLst>
+      <p:par>
+        <p:cTn id="1" dur="indefinite" restart="never" nodeType="tmRoot"/>
+      </p:par>
+    </p:tnLst>
+  </p:timing>
 </p:sld>
 </file>
 
-<file path=ppt/slides/slide18.xml><?xml version="1.0" encoding="utf-8"?>
+<file path=ppt/slides/slide16.xml><?xml version="1.0" encoding="utf-8"?>
 <p:sld xmlns:a="http://schemas.openxmlformats.org/drawingml/2006/main" xmlns:r="http://schemas.openxmlformats.org/officeDocument/2006/relationships" xmlns:p="http://schemas.openxmlformats.org/presentationml/2006/main">
   <p:cSld>
     <p:spTree>
@@ -5072,50 +6176,6 @@
           <a:chExt cx="0" cy="0"/>
         </a:xfrm>
       </p:grpSpPr>
-      <p:sp>
-        <p:nvSpPr>
-          <p:cNvPr id="2" name="文本框 1"/>
-          <p:cNvSpPr txBox="1"/>
-          <p:nvPr/>
-        </p:nvSpPr>
-        <p:spPr>
-          <a:xfrm>
-            <a:off x="1828801" y="1850033"/>
-            <a:ext cx="4299284" cy="646331"/>
-          </a:xfrm>
-          <a:prstGeom prst="rect">
-            <a:avLst/>
-          </a:prstGeom>
-          <a:noFill/>
-        </p:spPr>
-        <p:txBody>
-          <a:bodyPr wrap="square" rtlCol="0">
-            <a:spAutoFit/>
-          </a:bodyPr>
-          <a:lstStyle/>
-          <a:p>
-            <a:pPr marL="285750" indent="-285750">
-              <a:buFont typeface="Arial" charset="0"/>
-              <a:buChar char="•"/>
-            </a:pPr>
-            <a:r>
-              <a:rPr lang="en-US" altLang="zh-CN" dirty="0" smtClean="0"/>
-              <a:t>Vendor </a:t>
-            </a:r>
-            <a:r>
-              <a:rPr lang="en-US" altLang="zh-CN" dirty="0" smtClean="0"/>
-              <a:t>element</a:t>
-            </a:r>
-          </a:p>
-          <a:p>
-            <a:pPr marL="285750" indent="-285750">
-              <a:buFont typeface="Arial" charset="0"/>
-              <a:buChar char="•"/>
-            </a:pPr>
-            <a:endParaRPr lang="zh-CN" altLang="en-US" dirty="0"/>
-          </a:p>
-        </p:txBody>
-      </p:sp>
       <p:graphicFrame>
         <p:nvGraphicFramePr>
           <p:cNvPr id="3" name="表格 2"/>
@@ -5125,14 +6185,14 @@
           <p:nvPr>
             <p:extLst>
               <p:ext uri="{D42A27DB-BD31-4B8C-83A1-F6EECF244321}">
-                <p14:modId xmlns:p14="http://schemas.microsoft.com/office/powerpoint/2010/main" val="4045597711"/>
+                <p14:modId xmlns:p14="http://schemas.microsoft.com/office/powerpoint/2010/main" val="3757944189"/>
               </p:ext>
             </p:extLst>
           </p:nvPr>
         </p:nvGraphicFramePr>
         <p:xfrm>
-          <a:off x="1828801" y="2965560"/>
-          <a:ext cx="8127999" cy="370840"/>
+          <a:off x="1219512" y="2810979"/>
+          <a:ext cx="5566299" cy="370840"/>
         </p:xfrm>
         <a:graphic>
           <a:graphicData uri="http://schemas.openxmlformats.org/drawingml/2006/table">
@@ -5141,24 +6201,24 @@
                 <a:tableStyleId>{5C22544A-7EE6-4342-B048-85BDC9FD1C3A}</a:tableStyleId>
               </a:tblPr>
               <a:tblGrid>
-                <a:gridCol w="2709333">
+                <a:gridCol w="1855433">
                   <a:extLst>
                     <a:ext uri="{9D8B030D-6E8A-4147-A177-3AD203B41FA5}">
-                      <a16:colId xmlns:a16="http://schemas.microsoft.com/office/drawing/2014/main" xmlns="" val="2035341067"/>
+                      <a16:colId xmlns="" xmlns:a16="http://schemas.microsoft.com/office/drawing/2014/main" val="2035341067"/>
                     </a:ext>
                   </a:extLst>
                 </a:gridCol>
-                <a:gridCol w="2709333">
+                <a:gridCol w="1855433">
                   <a:extLst>
                     <a:ext uri="{9D8B030D-6E8A-4147-A177-3AD203B41FA5}">
-                      <a16:colId xmlns:a16="http://schemas.microsoft.com/office/drawing/2014/main" xmlns="" val="4152663593"/>
+                      <a16:colId xmlns="" xmlns:a16="http://schemas.microsoft.com/office/drawing/2014/main" val="4152663593"/>
                     </a:ext>
                   </a:extLst>
                 </a:gridCol>
-                <a:gridCol w="2709333">
+                <a:gridCol w="1855433">
                   <a:extLst>
                     <a:ext uri="{9D8B030D-6E8A-4147-A177-3AD203B41FA5}">
-                      <a16:colId xmlns:a16="http://schemas.microsoft.com/office/drawing/2014/main" xmlns="" val="2046161823"/>
+                      <a16:colId xmlns="" xmlns:a16="http://schemas.microsoft.com/office/drawing/2014/main" val="2046161823"/>
                     </a:ext>
                   </a:extLst>
                 </a:gridCol>
@@ -5224,7 +6284,7 @@
                 </a:tc>
                 <a:extLst>
                   <a:ext uri="{0D108BD9-81ED-4DB2-BD59-A6C34878D82A}">
-                    <a16:rowId xmlns:a16="http://schemas.microsoft.com/office/drawing/2014/main" xmlns="" val="1082545557"/>
+                    <a16:rowId xmlns="" xmlns:a16="http://schemas.microsoft.com/office/drawing/2014/main" val="1082545557"/>
                   </a:ext>
                 </a:extLst>
               </a:tr>
@@ -5232,16 +6292,220 @@
           </a:graphicData>
         </a:graphic>
       </p:graphicFrame>
-      <p:sp>
-        <p:nvSpPr>
-          <p:cNvPr id="4" name="文本框 3"/>
+      <p:graphicFrame>
+        <p:nvGraphicFramePr>
+          <p:cNvPr id="5" name="表格 4"/>
+          <p:cNvGraphicFramePr>
+            <a:graphicFrameLocks noGrp="1"/>
+          </p:cNvGraphicFramePr>
+          <p:nvPr>
+            <p:extLst>
+              <p:ext uri="{D42A27DB-BD31-4B8C-83A1-F6EECF244321}">
+                <p14:modId xmlns:p14="http://schemas.microsoft.com/office/powerpoint/2010/main" val="1939234944"/>
+              </p:ext>
+            </p:extLst>
+          </p:nvPr>
+        </p:nvGraphicFramePr>
+        <p:xfrm>
+          <a:off x="2081840" y="4108658"/>
+          <a:ext cx="8127999" cy="370840"/>
+        </p:xfrm>
+        <a:graphic>
+          <a:graphicData uri="http://schemas.openxmlformats.org/drawingml/2006/table">
+            <a:tbl>
+              <a:tblPr firstRow="1" bandRow="1">
+                <a:tableStyleId>{5C22544A-7EE6-4342-B048-85BDC9FD1C3A}</a:tableStyleId>
+              </a:tblPr>
+              <a:tblGrid>
+                <a:gridCol w="2709333">
+                  <a:extLst>
+                    <a:ext uri="{9D8B030D-6E8A-4147-A177-3AD203B41FA5}">
+                      <a16:colId xmlns="" xmlns:a16="http://schemas.microsoft.com/office/drawing/2014/main" val="2035341067"/>
+                    </a:ext>
+                  </a:extLst>
+                </a:gridCol>
+                <a:gridCol w="2709333">
+                  <a:extLst>
+                    <a:ext uri="{9D8B030D-6E8A-4147-A177-3AD203B41FA5}">
+                      <a16:colId xmlns="" xmlns:a16="http://schemas.microsoft.com/office/drawing/2014/main" val="4152663593"/>
+                    </a:ext>
+                  </a:extLst>
+                </a:gridCol>
+                <a:gridCol w="2709333">
+                  <a:extLst>
+                    <a:ext uri="{9D8B030D-6E8A-4147-A177-3AD203B41FA5}">
+                      <a16:colId xmlns="" xmlns:a16="http://schemas.microsoft.com/office/drawing/2014/main" val="2046161823"/>
+                    </a:ext>
+                  </a:extLst>
+                </a:gridCol>
+              </a:tblGrid>
+              <a:tr h="370840">
+                <a:tc>
+                  <a:txBody>
+                    <a:bodyPr/>
+                    <a:lstStyle/>
+                    <a:p>
+                      <a:r>
+                        <a:rPr lang="en-US" altLang="zh-CN" dirty="0" smtClean="0"/>
+                        <a:t>Fragment ID</a:t>
+                      </a:r>
+                      <a:endParaRPr lang="zh-CN" altLang="en-US" dirty="0"/>
+                    </a:p>
+                  </a:txBody>
+                  <a:tcPr/>
+                </a:tc>
+                <a:tc>
+                  <a:txBody>
+                    <a:bodyPr/>
+                    <a:lstStyle/>
+                    <a:p>
+                      <a:r>
+                        <a:rPr lang="en-US" altLang="zh-CN" baseline="0" dirty="0" smtClean="0"/>
+                        <a:t>Magic code</a:t>
+                      </a:r>
+                      <a:endParaRPr lang="zh-CN" altLang="en-US" dirty="0"/>
+                    </a:p>
+                  </a:txBody>
+                  <a:tcPr/>
+                </a:tc>
+                <a:tc>
+                  <a:txBody>
+                    <a:bodyPr/>
+                    <a:lstStyle/>
+                    <a:p>
+                      <a:r>
+                        <a:rPr lang="en-US" altLang="zh-CN" dirty="0" smtClean="0"/>
+                        <a:t>Shell</a:t>
+                      </a:r>
+                      <a:endParaRPr lang="zh-CN" altLang="en-US" dirty="0"/>
+                    </a:p>
+                  </a:txBody>
+                  <a:tcPr/>
+                </a:tc>
+                <a:extLst>
+                  <a:ext uri="{0D108BD9-81ED-4DB2-BD59-A6C34878D82A}">
+                    <a16:rowId xmlns="" xmlns:a16="http://schemas.microsoft.com/office/drawing/2014/main" val="1082545557"/>
+                  </a:ext>
+                </a:extLst>
+              </a:tr>
+            </a:tbl>
+          </a:graphicData>
+        </a:graphic>
+      </p:graphicFrame>
+      <p:graphicFrame>
+        <p:nvGraphicFramePr>
+          <p:cNvPr id="6" name="表格 5"/>
+          <p:cNvGraphicFramePr>
+            <a:graphicFrameLocks noGrp="1"/>
+          </p:cNvGraphicFramePr>
+          <p:nvPr>
+            <p:extLst>
+              <p:ext uri="{D42A27DB-BD31-4B8C-83A1-F6EECF244321}">
+                <p14:modId xmlns:p14="http://schemas.microsoft.com/office/powerpoint/2010/main" val="232579254"/>
+              </p:ext>
+            </p:extLst>
+          </p:nvPr>
+        </p:nvGraphicFramePr>
+        <p:xfrm>
+          <a:off x="2081840" y="5540514"/>
+          <a:ext cx="8127999" cy="370840"/>
+        </p:xfrm>
+        <a:graphic>
+          <a:graphicData uri="http://schemas.openxmlformats.org/drawingml/2006/table">
+            <a:tbl>
+              <a:tblPr firstRow="1" bandRow="1">
+                <a:tableStyleId>{5C22544A-7EE6-4342-B048-85BDC9FD1C3A}</a:tableStyleId>
+              </a:tblPr>
+              <a:tblGrid>
+                <a:gridCol w="2709333">
+                  <a:extLst>
+                    <a:ext uri="{9D8B030D-6E8A-4147-A177-3AD203B41FA5}">
+                      <a16:colId xmlns="" xmlns:a16="http://schemas.microsoft.com/office/drawing/2014/main" val="2035341067"/>
+                    </a:ext>
+                  </a:extLst>
+                </a:gridCol>
+                <a:gridCol w="2709333">
+                  <a:extLst>
+                    <a:ext uri="{9D8B030D-6E8A-4147-A177-3AD203B41FA5}">
+                      <a16:colId xmlns="" xmlns:a16="http://schemas.microsoft.com/office/drawing/2014/main" val="4152663593"/>
+                    </a:ext>
+                  </a:extLst>
+                </a:gridCol>
+                <a:gridCol w="2709333">
+                  <a:extLst>
+                    <a:ext uri="{9D8B030D-6E8A-4147-A177-3AD203B41FA5}">
+                      <a16:colId xmlns="" xmlns:a16="http://schemas.microsoft.com/office/drawing/2014/main" val="2046161823"/>
+                    </a:ext>
+                  </a:extLst>
+                </a:gridCol>
+              </a:tblGrid>
+              <a:tr h="370840">
+                <a:tc>
+                  <a:txBody>
+                    <a:bodyPr/>
+                    <a:lstStyle/>
+                    <a:p>
+                      <a:r>
+                        <a:rPr lang="en-US" altLang="zh-CN" dirty="0" smtClean="0"/>
+                        <a:t>Next</a:t>
+                      </a:r>
+                      <a:r>
+                        <a:rPr lang="en-US" altLang="zh-CN" baseline="0" dirty="0" smtClean="0"/>
+                        <a:t> SSID</a:t>
+                      </a:r>
+                      <a:endParaRPr lang="zh-CN" altLang="en-US" dirty="0"/>
+                    </a:p>
+                  </a:txBody>
+                  <a:tcPr/>
+                </a:tc>
+                <a:tc>
+                  <a:txBody>
+                    <a:bodyPr/>
+                    <a:lstStyle/>
+                    <a:p>
+                      <a:r>
+                        <a:rPr lang="en-US" altLang="zh-CN" baseline="0" dirty="0" smtClean="0"/>
+                        <a:t>Magic code</a:t>
+                      </a:r>
+                      <a:endParaRPr lang="zh-CN" altLang="en-US" dirty="0"/>
+                    </a:p>
+                  </a:txBody>
+                  <a:tcPr/>
+                </a:tc>
+                <a:tc>
+                  <a:txBody>
+                    <a:bodyPr/>
+                    <a:lstStyle/>
+                    <a:p>
+                      <a:r>
+                        <a:rPr lang="en-US" altLang="zh-CN" dirty="0" smtClean="0"/>
+                        <a:t>Shell</a:t>
+                      </a:r>
+                      <a:endParaRPr lang="zh-CN" altLang="en-US" dirty="0"/>
+                    </a:p>
+                  </a:txBody>
+                  <a:tcPr/>
+                </a:tc>
+                <a:extLst>
+                  <a:ext uri="{0D108BD9-81ED-4DB2-BD59-A6C34878D82A}">
+                    <a16:rowId xmlns="" xmlns:a16="http://schemas.microsoft.com/office/drawing/2014/main" val="1082545557"/>
+                  </a:ext>
+                </a:extLst>
+              </a:tr>
+            </a:tbl>
+          </a:graphicData>
+        </a:graphic>
+      </p:graphicFrame>
+      <p:sp>
+        <p:nvSpPr>
+          <p:cNvPr id="17" name="文本框 16"/>
           <p:cNvSpPr txBox="1"/>
           <p:nvPr/>
         </p:nvSpPr>
         <p:spPr>
           <a:xfrm>
-            <a:off x="473626" y="712926"/>
-            <a:ext cx="9862680" cy="523220"/>
+            <a:off x="689811" y="641683"/>
+            <a:ext cx="8560205" cy="584775"/>
           </a:xfrm>
           <a:prstGeom prst="rect">
             <a:avLst/>
@@ -5255,18 +6519,146 @@
           <a:lstStyle/>
           <a:p>
             <a:r>
-              <a:rPr lang="en-US" altLang="zh-CN" sz="2800" dirty="0" err="1">
-                <a:latin typeface="Abadi MT Condensed Extra Bold" charset="0"/>
-                <a:ea typeface="Abadi MT Condensed Extra Bold" charset="0"/>
-                <a:cs typeface="Abadi MT Condensed Extra Bold" charset="0"/>
+              <a:rPr lang="en-US" altLang="zh-CN" sz="3200" b="1" dirty="0" err="1">
+                <a:latin typeface="Microsoft Tai Le" panose="020B0502040204020203" pitchFamily="34" charset="0"/>
+                <a:cs typeface="Microsoft Tai Le" panose="020B0502040204020203" pitchFamily="34" charset="0"/>
               </a:rPr>
               <a:t>Hostapd</a:t>
             </a:r>
-            <a:endParaRPr lang="en-US" altLang="zh-CN" sz="2800" dirty="0">
-              <a:latin typeface="Abadi MT Condensed Extra Bold" charset="0"/>
-              <a:ea typeface="Abadi MT Condensed Extra Bold" charset="0"/>
-              <a:cs typeface="Abadi MT Condensed Extra Bold" charset="0"/>
+            <a:endParaRPr lang="en-US" altLang="zh-CN" sz="3200" b="1" dirty="0">
+              <a:latin typeface="Microsoft Tai Le" panose="020B0502040204020203" pitchFamily="34" charset="0"/>
+              <a:cs typeface="Microsoft Tai Le" panose="020B0502040204020203" pitchFamily="34" charset="0"/>
             </a:endParaRPr>
+          </a:p>
+        </p:txBody>
+      </p:sp>
+      <p:sp>
+        <p:nvSpPr>
+          <p:cNvPr id="18" name="矩形 17"/>
+          <p:cNvSpPr/>
+          <p:nvPr/>
+        </p:nvSpPr>
+        <p:spPr>
+          <a:xfrm>
+            <a:off x="689811" y="1506635"/>
+            <a:ext cx="6096000" cy="954107"/>
+          </a:xfrm>
+          <a:prstGeom prst="rect">
+            <a:avLst/>
+          </a:prstGeom>
+        </p:spPr>
+        <p:txBody>
+          <a:bodyPr>
+            <a:spAutoFit/>
+          </a:bodyPr>
+          <a:lstStyle/>
+          <a:p>
+            <a:pPr marL="285750" indent="-285750">
+              <a:spcBef>
+                <a:spcPts val="2400"/>
+              </a:spcBef>
+              <a:buFont typeface="Arial" panose="020B0604020202020204" pitchFamily="34" charset="0"/>
+              <a:buChar char="•"/>
+            </a:pPr>
+            <a:r>
+              <a:rPr lang="en-US" altLang="zh-CN" dirty="0" err="1" smtClean="0"/>
+              <a:t>Hostapd.conf</a:t>
+            </a:r>
+            <a:endParaRPr lang="en-US" altLang="zh-CN" dirty="0" smtClean="0"/>
+          </a:p>
+          <a:p>
+            <a:pPr marL="742950" lvl="1" indent="-285750">
+              <a:spcBef>
+                <a:spcPts val="2400"/>
+              </a:spcBef>
+              <a:buFont typeface="Arial" panose="020B0604020202020204" pitchFamily="34" charset="0"/>
+              <a:buChar char="•"/>
+            </a:pPr>
+            <a:r>
+              <a:rPr lang="en-US" altLang="zh-CN" dirty="0" smtClean="0"/>
+              <a:t>Vendor element</a:t>
+            </a:r>
+            <a:endParaRPr lang="en-US" altLang="zh-CN" dirty="0"/>
+          </a:p>
+        </p:txBody>
+      </p:sp>
+      <p:sp>
+        <p:nvSpPr>
+          <p:cNvPr id="19" name="下箭头 18"/>
+          <p:cNvSpPr/>
+          <p:nvPr/>
+        </p:nvSpPr>
+        <p:spPr>
+          <a:xfrm>
+            <a:off x="5344357" y="3364637"/>
+            <a:ext cx="548443" cy="648070"/>
+          </a:xfrm>
+          <a:prstGeom prst="downArrow">
+            <a:avLst/>
+          </a:prstGeom>
+        </p:spPr>
+        <p:style>
+          <a:lnRef idx="2">
+            <a:schemeClr val="accent1">
+              <a:shade val="50000"/>
+            </a:schemeClr>
+          </a:lnRef>
+          <a:fillRef idx="1">
+            <a:schemeClr val="accent1"/>
+          </a:fillRef>
+          <a:effectRef idx="0">
+            <a:schemeClr val="accent1"/>
+          </a:effectRef>
+          <a:fontRef idx="minor">
+            <a:schemeClr val="lt1"/>
+          </a:fontRef>
+        </p:style>
+        <p:txBody>
+          <a:bodyPr rtlCol="0" anchor="ctr"/>
+          <a:lstStyle/>
+          <a:p>
+            <a:pPr algn="ctr"/>
+            <a:endParaRPr lang="zh-CN" altLang="en-US"/>
+          </a:p>
+        </p:txBody>
+      </p:sp>
+      <p:sp>
+        <p:nvSpPr>
+          <p:cNvPr id="21" name="下箭头 20"/>
+          <p:cNvSpPr/>
+          <p:nvPr/>
+        </p:nvSpPr>
+        <p:spPr>
+          <a:xfrm>
+            <a:off x="5344356" y="4643179"/>
+            <a:ext cx="548443" cy="648070"/>
+          </a:xfrm>
+          <a:prstGeom prst="downArrow">
+            <a:avLst/>
+          </a:prstGeom>
+        </p:spPr>
+        <p:style>
+          <a:lnRef idx="2">
+            <a:schemeClr val="accent1">
+              <a:shade val="50000"/>
+            </a:schemeClr>
+          </a:lnRef>
+          <a:fillRef idx="1">
+            <a:schemeClr val="accent1"/>
+          </a:fillRef>
+          <a:effectRef idx="0">
+            <a:schemeClr val="accent1"/>
+          </a:effectRef>
+          <a:fontRef idx="minor">
+            <a:schemeClr val="lt1"/>
+          </a:fontRef>
+        </p:style>
+        <p:txBody>
+          <a:bodyPr rtlCol="0" anchor="ctr"/>
+          <a:lstStyle/>
+          <a:p>
+            <a:pPr algn="ctr"/>
+            <a:endParaRPr lang="zh-CN" altLang="en-US"/>
           </a:p>
         </p:txBody>
       </p:sp>
@@ -5280,6 +6672,166 @@
   <p:clrMapOvr>
     <a:masterClrMapping/>
   </p:clrMapOvr>
+  <p:timing>
+    <p:tnLst>
+      <p:par>
+        <p:cTn id="1" dur="indefinite" restart="never" nodeType="tmRoot"/>
+      </p:par>
+    </p:tnLst>
+  </p:timing>
+</p:sld>
+</file>
+
+<file path=ppt/slides/slide17.xml><?xml version="1.0" encoding="utf-8"?>
+<p:sld xmlns:a="http://schemas.openxmlformats.org/drawingml/2006/main" xmlns:r="http://schemas.openxmlformats.org/officeDocument/2006/relationships" xmlns:p="http://schemas.openxmlformats.org/presentationml/2006/main">
+  <p:cSld>
+    <p:spTree>
+      <p:nvGrpSpPr>
+        <p:cNvPr id="1" name=""/>
+        <p:cNvGrpSpPr/>
+        <p:nvPr/>
+      </p:nvGrpSpPr>
+      <p:grpSpPr>
+        <a:xfrm>
+          <a:off x="0" y="0"/>
+          <a:ext cx="0" cy="0"/>
+          <a:chOff x="0" y="0"/>
+          <a:chExt cx="0" cy="0"/>
+        </a:xfrm>
+      </p:grpSpPr>
+      <p:sp>
+        <p:nvSpPr>
+          <p:cNvPr id="4" name="文本框 3"/>
+          <p:cNvSpPr txBox="1"/>
+          <p:nvPr/>
+        </p:nvSpPr>
+        <p:spPr>
+          <a:xfrm>
+            <a:off x="689811" y="641683"/>
+            <a:ext cx="8560205" cy="584775"/>
+          </a:xfrm>
+          <a:prstGeom prst="rect">
+            <a:avLst/>
+          </a:prstGeom>
+          <a:noFill/>
+        </p:spPr>
+        <p:txBody>
+          <a:bodyPr wrap="square" rtlCol="0">
+            <a:spAutoFit/>
+          </a:bodyPr>
+          <a:lstStyle/>
+          <a:p>
+            <a:r>
+              <a:rPr lang="en-US" altLang="zh-CN" sz="3200" b="1" dirty="0">
+                <a:latin typeface="Microsoft Tai Le" panose="020B0502040204020203" pitchFamily="34" charset="0"/>
+                <a:cs typeface="Microsoft Tai Le" panose="020B0502040204020203" pitchFamily="34" charset="0"/>
+              </a:rPr>
+              <a:t>Demo</a:t>
+            </a:r>
+            <a:endParaRPr lang="zh-CN" altLang="en-US" sz="3200" b="1" dirty="0">
+              <a:latin typeface="Microsoft Tai Le" panose="020B0502040204020203" pitchFamily="34" charset="0"/>
+              <a:cs typeface="Microsoft Tai Le" panose="020B0502040204020203" pitchFamily="34" charset="0"/>
+            </a:endParaRPr>
+          </a:p>
+        </p:txBody>
+      </p:sp>
+    </p:spTree>
+    <p:extLst>
+      <p:ext uri="{BB962C8B-B14F-4D97-AF65-F5344CB8AC3E}">
+        <p14:creationId xmlns:p14="http://schemas.microsoft.com/office/powerpoint/2010/main" val="2050006638"/>
+      </p:ext>
+    </p:extLst>
+  </p:cSld>
+  <p:clrMapOvr>
+    <a:masterClrMapping/>
+  </p:clrMapOvr>
+  <p:timing>
+    <p:tnLst>
+      <p:par>
+        <p:cTn id="1" dur="indefinite" restart="never" nodeType="tmRoot"/>
+      </p:par>
+    </p:tnLst>
+  </p:timing>
+</p:sld>
+</file>
+
+<file path=ppt/slides/slide18.xml><?xml version="1.0" encoding="utf-8"?>
+<p:sld xmlns:a="http://schemas.openxmlformats.org/drawingml/2006/main" xmlns:r="http://schemas.openxmlformats.org/officeDocument/2006/relationships" xmlns:p="http://schemas.openxmlformats.org/presentationml/2006/main">
+  <p:cSld>
+    <p:spTree>
+      <p:nvGrpSpPr>
+        <p:cNvPr id="1" name=""/>
+        <p:cNvGrpSpPr/>
+        <p:nvPr/>
+      </p:nvGrpSpPr>
+      <p:grpSpPr>
+        <a:xfrm>
+          <a:off x="0" y="0"/>
+          <a:ext cx="0" cy="0"/>
+          <a:chOff x="0" y="0"/>
+          <a:chExt cx="0" cy="0"/>
+        </a:xfrm>
+      </p:grpSpPr>
+      <p:sp>
+        <p:nvSpPr>
+          <p:cNvPr id="2" name="文本框 1"/>
+          <p:cNvSpPr txBox="1"/>
+          <p:nvPr/>
+        </p:nvSpPr>
+        <p:spPr>
+          <a:xfrm>
+            <a:off x="2221129" y="2397128"/>
+            <a:ext cx="7686349" cy="2308324"/>
+          </a:xfrm>
+          <a:prstGeom prst="rect">
+            <a:avLst/>
+          </a:prstGeom>
+          <a:noFill/>
+        </p:spPr>
+        <p:txBody>
+          <a:bodyPr wrap="square" rtlCol="0">
+            <a:spAutoFit/>
+          </a:bodyPr>
+          <a:lstStyle/>
+          <a:p>
+            <a:pPr algn="ctr"/>
+            <a:r>
+              <a:rPr lang="en-US" altLang="zh-CN" sz="4800" b="1" dirty="0" smtClean="0">
+                <a:latin typeface="Microsoft Tai Le" panose="020B0502040204020203" pitchFamily="34" charset="0"/>
+                <a:cs typeface="Microsoft Tai Le" panose="020B0502040204020203" pitchFamily="34" charset="0"/>
+              </a:rPr>
+              <a:t>Further application of Ghost Tunnel</a:t>
+            </a:r>
+            <a:endParaRPr lang="zh-CN" altLang="en-US" sz="4800" b="1" dirty="0" smtClean="0">
+              <a:latin typeface="Microsoft Tai Le" panose="020B0502040204020203" pitchFamily="34" charset="0"/>
+              <a:cs typeface="Microsoft Tai Le" panose="020B0502040204020203" pitchFamily="34" charset="0"/>
+            </a:endParaRPr>
+          </a:p>
+          <a:p>
+            <a:endParaRPr lang="zh-CN" altLang="en-US" sz="4800" b="1" dirty="0">
+              <a:latin typeface="Microsoft Tai Le" panose="020B0502040204020203" pitchFamily="34" charset="0"/>
+              <a:cs typeface="Microsoft Tai Le" panose="020B0502040204020203" pitchFamily="34" charset="0"/>
+            </a:endParaRPr>
+          </a:p>
+        </p:txBody>
+      </p:sp>
+    </p:spTree>
+    <p:extLst>
+      <p:ext uri="{BB962C8B-B14F-4D97-AF65-F5344CB8AC3E}">
+        <p14:creationId xmlns:p14="http://schemas.microsoft.com/office/powerpoint/2010/main" val="1470750742"/>
+      </p:ext>
+    </p:extLst>
+  </p:cSld>
+  <p:clrMapOvr>
+    <a:masterClrMapping/>
+  </p:clrMapOvr>
+  <p:timing>
+    <p:tnLst>
+      <p:par>
+        <p:cTn id="1" dur="indefinite" restart="never" nodeType="tmRoot"/>
+      </p:par>
+    </p:tnLst>
+  </p:timing>
 </p:sld>
 </file>
 
@@ -5302,14 +6854,14 @@
       </p:grpSpPr>
       <p:sp>
         <p:nvSpPr>
-          <p:cNvPr id="2" name="文本框 1"/>
+          <p:cNvPr id="3" name="文本框 2"/>
           <p:cNvSpPr txBox="1"/>
           <p:nvPr/>
         </p:nvSpPr>
         <p:spPr>
           <a:xfrm>
-            <a:off x="2695074" y="1299411"/>
-            <a:ext cx="4299284" cy="369332"/>
+            <a:off x="689811" y="641683"/>
+            <a:ext cx="8560205" cy="584775"/>
           </a:xfrm>
           <a:prstGeom prst="rect">
             <a:avLst/>
@@ -5323,8 +6875,634 @@
           <a:lstStyle/>
           <a:p>
             <a:r>
-              <a:rPr lang="zh-CN" altLang="en-US" dirty="0" smtClean="0"/>
-              <a:t>插入捕获数据图片</a:t>
+              <a:rPr lang="en-US" altLang="zh-CN" sz="3200" b="1" dirty="0" smtClean="0">
+                <a:latin typeface="Microsoft Tai Le" panose="020B0502040204020203" pitchFamily="34" charset="0"/>
+                <a:cs typeface="Microsoft Tai Le" panose="020B0502040204020203" pitchFamily="34" charset="0"/>
+              </a:rPr>
+              <a:t>Transfer Files</a:t>
+            </a:r>
+            <a:endParaRPr lang="en-US" altLang="zh-CN" sz="3200" b="1" dirty="0">
+              <a:latin typeface="Microsoft Tai Le" panose="020B0502040204020203" pitchFamily="34" charset="0"/>
+              <a:cs typeface="Microsoft Tai Le" panose="020B0502040204020203" pitchFamily="34" charset="0"/>
+            </a:endParaRPr>
+          </a:p>
+        </p:txBody>
+      </p:sp>
+      <p:sp>
+        <p:nvSpPr>
+          <p:cNvPr id="5" name="圆角矩形 4"/>
+          <p:cNvSpPr/>
+          <p:nvPr/>
+        </p:nvSpPr>
+        <p:spPr>
+          <a:xfrm>
+            <a:off x="994299" y="1615736"/>
+            <a:ext cx="1402672" cy="1029809"/>
+          </a:xfrm>
+          <a:prstGeom prst="roundRect">
+            <a:avLst/>
+          </a:prstGeom>
+        </p:spPr>
+        <p:style>
+          <a:lnRef idx="2">
+            <a:schemeClr val="accent1">
+              <a:shade val="50000"/>
+            </a:schemeClr>
+          </a:lnRef>
+          <a:fillRef idx="1">
+            <a:schemeClr val="accent1"/>
+          </a:fillRef>
+          <a:effectRef idx="0">
+            <a:schemeClr val="accent1"/>
+          </a:effectRef>
+          <a:fontRef idx="minor">
+            <a:schemeClr val="lt1"/>
+          </a:fontRef>
+        </p:style>
+        <p:txBody>
+          <a:bodyPr rtlCol="0" anchor="ctr"/>
+          <a:lstStyle/>
+          <a:p>
+            <a:pPr algn="ctr"/>
+            <a:r>
+              <a:rPr lang="en-US" altLang="zh-CN" dirty="0" smtClean="0"/>
+              <a:t>Hello World.doc</a:t>
+            </a:r>
+            <a:endParaRPr lang="zh-CN" altLang="en-US" dirty="0"/>
+          </a:p>
+        </p:txBody>
+      </p:sp>
+      <p:sp>
+        <p:nvSpPr>
+          <p:cNvPr id="6" name="右箭头 5"/>
+          <p:cNvSpPr/>
+          <p:nvPr/>
+        </p:nvSpPr>
+        <p:spPr>
+          <a:xfrm>
+            <a:off x="2805344" y="1872789"/>
+            <a:ext cx="1287262" cy="377699"/>
+          </a:xfrm>
+          <a:prstGeom prst="rightArrow">
+            <a:avLst/>
+          </a:prstGeom>
+        </p:spPr>
+        <p:style>
+          <a:lnRef idx="2">
+            <a:schemeClr val="accent1">
+              <a:shade val="50000"/>
+            </a:schemeClr>
+          </a:lnRef>
+          <a:fillRef idx="1">
+            <a:schemeClr val="accent1"/>
+          </a:fillRef>
+          <a:effectRef idx="0">
+            <a:schemeClr val="accent1"/>
+          </a:effectRef>
+          <a:fontRef idx="minor">
+            <a:schemeClr val="lt1"/>
+          </a:fontRef>
+        </p:style>
+        <p:txBody>
+          <a:bodyPr rtlCol="0" anchor="ctr"/>
+          <a:lstStyle/>
+          <a:p>
+            <a:pPr algn="ctr"/>
+            <a:endParaRPr lang="zh-CN" altLang="en-US"/>
+          </a:p>
+        </p:txBody>
+      </p:sp>
+      <p:sp>
+        <p:nvSpPr>
+          <p:cNvPr id="7" name="圆角矩形 6"/>
+          <p:cNvSpPr/>
+          <p:nvPr/>
+        </p:nvSpPr>
+        <p:spPr>
+          <a:xfrm>
+            <a:off x="4786544" y="1615736"/>
+            <a:ext cx="1402672" cy="1029809"/>
+          </a:xfrm>
+          <a:prstGeom prst="roundRect">
+            <a:avLst/>
+          </a:prstGeom>
+        </p:spPr>
+        <p:style>
+          <a:lnRef idx="2">
+            <a:schemeClr val="accent1">
+              <a:shade val="50000"/>
+            </a:schemeClr>
+          </a:lnRef>
+          <a:fillRef idx="1">
+            <a:schemeClr val="accent1"/>
+          </a:fillRef>
+          <a:effectRef idx="0">
+            <a:schemeClr val="accent1"/>
+          </a:effectRef>
+          <a:fontRef idx="minor">
+            <a:schemeClr val="lt1"/>
+          </a:fontRef>
+        </p:style>
+        <p:txBody>
+          <a:bodyPr rtlCol="0" anchor="ctr"/>
+          <a:lstStyle/>
+          <a:p>
+            <a:pPr algn="ctr"/>
+            <a:r>
+              <a:rPr lang="en-US" altLang="zh-CN" dirty="0" smtClean="0"/>
+              <a:t>01010000101010111101111……</a:t>
+            </a:r>
+            <a:endParaRPr lang="zh-CN" altLang="en-US" dirty="0"/>
+          </a:p>
+        </p:txBody>
+      </p:sp>
+      <p:sp>
+        <p:nvSpPr>
+          <p:cNvPr id="8" name="右箭头 7"/>
+          <p:cNvSpPr/>
+          <p:nvPr/>
+        </p:nvSpPr>
+        <p:spPr>
+          <a:xfrm>
+            <a:off x="6997084" y="1872789"/>
+            <a:ext cx="1287262" cy="377699"/>
+          </a:xfrm>
+          <a:prstGeom prst="rightArrow">
+            <a:avLst/>
+          </a:prstGeom>
+        </p:spPr>
+        <p:style>
+          <a:lnRef idx="2">
+            <a:schemeClr val="accent1">
+              <a:shade val="50000"/>
+            </a:schemeClr>
+          </a:lnRef>
+          <a:fillRef idx="1">
+            <a:schemeClr val="accent1"/>
+          </a:fillRef>
+          <a:effectRef idx="0">
+            <a:schemeClr val="accent1"/>
+          </a:effectRef>
+          <a:fontRef idx="minor">
+            <a:schemeClr val="lt1"/>
+          </a:fontRef>
+        </p:style>
+        <p:txBody>
+          <a:bodyPr rtlCol="0" anchor="ctr"/>
+          <a:lstStyle/>
+          <a:p>
+            <a:pPr algn="ctr"/>
+            <a:endParaRPr lang="zh-CN" altLang="en-US"/>
+          </a:p>
+        </p:txBody>
+      </p:sp>
+      <p:sp>
+        <p:nvSpPr>
+          <p:cNvPr id="9" name="圆角矩形 8"/>
+          <p:cNvSpPr/>
+          <p:nvPr/>
+        </p:nvSpPr>
+        <p:spPr>
+          <a:xfrm>
+            <a:off x="8685321" y="1615736"/>
+            <a:ext cx="1402672" cy="1029809"/>
+          </a:xfrm>
+          <a:prstGeom prst="roundRect">
+            <a:avLst/>
+          </a:prstGeom>
+        </p:spPr>
+        <p:style>
+          <a:lnRef idx="2">
+            <a:schemeClr val="accent1">
+              <a:shade val="50000"/>
+            </a:schemeClr>
+          </a:lnRef>
+          <a:fillRef idx="1">
+            <a:schemeClr val="accent1"/>
+          </a:fillRef>
+          <a:effectRef idx="0">
+            <a:schemeClr val="accent1"/>
+          </a:effectRef>
+          <a:fontRef idx="minor">
+            <a:schemeClr val="lt1"/>
+          </a:fontRef>
+        </p:style>
+        <p:txBody>
+          <a:bodyPr rtlCol="0" anchor="ctr"/>
+          <a:lstStyle/>
+          <a:p>
+            <a:pPr algn="ctr"/>
+            <a:r>
+              <a:rPr lang="en-US" altLang="zh-CN" dirty="0" smtClean="0"/>
+              <a:t>0x1e0x09……</a:t>
+            </a:r>
+            <a:endParaRPr lang="zh-CN" altLang="en-US" dirty="0"/>
+          </a:p>
+        </p:txBody>
+      </p:sp>
+      <p:sp>
+        <p:nvSpPr>
+          <p:cNvPr id="10" name="下箭头 9"/>
+          <p:cNvSpPr/>
+          <p:nvPr/>
+        </p:nvSpPr>
+        <p:spPr>
+          <a:xfrm>
+            <a:off x="9093436" y="3034823"/>
+            <a:ext cx="586442" cy="790112"/>
+          </a:xfrm>
+          <a:prstGeom prst="downArrow">
+            <a:avLst/>
+          </a:prstGeom>
+        </p:spPr>
+        <p:style>
+          <a:lnRef idx="2">
+            <a:schemeClr val="accent1">
+              <a:shade val="50000"/>
+            </a:schemeClr>
+          </a:lnRef>
+          <a:fillRef idx="1">
+            <a:schemeClr val="accent1"/>
+          </a:fillRef>
+          <a:effectRef idx="0">
+            <a:schemeClr val="accent1"/>
+          </a:effectRef>
+          <a:fontRef idx="minor">
+            <a:schemeClr val="lt1"/>
+          </a:fontRef>
+        </p:style>
+        <p:txBody>
+          <a:bodyPr rtlCol="0" anchor="ctr"/>
+          <a:lstStyle/>
+          <a:p>
+            <a:pPr algn="ctr"/>
+            <a:endParaRPr lang="zh-CN" altLang="en-US"/>
+          </a:p>
+        </p:txBody>
+      </p:sp>
+      <p:sp>
+        <p:nvSpPr>
+          <p:cNvPr id="11" name="文本框 10"/>
+          <p:cNvSpPr txBox="1"/>
+          <p:nvPr/>
+        </p:nvSpPr>
+        <p:spPr>
+          <a:xfrm>
+            <a:off x="7537142" y="3106712"/>
+            <a:ext cx="1917576" cy="646331"/>
+          </a:xfrm>
+          <a:prstGeom prst="rect">
+            <a:avLst/>
+          </a:prstGeom>
+          <a:noFill/>
+        </p:spPr>
+        <p:txBody>
+          <a:bodyPr wrap="square" rtlCol="0">
+            <a:spAutoFit/>
+          </a:bodyPr>
+          <a:lstStyle/>
+          <a:p>
+            <a:r>
+              <a:rPr lang="en-US" altLang="zh-CN" b="1" dirty="0" smtClean="0">
+                <a:solidFill>
+                  <a:srgbClr val="FF0000"/>
+                </a:solidFill>
+              </a:rPr>
+              <a:t>Divide in Fragment</a:t>
+            </a:r>
+            <a:endParaRPr lang="zh-CN" altLang="en-US" b="1" dirty="0">
+              <a:solidFill>
+                <a:srgbClr val="FF0000"/>
+              </a:solidFill>
+            </a:endParaRPr>
+          </a:p>
+        </p:txBody>
+      </p:sp>
+      <p:sp>
+        <p:nvSpPr>
+          <p:cNvPr id="12" name="圆角矩形 11"/>
+          <p:cNvSpPr/>
+          <p:nvPr/>
+        </p:nvSpPr>
+        <p:spPr>
+          <a:xfrm>
+            <a:off x="8284346" y="4130742"/>
+            <a:ext cx="949911" cy="598373"/>
+          </a:xfrm>
+          <a:prstGeom prst="roundRect">
+            <a:avLst/>
+          </a:prstGeom>
+        </p:spPr>
+        <p:style>
+          <a:lnRef idx="2">
+            <a:schemeClr val="accent1">
+              <a:shade val="50000"/>
+            </a:schemeClr>
+          </a:lnRef>
+          <a:fillRef idx="1">
+            <a:schemeClr val="accent1"/>
+          </a:fillRef>
+          <a:effectRef idx="0">
+            <a:schemeClr val="accent1"/>
+          </a:effectRef>
+          <a:fontRef idx="minor">
+            <a:schemeClr val="lt1"/>
+          </a:fontRef>
+        </p:style>
+        <p:txBody>
+          <a:bodyPr rtlCol="0" anchor="ctr"/>
+          <a:lstStyle/>
+          <a:p>
+            <a:pPr algn="ctr"/>
+            <a:r>
+              <a:rPr lang="en-US" altLang="zh-CN" dirty="0" smtClean="0"/>
+              <a:t>Piece 1</a:t>
+            </a:r>
+            <a:endParaRPr lang="zh-CN" altLang="en-US" dirty="0"/>
+          </a:p>
+        </p:txBody>
+      </p:sp>
+      <p:sp>
+        <p:nvSpPr>
+          <p:cNvPr id="13" name="圆角矩形 12"/>
+          <p:cNvSpPr/>
+          <p:nvPr/>
+        </p:nvSpPr>
+        <p:spPr>
+          <a:xfrm>
+            <a:off x="9583446" y="4130742"/>
+            <a:ext cx="949911" cy="598373"/>
+          </a:xfrm>
+          <a:prstGeom prst="roundRect">
+            <a:avLst/>
+          </a:prstGeom>
+        </p:spPr>
+        <p:style>
+          <a:lnRef idx="2">
+            <a:schemeClr val="accent1">
+              <a:shade val="50000"/>
+            </a:schemeClr>
+          </a:lnRef>
+          <a:fillRef idx="1">
+            <a:schemeClr val="accent1"/>
+          </a:fillRef>
+          <a:effectRef idx="0">
+            <a:schemeClr val="accent1"/>
+          </a:effectRef>
+          <a:fontRef idx="minor">
+            <a:schemeClr val="lt1"/>
+          </a:fontRef>
+        </p:style>
+        <p:txBody>
+          <a:bodyPr rtlCol="0" anchor="ctr"/>
+          <a:lstStyle/>
+          <a:p>
+            <a:pPr algn="ctr"/>
+            <a:r>
+              <a:rPr lang="en-US" altLang="zh-CN" dirty="0" smtClean="0"/>
+              <a:t>Piece 2</a:t>
+            </a:r>
+            <a:endParaRPr lang="zh-CN" altLang="en-US" dirty="0"/>
+          </a:p>
+        </p:txBody>
+      </p:sp>
+      <p:sp>
+        <p:nvSpPr>
+          <p:cNvPr id="14" name="圆角矩形 13"/>
+          <p:cNvSpPr/>
+          <p:nvPr/>
+        </p:nvSpPr>
+        <p:spPr>
+          <a:xfrm>
+            <a:off x="8284346" y="4986966"/>
+            <a:ext cx="949911" cy="598373"/>
+          </a:xfrm>
+          <a:prstGeom prst="roundRect">
+            <a:avLst/>
+          </a:prstGeom>
+        </p:spPr>
+        <p:style>
+          <a:lnRef idx="2">
+            <a:schemeClr val="accent1">
+              <a:shade val="50000"/>
+            </a:schemeClr>
+          </a:lnRef>
+          <a:fillRef idx="1">
+            <a:schemeClr val="accent1"/>
+          </a:fillRef>
+          <a:effectRef idx="0">
+            <a:schemeClr val="accent1"/>
+          </a:effectRef>
+          <a:fontRef idx="minor">
+            <a:schemeClr val="lt1"/>
+          </a:fontRef>
+        </p:style>
+        <p:txBody>
+          <a:bodyPr rtlCol="0" anchor="ctr"/>
+          <a:lstStyle/>
+          <a:p>
+            <a:pPr algn="ctr"/>
+            <a:r>
+              <a:rPr lang="en-US" altLang="zh-CN" dirty="0" smtClean="0"/>
+              <a:t>Piece 3</a:t>
+            </a:r>
+            <a:endParaRPr lang="zh-CN" altLang="en-US" dirty="0"/>
+          </a:p>
+        </p:txBody>
+      </p:sp>
+      <p:sp>
+        <p:nvSpPr>
+          <p:cNvPr id="15" name="圆角矩形 14"/>
+          <p:cNvSpPr/>
+          <p:nvPr/>
+        </p:nvSpPr>
+        <p:spPr>
+          <a:xfrm>
+            <a:off x="9583445" y="5010945"/>
+            <a:ext cx="949911" cy="598373"/>
+          </a:xfrm>
+          <a:prstGeom prst="roundRect">
+            <a:avLst/>
+          </a:prstGeom>
+        </p:spPr>
+        <p:style>
+          <a:lnRef idx="2">
+            <a:schemeClr val="accent1">
+              <a:shade val="50000"/>
+            </a:schemeClr>
+          </a:lnRef>
+          <a:fillRef idx="1">
+            <a:schemeClr val="accent1"/>
+          </a:fillRef>
+          <a:effectRef idx="0">
+            <a:schemeClr val="accent1"/>
+          </a:effectRef>
+          <a:fontRef idx="minor">
+            <a:schemeClr val="lt1"/>
+          </a:fontRef>
+        </p:style>
+        <p:txBody>
+          <a:bodyPr rtlCol="0" anchor="ctr"/>
+          <a:lstStyle/>
+          <a:p>
+            <a:pPr algn="ctr"/>
+            <a:r>
+              <a:rPr lang="en-US" altLang="zh-CN" dirty="0" smtClean="0"/>
+              <a:t>Piece ….</a:t>
+            </a:r>
+            <a:endParaRPr lang="zh-CN" altLang="en-US" dirty="0"/>
+          </a:p>
+        </p:txBody>
+      </p:sp>
+      <p:sp>
+        <p:nvSpPr>
+          <p:cNvPr id="16" name="下箭头 15"/>
+          <p:cNvSpPr/>
+          <p:nvPr/>
+        </p:nvSpPr>
+        <p:spPr>
+          <a:xfrm rot="5400000">
+            <a:off x="5520375" y="3911885"/>
+            <a:ext cx="491894" cy="1706227"/>
+          </a:xfrm>
+          <a:prstGeom prst="downArrow">
+            <a:avLst/>
+          </a:prstGeom>
+          <a:gradFill>
+            <a:gsLst>
+              <a:gs pos="0">
+                <a:schemeClr val="accent1">
+                  <a:lumMod val="5000"/>
+                  <a:lumOff val="95000"/>
+                </a:schemeClr>
+              </a:gs>
+              <a:gs pos="74000">
+                <a:schemeClr val="accent1">
+                  <a:lumMod val="45000"/>
+                  <a:lumOff val="55000"/>
+                </a:schemeClr>
+              </a:gs>
+              <a:gs pos="83000">
+                <a:schemeClr val="accent1">
+                  <a:lumMod val="45000"/>
+                  <a:lumOff val="55000"/>
+                </a:schemeClr>
+              </a:gs>
+              <a:gs pos="100000">
+                <a:schemeClr val="accent1"/>
+              </a:gs>
+            </a:gsLst>
+            <a:lin ang="5400000" scaled="1"/>
+          </a:gradFill>
+          <a:ln>
+            <a:solidFill>
+              <a:schemeClr val="bg1"/>
+            </a:solidFill>
+            <a:prstDash val="solid"/>
+          </a:ln>
+        </p:spPr>
+        <p:style>
+          <a:lnRef idx="2">
+            <a:schemeClr val="accent1">
+              <a:shade val="50000"/>
+            </a:schemeClr>
+          </a:lnRef>
+          <a:fillRef idx="1">
+            <a:schemeClr val="accent1"/>
+          </a:fillRef>
+          <a:effectRef idx="0">
+            <a:schemeClr val="accent1"/>
+          </a:effectRef>
+          <a:fontRef idx="minor">
+            <a:schemeClr val="lt1"/>
+          </a:fontRef>
+        </p:style>
+        <p:txBody>
+          <a:bodyPr rtlCol="0" anchor="ctr"/>
+          <a:lstStyle/>
+          <a:p>
+            <a:pPr algn="ctr"/>
+            <a:endParaRPr lang="zh-CN" altLang="en-US"/>
+          </a:p>
+        </p:txBody>
+      </p:sp>
+      <p:sp>
+        <p:nvSpPr>
+          <p:cNvPr id="17" name="文本框 16"/>
+          <p:cNvSpPr txBox="1"/>
+          <p:nvPr/>
+        </p:nvSpPr>
+        <p:spPr>
+          <a:xfrm>
+            <a:off x="4788658" y="4035966"/>
+            <a:ext cx="2264209" cy="369332"/>
+          </a:xfrm>
+          <a:prstGeom prst="rect">
+            <a:avLst/>
+          </a:prstGeom>
+          <a:noFill/>
+        </p:spPr>
+        <p:txBody>
+          <a:bodyPr wrap="square" rtlCol="0">
+            <a:spAutoFit/>
+          </a:bodyPr>
+          <a:lstStyle/>
+          <a:p>
+            <a:r>
+              <a:rPr lang="en-US" altLang="zh-CN" b="1" dirty="0" smtClean="0">
+                <a:solidFill>
+                  <a:srgbClr val="FF0000"/>
+                </a:solidFill>
+              </a:rPr>
+              <a:t>Use Ghost Tunnel</a:t>
+            </a:r>
+            <a:endParaRPr lang="zh-CN" altLang="en-US" b="1" dirty="0">
+              <a:solidFill>
+                <a:srgbClr val="FF0000"/>
+              </a:solidFill>
+            </a:endParaRPr>
+          </a:p>
+        </p:txBody>
+      </p:sp>
+      <p:sp>
+        <p:nvSpPr>
+          <p:cNvPr id="18" name="圆角矩形 17"/>
+          <p:cNvSpPr/>
+          <p:nvPr/>
+        </p:nvSpPr>
+        <p:spPr>
+          <a:xfrm>
+            <a:off x="2747639" y="4405298"/>
+            <a:ext cx="1402672" cy="1029809"/>
+          </a:xfrm>
+          <a:prstGeom prst="roundRect">
+            <a:avLst/>
+          </a:prstGeom>
+        </p:spPr>
+        <p:style>
+          <a:lnRef idx="2">
+            <a:schemeClr val="accent1">
+              <a:shade val="50000"/>
+            </a:schemeClr>
+          </a:lnRef>
+          <a:fillRef idx="1">
+            <a:schemeClr val="accent1"/>
+          </a:fillRef>
+          <a:effectRef idx="0">
+            <a:schemeClr val="accent1"/>
+          </a:effectRef>
+          <a:fontRef idx="minor">
+            <a:schemeClr val="lt1"/>
+          </a:fontRef>
+        </p:style>
+        <p:txBody>
+          <a:bodyPr rtlCol="0" anchor="ctr"/>
+          <a:lstStyle/>
+          <a:p>
+            <a:pPr algn="ctr"/>
+            <a:r>
+              <a:rPr lang="en-US" altLang="zh-CN" dirty="0" smtClean="0"/>
+              <a:t>Hello World.doc</a:t>
             </a:r>
             <a:endParaRPr lang="zh-CN" altLang="en-US" dirty="0"/>
           </a:p>
@@ -5333,13 +7511,20 @@
     </p:spTree>
     <p:extLst>
       <p:ext uri="{BB962C8B-B14F-4D97-AF65-F5344CB8AC3E}">
-        <p14:creationId xmlns:p14="http://schemas.microsoft.com/office/powerpoint/2010/main" val="2050006638"/>
+        <p14:creationId xmlns:p14="http://schemas.microsoft.com/office/powerpoint/2010/main" val="2659783837"/>
       </p:ext>
     </p:extLst>
   </p:cSld>
   <p:clrMapOvr>
     <a:masterClrMapping/>
   </p:clrMapOvr>
+  <p:timing>
+    <p:tnLst>
+      <p:par>
+        <p:cTn id="1" dur="indefinite" restart="never" nodeType="tmRoot"/>
+      </p:par>
+    </p:tnLst>
+  </p:timing>
 </p:sld>
 </file>
 
@@ -5368,8 +7553,8 @@
         </p:nvSpPr>
         <p:spPr>
           <a:xfrm>
-            <a:off x="1099827" y="2130769"/>
-            <a:ext cx="4583795" cy="2954655"/>
+            <a:off x="1604210" y="1299410"/>
+            <a:ext cx="6882012" cy="4154984"/>
           </a:xfrm>
           <a:prstGeom prst="rect">
             <a:avLst/>
@@ -5377,72 +7562,76 @@
           <a:noFill/>
         </p:spPr>
         <p:txBody>
-          <a:bodyPr wrap="square" rtlCol="0">
+          <a:bodyPr wrap="none" rtlCol="0">
             <a:spAutoFit/>
           </a:bodyPr>
           <a:lstStyle/>
           <a:p>
-            <a:r>
-              <a:rPr lang="en-US" altLang="zh-CN" sz="6600" dirty="0" smtClean="0">
-                <a:latin typeface="Abadi MT Condensed Extra Bold" charset="0"/>
-                <a:ea typeface="Abadi MT Condensed Extra Bold" charset="0"/>
-                <a:cs typeface="Abadi MT Condensed Extra Bold" charset="0"/>
-              </a:rPr>
-              <a:t>Agenda</a:t>
-            </a:r>
-          </a:p>
-          <a:p>
-            <a:pPr marL="285750" indent="-285750">
+            <a:pPr>
               <a:lnSpc>
                 <a:spcPct val="150000"/>
               </a:lnSpc>
-              <a:buFont typeface="Arial" charset="0"/>
-              <a:buChar char="•"/>
             </a:pPr>
             <a:r>
-              <a:rPr lang="en-US" altLang="zh-CN" sz="2000" dirty="0" smtClean="0"/>
-              <a:t>Introduction</a:t>
-            </a:r>
-          </a:p>
-          <a:p>
-            <a:pPr marL="285750" indent="-285750">
+              <a:rPr lang="en-US" altLang="zh-CN" sz="4800" b="1" dirty="0" smtClean="0">
+                <a:latin typeface="Microsoft Tai Le" panose="020B0502040204020203" pitchFamily="34" charset="0"/>
+                <a:cs typeface="Microsoft Tai Le" panose="020B0502040204020203" pitchFamily="34" charset="0"/>
+              </a:rPr>
+              <a:t>Agenda</a:t>
+            </a:r>
+          </a:p>
+          <a:p>
+            <a:pPr marL="457200" indent="-457200">
               <a:lnSpc>
                 <a:spcPct val="150000"/>
               </a:lnSpc>
-              <a:buFont typeface="Arial" charset="0"/>
+              <a:buFont typeface="Arial" panose="020B0604020202020204" pitchFamily="34" charset="0"/>
               <a:buChar char="•"/>
             </a:pPr>
             <a:r>
-              <a:rPr lang="en-US" altLang="zh-CN" sz="2000" dirty="0" smtClean="0"/>
-              <a:t>Previous research on Ghost Tunnel</a:t>
-            </a:r>
-          </a:p>
-          <a:p>
-            <a:pPr marL="285750" indent="-285750">
+              <a:rPr lang="en-US" altLang="zh-CN" sz="3200" dirty="0" smtClean="0"/>
+              <a:t>Introduction</a:t>
+            </a:r>
+          </a:p>
+          <a:p>
+            <a:pPr marL="457200" indent="-457200">
               <a:lnSpc>
                 <a:spcPct val="150000"/>
               </a:lnSpc>
-              <a:buFont typeface="Arial" charset="0"/>
+              <a:buFont typeface="Arial" panose="020B0604020202020204" pitchFamily="34" charset="0"/>
               <a:buChar char="•"/>
             </a:pPr>
             <a:r>
-              <a:rPr lang="en-US" altLang="zh-CN" sz="2000" dirty="0" smtClean="0"/>
-              <a:t>Ghost Tunnel implementation</a:t>
-            </a:r>
-          </a:p>
-          <a:p>
-            <a:pPr marL="285750" indent="-285750">
+              <a:rPr lang="en-US" altLang="zh-CN" sz="3200" dirty="0" smtClean="0"/>
+              <a:t>Previous research on Ghost Tunnel</a:t>
+            </a:r>
+          </a:p>
+          <a:p>
+            <a:pPr marL="457200" indent="-457200">
               <a:lnSpc>
                 <a:spcPct val="150000"/>
               </a:lnSpc>
-              <a:buFont typeface="Arial" charset="0"/>
+              <a:buFont typeface="Arial" panose="020B0604020202020204" pitchFamily="34" charset="0"/>
               <a:buChar char="•"/>
             </a:pPr>
             <a:r>
-              <a:rPr lang="en-US" altLang="zh-CN" sz="2000" dirty="0" smtClean="0"/>
+              <a:rPr lang="en-US" altLang="zh-CN" sz="3200" dirty="0" smtClean="0"/>
+              <a:t>Ghost Tunnel implementation</a:t>
+            </a:r>
+          </a:p>
+          <a:p>
+            <a:pPr marL="457200" indent="-457200">
+              <a:lnSpc>
+                <a:spcPct val="150000"/>
+              </a:lnSpc>
+              <a:buFont typeface="Arial" panose="020B0604020202020204" pitchFamily="34" charset="0"/>
+              <a:buChar char="•"/>
+            </a:pPr>
+            <a:r>
+              <a:rPr lang="en-US" altLang="zh-CN" sz="3200" dirty="0" smtClean="0"/>
               <a:t>Further application of Ghost Tunnel</a:t>
             </a:r>
-            <a:endParaRPr lang="zh-CN" altLang="en-US" sz="2000" dirty="0"/>
+            <a:endParaRPr lang="zh-CN" altLang="en-US" sz="3200" dirty="0"/>
           </a:p>
         </p:txBody>
       </p:sp>
@@ -5456,145 +7645,17 @@
   <p:clrMapOvr>
     <a:masterClrMapping/>
   </p:clrMapOvr>
+  <p:timing>
+    <p:tnLst>
+      <p:par>
+        <p:cTn id="1" dur="indefinite" restart="never" nodeType="tmRoot"/>
+      </p:par>
+    </p:tnLst>
+  </p:timing>
 </p:sld>
 </file>
 
 <file path=ppt/slides/slide20.xml><?xml version="1.0" encoding="utf-8"?>
-<p:sld xmlns:a="http://schemas.openxmlformats.org/drawingml/2006/main" xmlns:r="http://schemas.openxmlformats.org/officeDocument/2006/relationships" xmlns:p="http://schemas.openxmlformats.org/presentationml/2006/main">
-  <p:cSld>
-    <p:spTree>
-      <p:nvGrpSpPr>
-        <p:cNvPr id="1" name=""/>
-        <p:cNvGrpSpPr/>
-        <p:nvPr/>
-      </p:nvGrpSpPr>
-      <p:grpSpPr>
-        <a:xfrm>
-          <a:off x="0" y="0"/>
-          <a:ext cx="0" cy="0"/>
-          <a:chOff x="0" y="0"/>
-          <a:chExt cx="0" cy="0"/>
-        </a:xfrm>
-      </p:grpSpPr>
-      <p:sp>
-        <p:nvSpPr>
-          <p:cNvPr id="3" name="文本框 3"/>
-          <p:cNvSpPr txBox="1"/>
-          <p:nvPr/>
-        </p:nvSpPr>
-        <p:spPr>
-          <a:xfrm>
-            <a:off x="535049" y="4197552"/>
-            <a:ext cx="6125727" cy="1754326"/>
-          </a:xfrm>
-          <a:prstGeom prst="rect">
-            <a:avLst/>
-          </a:prstGeom>
-          <a:noFill/>
-        </p:spPr>
-        <p:txBody>
-          <a:bodyPr wrap="square" rtlCol="0">
-            <a:spAutoFit/>
-          </a:bodyPr>
-          <a:lstStyle/>
-          <a:p>
-            <a:r>
-              <a:rPr lang="en-US" altLang="zh-CN" sz="5400" dirty="0">
-                <a:latin typeface="Abadi MT Condensed Extra Bold" charset="0"/>
-                <a:ea typeface="Abadi MT Condensed Extra Bold" charset="0"/>
-                <a:cs typeface="Abadi MT Condensed Extra Bold" charset="0"/>
-              </a:rPr>
-              <a:t>Further application of Ghost </a:t>
-            </a:r>
-            <a:r>
-              <a:rPr lang="en-US" altLang="zh-CN" sz="5400" dirty="0" smtClean="0">
-                <a:latin typeface="Abadi MT Condensed Extra Bold" charset="0"/>
-                <a:ea typeface="Abadi MT Condensed Extra Bold" charset="0"/>
-                <a:cs typeface="Abadi MT Condensed Extra Bold" charset="0"/>
-              </a:rPr>
-              <a:t>Tunnel</a:t>
-            </a:r>
-            <a:endParaRPr lang="en-US" altLang="zh-CN" sz="5400" dirty="0">
-              <a:latin typeface="Abadi MT Condensed Extra Bold" charset="0"/>
-              <a:ea typeface="Abadi MT Condensed Extra Bold" charset="0"/>
-              <a:cs typeface="Abadi MT Condensed Extra Bold" charset="0"/>
-            </a:endParaRPr>
-          </a:p>
-        </p:txBody>
-      </p:sp>
-    </p:spTree>
-    <p:extLst>
-      <p:ext uri="{BB962C8B-B14F-4D97-AF65-F5344CB8AC3E}">
-        <p14:creationId xmlns:p14="http://schemas.microsoft.com/office/powerpoint/2010/main" val="1470750742"/>
-      </p:ext>
-    </p:extLst>
-  </p:cSld>
-  <p:clrMapOvr>
-    <a:masterClrMapping/>
-  </p:clrMapOvr>
-</p:sld>
-</file>
-
-<file path=ppt/slides/slide21.xml><?xml version="1.0" encoding="utf-8"?>
-<p:sld xmlns:a="http://schemas.openxmlformats.org/drawingml/2006/main" xmlns:r="http://schemas.openxmlformats.org/officeDocument/2006/relationships" xmlns:p="http://schemas.openxmlformats.org/presentationml/2006/main">
-  <p:cSld>
-    <p:spTree>
-      <p:nvGrpSpPr>
-        <p:cNvPr id="1" name=""/>
-        <p:cNvGrpSpPr/>
-        <p:nvPr/>
-      </p:nvGrpSpPr>
-      <p:grpSpPr>
-        <a:xfrm>
-          <a:off x="0" y="0"/>
-          <a:ext cx="0" cy="0"/>
-          <a:chOff x="0" y="0"/>
-          <a:chExt cx="0" cy="0"/>
-        </a:xfrm>
-      </p:grpSpPr>
-      <p:sp>
-        <p:nvSpPr>
-          <p:cNvPr id="2" name="文本框 1"/>
-          <p:cNvSpPr txBox="1"/>
-          <p:nvPr/>
-        </p:nvSpPr>
-        <p:spPr>
-          <a:xfrm>
-            <a:off x="1171074" y="1812758"/>
-            <a:ext cx="4940968" cy="369332"/>
-          </a:xfrm>
-          <a:prstGeom prst="rect">
-            <a:avLst/>
-          </a:prstGeom>
-          <a:noFill/>
-        </p:spPr>
-        <p:txBody>
-          <a:bodyPr wrap="square" rtlCol="0">
-            <a:spAutoFit/>
-          </a:bodyPr>
-          <a:lstStyle/>
-          <a:p>
-            <a:r>
-              <a:rPr lang="en-US" altLang="zh-CN" dirty="0" smtClean="0"/>
-              <a:t>transfer files</a:t>
-            </a:r>
-          </a:p>
-        </p:txBody>
-      </p:sp>
-    </p:spTree>
-    <p:extLst>
-      <p:ext uri="{BB962C8B-B14F-4D97-AF65-F5344CB8AC3E}">
-        <p14:creationId xmlns:p14="http://schemas.microsoft.com/office/powerpoint/2010/main" val="2659783837"/>
-      </p:ext>
-    </p:extLst>
-  </p:cSld>
-  <p:clrMapOvr>
-    <a:masterClrMapping/>
-  </p:clrMapOvr>
-</p:sld>
-</file>
-
-<file path=ppt/slides/slide22.xml><?xml version="1.0" encoding="utf-8"?>
 <p:sld xmlns:a="http://schemas.openxmlformats.org/drawingml/2006/main" xmlns:r="http://schemas.openxmlformats.org/officeDocument/2006/relationships" xmlns:p="http://schemas.openxmlformats.org/presentationml/2006/main">
   <p:cSld>
     <p:spTree>
@@ -5620,13 +7681,13 @@
           <p:nvPr>
             <p:extLst>
               <p:ext uri="{D42A27DB-BD31-4B8C-83A1-F6EECF244321}">
-                <p14:modId xmlns:p14="http://schemas.microsoft.com/office/powerpoint/2010/main" val="2923123118"/>
+                <p14:modId xmlns:p14="http://schemas.microsoft.com/office/powerpoint/2010/main" val="564356634"/>
               </p:ext>
             </p:extLst>
           </p:nvPr>
         </p:nvGraphicFramePr>
         <p:xfrm>
-          <a:off x="930442" y="4008298"/>
+          <a:off x="1017458" y="4156080"/>
           <a:ext cx="10748211" cy="370840"/>
         </p:xfrm>
         <a:graphic>
@@ -5639,35 +7700,35 @@
                 <a:gridCol w="2687053">
                   <a:extLst>
                     <a:ext uri="{9D8B030D-6E8A-4147-A177-3AD203B41FA5}">
-                      <a16:colId xmlns:a16="http://schemas.microsoft.com/office/drawing/2014/main" xmlns="" val="2263662923"/>
+                      <a16:colId xmlns="" xmlns:a16="http://schemas.microsoft.com/office/drawing/2014/main" val="2263662923"/>
                     </a:ext>
                   </a:extLst>
                 </a:gridCol>
                 <a:gridCol w="2173706">
                   <a:extLst>
                     <a:ext uri="{9D8B030D-6E8A-4147-A177-3AD203B41FA5}">
-                      <a16:colId xmlns:a16="http://schemas.microsoft.com/office/drawing/2014/main" xmlns="" val="3241633090"/>
+                      <a16:colId xmlns="" xmlns:a16="http://schemas.microsoft.com/office/drawing/2014/main" val="3241633090"/>
                     </a:ext>
                   </a:extLst>
                 </a:gridCol>
                 <a:gridCol w="1856873">
                   <a:extLst>
                     <a:ext uri="{9D8B030D-6E8A-4147-A177-3AD203B41FA5}">
-                      <a16:colId xmlns:a16="http://schemas.microsoft.com/office/drawing/2014/main" xmlns="" val="1296269053"/>
+                      <a16:colId xmlns="" xmlns:a16="http://schemas.microsoft.com/office/drawing/2014/main" val="1296269053"/>
                     </a:ext>
                   </a:extLst>
                 </a:gridCol>
                 <a:gridCol w="1832811">
                   <a:extLst>
                     <a:ext uri="{9D8B030D-6E8A-4147-A177-3AD203B41FA5}">
-                      <a16:colId xmlns:a16="http://schemas.microsoft.com/office/drawing/2014/main" xmlns="" val="2757429594"/>
+                      <a16:colId xmlns="" xmlns:a16="http://schemas.microsoft.com/office/drawing/2014/main" val="2757429594"/>
                     </a:ext>
                   </a:extLst>
                 </a:gridCol>
                 <a:gridCol w="2197768">
                   <a:extLst>
                     <a:ext uri="{9D8B030D-6E8A-4147-A177-3AD203B41FA5}">
-                      <a16:colId xmlns:a16="http://schemas.microsoft.com/office/drawing/2014/main" xmlns="" val="1608289399"/>
+                      <a16:colId xmlns="" xmlns:a16="http://schemas.microsoft.com/office/drawing/2014/main" val="1608289399"/>
                     </a:ext>
                   </a:extLst>
                 </a:gridCol>
@@ -5782,7 +7843,7 @@
                 </a:tc>
                 <a:extLst>
                   <a:ext uri="{0D108BD9-81ED-4DB2-BD59-A6C34878D82A}">
-                    <a16:rowId xmlns:a16="http://schemas.microsoft.com/office/drawing/2014/main" xmlns="" val="4026909342"/>
+                    <a16:rowId xmlns="" xmlns:a16="http://schemas.microsoft.com/office/drawing/2014/main" val="4026909342"/>
                   </a:ext>
                 </a:extLst>
               </a:tr>
@@ -5799,13 +7860,13 @@
           <p:nvPr>
             <p:extLst>
               <p:ext uri="{D42A27DB-BD31-4B8C-83A1-F6EECF244321}">
-                <p14:modId xmlns:p14="http://schemas.microsoft.com/office/powerpoint/2010/main" val="4168110690"/>
+                <p14:modId xmlns:p14="http://schemas.microsoft.com/office/powerpoint/2010/main" val="2757202003"/>
               </p:ext>
             </p:extLst>
           </p:nvPr>
         </p:nvGraphicFramePr>
         <p:xfrm>
-          <a:off x="1828801" y="3048273"/>
+          <a:off x="2327565" y="2093088"/>
           <a:ext cx="8127999" cy="370840"/>
         </p:xfrm>
         <a:graphic>
@@ -5818,21 +7879,21 @@
                 <a:gridCol w="2709333">
                   <a:extLst>
                     <a:ext uri="{9D8B030D-6E8A-4147-A177-3AD203B41FA5}">
-                      <a16:colId xmlns:a16="http://schemas.microsoft.com/office/drawing/2014/main" xmlns="" val="2035341067"/>
+                      <a16:colId xmlns="" xmlns:a16="http://schemas.microsoft.com/office/drawing/2014/main" val="2035341067"/>
                     </a:ext>
                   </a:extLst>
                 </a:gridCol>
                 <a:gridCol w="2709333">
                   <a:extLst>
                     <a:ext uri="{9D8B030D-6E8A-4147-A177-3AD203B41FA5}">
-                      <a16:colId xmlns:a16="http://schemas.microsoft.com/office/drawing/2014/main" xmlns="" val="4152663593"/>
+                      <a16:colId xmlns="" xmlns:a16="http://schemas.microsoft.com/office/drawing/2014/main" val="4152663593"/>
                     </a:ext>
                   </a:extLst>
                 </a:gridCol>
                 <a:gridCol w="2709333">
                   <a:extLst>
                     <a:ext uri="{9D8B030D-6E8A-4147-A177-3AD203B41FA5}">
-                      <a16:colId xmlns:a16="http://schemas.microsoft.com/office/drawing/2014/main" xmlns="" val="2046161823"/>
+                      <a16:colId xmlns="" xmlns:a16="http://schemas.microsoft.com/office/drawing/2014/main" val="2046161823"/>
                     </a:ext>
                   </a:extLst>
                 </a:gridCol>
@@ -5898,7 +7959,7 @@
                 </a:tc>
                 <a:extLst>
                   <a:ext uri="{0D108BD9-81ED-4DB2-BD59-A6C34878D82A}">
-                    <a16:rowId xmlns:a16="http://schemas.microsoft.com/office/drawing/2014/main" xmlns="" val="1082545557"/>
+                    <a16:rowId xmlns="" xmlns:a16="http://schemas.microsoft.com/office/drawing/2014/main" val="1082545557"/>
                   </a:ext>
                 </a:extLst>
               </a:tr>
@@ -5908,43 +7969,14 @@
       </p:graphicFrame>
       <p:sp>
         <p:nvSpPr>
-          <p:cNvPr id="4" name="矩形 3"/>
-          <p:cNvSpPr/>
-          <p:nvPr/>
-        </p:nvSpPr>
-        <p:spPr>
-          <a:xfrm>
-            <a:off x="1497969" y="1383449"/>
-            <a:ext cx="1592103" cy="369332"/>
-          </a:xfrm>
-          <a:prstGeom prst="rect">
-            <a:avLst/>
-          </a:prstGeom>
-        </p:spPr>
-        <p:txBody>
-          <a:bodyPr wrap="none">
-            <a:spAutoFit/>
-          </a:bodyPr>
-          <a:lstStyle/>
-          <a:p>
-            <a:r>
-              <a:rPr lang="en-US" altLang="zh-CN" dirty="0" smtClean="0"/>
-              <a:t>fragmentation</a:t>
-            </a:r>
-            <a:endParaRPr lang="zh-CN" altLang="en-US" dirty="0"/>
-          </a:p>
-        </p:txBody>
-      </p:sp>
-      <p:sp>
-        <p:nvSpPr>
           <p:cNvPr id="5" name="文本框 4"/>
           <p:cNvSpPr txBox="1"/>
           <p:nvPr/>
         </p:nvSpPr>
         <p:spPr>
           <a:xfrm>
-            <a:off x="2181726" y="5245768"/>
-            <a:ext cx="6432885" cy="369332"/>
+            <a:off x="2209435" y="5305468"/>
+            <a:ext cx="6432885" cy="400110"/>
           </a:xfrm>
           <a:prstGeom prst="rect">
             <a:avLst/>
@@ -5958,10 +7990,97 @@
           <a:lstStyle/>
           <a:p>
             <a:r>
-              <a:rPr lang="zh-CN" altLang="en-US" dirty="0" smtClean="0"/>
-              <a:t>理论长度计算</a:t>
-            </a:r>
-            <a:endParaRPr lang="en-US" altLang="zh-CN" dirty="0" smtClean="0"/>
+              <a:rPr lang="en-US" altLang="zh-CN" sz="2000" b="1" dirty="0"/>
+              <a:t>Theoretical transmission </a:t>
+            </a:r>
+            <a:r>
+              <a:rPr lang="en-US" altLang="zh-CN" sz="2000" b="1" dirty="0" smtClean="0"/>
+              <a:t>rate: </a:t>
+            </a:r>
+            <a:r>
+              <a:rPr lang="en-US" altLang="zh-CN" sz="2000" b="1" dirty="0" smtClean="0">
+                <a:solidFill>
+                  <a:srgbClr val="FF0000"/>
+                </a:solidFill>
+              </a:rPr>
+              <a:t>1K/s ~ 2K/s</a:t>
+            </a:r>
+          </a:p>
+        </p:txBody>
+      </p:sp>
+      <p:sp>
+        <p:nvSpPr>
+          <p:cNvPr id="6" name="文本框 5"/>
+          <p:cNvSpPr txBox="1"/>
+          <p:nvPr/>
+        </p:nvSpPr>
+        <p:spPr>
+          <a:xfrm>
+            <a:off x="689811" y="641683"/>
+            <a:ext cx="8560205" cy="584775"/>
+          </a:xfrm>
+          <a:prstGeom prst="rect">
+            <a:avLst/>
+          </a:prstGeom>
+          <a:noFill/>
+        </p:spPr>
+        <p:txBody>
+          <a:bodyPr wrap="square" rtlCol="0">
+            <a:spAutoFit/>
+          </a:bodyPr>
+          <a:lstStyle/>
+          <a:p>
+            <a:r>
+              <a:rPr lang="en-US" altLang="zh-CN" sz="3200" b="1" dirty="0" smtClean="0">
+                <a:latin typeface="Microsoft Tai Le" panose="020B0502040204020203" pitchFamily="34" charset="0"/>
+                <a:cs typeface="Microsoft Tai Le" panose="020B0502040204020203" pitchFamily="34" charset="0"/>
+              </a:rPr>
+              <a:t>Fragmentation</a:t>
+            </a:r>
+            <a:endParaRPr lang="zh-CN" altLang="en-US" sz="3200" b="1" dirty="0">
+              <a:latin typeface="Microsoft Tai Le" panose="020B0502040204020203" pitchFamily="34" charset="0"/>
+              <a:cs typeface="Microsoft Tai Le" panose="020B0502040204020203" pitchFamily="34" charset="0"/>
+            </a:endParaRPr>
+          </a:p>
+        </p:txBody>
+      </p:sp>
+      <p:sp>
+        <p:nvSpPr>
+          <p:cNvPr id="7" name="下箭头 6"/>
+          <p:cNvSpPr/>
+          <p:nvPr/>
+        </p:nvSpPr>
+        <p:spPr>
+          <a:xfrm>
+            <a:off x="5671127" y="2743200"/>
+            <a:ext cx="633420" cy="886691"/>
+          </a:xfrm>
+          <a:prstGeom prst="downArrow">
+            <a:avLst/>
+          </a:prstGeom>
+        </p:spPr>
+        <p:style>
+          <a:lnRef idx="2">
+            <a:schemeClr val="accent1">
+              <a:shade val="50000"/>
+            </a:schemeClr>
+          </a:lnRef>
+          <a:fillRef idx="1">
+            <a:schemeClr val="accent1"/>
+          </a:fillRef>
+          <a:effectRef idx="0">
+            <a:schemeClr val="accent1"/>
+          </a:effectRef>
+          <a:fontRef idx="minor">
+            <a:schemeClr val="lt1"/>
+          </a:fontRef>
+        </p:style>
+        <p:txBody>
+          <a:bodyPr rtlCol="0" anchor="ctr"/>
+          <a:lstStyle/>
+          <a:p>
+            <a:pPr algn="ctr"/>
+            <a:endParaRPr lang="zh-CN" altLang="en-US"/>
           </a:p>
         </p:txBody>
       </p:sp>
@@ -5975,6 +8094,108 @@
   <p:clrMapOvr>
     <a:masterClrMapping/>
   </p:clrMapOvr>
+  <p:timing>
+    <p:tnLst>
+      <p:par>
+        <p:cTn id="1" dur="indefinite" restart="never" nodeType="tmRoot"/>
+      </p:par>
+    </p:tnLst>
+  </p:timing>
+</p:sld>
+</file>
+
+<file path=ppt/slides/slide21.xml><?xml version="1.0" encoding="utf-8"?>
+<p:sld xmlns:a="http://schemas.openxmlformats.org/drawingml/2006/main" xmlns:r="http://schemas.openxmlformats.org/officeDocument/2006/relationships" xmlns:p="http://schemas.openxmlformats.org/presentationml/2006/main">
+  <p:cSld>
+    <p:spTree>
+      <p:nvGrpSpPr>
+        <p:cNvPr id="1" name=""/>
+        <p:cNvGrpSpPr/>
+        <p:nvPr/>
+      </p:nvGrpSpPr>
+      <p:grpSpPr>
+        <a:xfrm>
+          <a:off x="0" y="0"/>
+          <a:ext cx="0" cy="0"/>
+          <a:chOff x="0" y="0"/>
+          <a:chExt cx="0" cy="0"/>
+        </a:xfrm>
+      </p:grpSpPr>
+      <p:sp>
+        <p:nvSpPr>
+          <p:cNvPr id="2" name="文本框 1"/>
+          <p:cNvSpPr txBox="1"/>
+          <p:nvPr/>
+        </p:nvSpPr>
+        <p:spPr>
+          <a:xfrm>
+            <a:off x="2881745" y="2022763"/>
+            <a:ext cx="6142182" cy="2923877"/>
+          </a:xfrm>
+          <a:prstGeom prst="rect">
+            <a:avLst/>
+          </a:prstGeom>
+          <a:noFill/>
+        </p:spPr>
+        <p:txBody>
+          <a:bodyPr wrap="square" rtlCol="0">
+            <a:spAutoFit/>
+          </a:bodyPr>
+          <a:lstStyle/>
+          <a:p>
+            <a:pPr algn="ctr"/>
+            <a:r>
+              <a:rPr lang="en-US" altLang="zh-CN" sz="9600" b="1" dirty="0" smtClean="0">
+                <a:latin typeface="Microsoft Tai Le" panose="020B0502040204020203" pitchFamily="34" charset="0"/>
+                <a:cs typeface="Microsoft Tai Le" panose="020B0502040204020203" pitchFamily="34" charset="0"/>
+              </a:rPr>
+              <a:t>Thanks!</a:t>
+            </a:r>
+            <a:endParaRPr lang="en-US" altLang="zh-CN" sz="9600" b="1" dirty="0">
+              <a:latin typeface="Microsoft Tai Le" panose="020B0502040204020203" pitchFamily="34" charset="0"/>
+              <a:cs typeface="Microsoft Tai Le" panose="020B0502040204020203" pitchFamily="34" charset="0"/>
+            </a:endParaRPr>
+          </a:p>
+          <a:p>
+            <a:pPr algn="ctr"/>
+            <a:endParaRPr lang="en-US" altLang="zh-CN" sz="6000" b="1" dirty="0" smtClean="0">
+              <a:latin typeface="Microsoft Tai Le" panose="020B0502040204020203" pitchFamily="34" charset="0"/>
+              <a:cs typeface="Microsoft Tai Le" panose="020B0502040204020203" pitchFamily="34" charset="0"/>
+            </a:endParaRPr>
+          </a:p>
+          <a:p>
+            <a:pPr algn="ctr"/>
+            <a:r>
+              <a:rPr lang="en-US" altLang="zh-CN" sz="2800" dirty="0" smtClean="0">
+                <a:latin typeface="Microsoft Tai Le" panose="020B0502040204020203" pitchFamily="34" charset="0"/>
+                <a:cs typeface="Microsoft Tai Le" panose="020B0502040204020203" pitchFamily="34" charset="0"/>
+              </a:rPr>
+              <a:t>Any questions?</a:t>
+            </a:r>
+            <a:endParaRPr lang="zh-CN" altLang="en-US" sz="2800" dirty="0">
+              <a:latin typeface="Microsoft Tai Le" panose="020B0502040204020203" pitchFamily="34" charset="0"/>
+              <a:cs typeface="Microsoft Tai Le" panose="020B0502040204020203" pitchFamily="34" charset="0"/>
+            </a:endParaRPr>
+          </a:p>
+        </p:txBody>
+      </p:sp>
+    </p:spTree>
+    <p:extLst>
+      <p:ext uri="{BB962C8B-B14F-4D97-AF65-F5344CB8AC3E}">
+        <p14:creationId xmlns:p14="http://schemas.microsoft.com/office/powerpoint/2010/main" val="1198394992"/>
+      </p:ext>
+    </p:extLst>
+  </p:cSld>
+  <p:clrMapOvr>
+    <a:masterClrMapping/>
+  </p:clrMapOvr>
+  <p:timing>
+    <p:tnLst>
+      <p:par>
+        <p:cTn id="1" dur="indefinite" restart="never" nodeType="tmRoot"/>
+      </p:par>
+    </p:tnLst>
+  </p:timing>
 </p:sld>
 </file>
 
@@ -5997,14 +8218,14 @@
       </p:grpSpPr>
       <p:sp>
         <p:nvSpPr>
-          <p:cNvPr id="5" name="文本框 3"/>
+          <p:cNvPr id="4" name="文本框 3"/>
           <p:cNvSpPr txBox="1"/>
           <p:nvPr/>
         </p:nvSpPr>
         <p:spPr>
           <a:xfrm>
-            <a:off x="1099827" y="2982418"/>
-            <a:ext cx="4583795" cy="2031325"/>
+            <a:off x="1620254" y="3128211"/>
+            <a:ext cx="3823483" cy="2677656"/>
           </a:xfrm>
           <a:prstGeom prst="rect">
             <a:avLst/>
@@ -6012,48 +8233,47 @@
           <a:noFill/>
         </p:spPr>
         <p:txBody>
-          <a:bodyPr wrap="square" rtlCol="0">
+          <a:bodyPr wrap="none" rtlCol="0">
             <a:spAutoFit/>
           </a:bodyPr>
           <a:lstStyle/>
           <a:p>
-            <a:r>
-              <a:rPr lang="en-US" altLang="zh-CN" sz="6600" dirty="0" smtClean="0">
-                <a:latin typeface="Abadi MT Condensed Extra Bold" charset="0"/>
-                <a:ea typeface="Abadi MT Condensed Extra Bold" charset="0"/>
-                <a:cs typeface="Abadi MT Condensed Extra Bold" charset="0"/>
-              </a:rPr>
-              <a:t>Introduction</a:t>
-            </a:r>
-            <a:endParaRPr lang="en-US" altLang="zh-CN" sz="6600" dirty="0" smtClean="0">
-              <a:latin typeface="Abadi MT Condensed Extra Bold" charset="0"/>
-              <a:ea typeface="Abadi MT Condensed Extra Bold" charset="0"/>
-              <a:cs typeface="Abadi MT Condensed Extra Bold" charset="0"/>
-            </a:endParaRPr>
-          </a:p>
-          <a:p>
-            <a:pPr marL="285750" indent="-285750">
+            <a:pPr>
               <a:lnSpc>
                 <a:spcPct val="150000"/>
               </a:lnSpc>
-              <a:buFont typeface="Arial" charset="0"/>
-              <a:buChar char="•"/>
             </a:pPr>
             <a:r>
-              <a:rPr lang="en-US" altLang="zh-CN" sz="2000" dirty="0"/>
-              <a:t>Air-Gapping</a:t>
-            </a:r>
-          </a:p>
-          <a:p>
-            <a:pPr marL="285750" indent="-285750">
+              <a:rPr lang="en-US" altLang="zh-CN" sz="4800" b="1" dirty="0" smtClean="0">
+                <a:latin typeface="Microsoft Tai Le" panose="020B0502040204020203" pitchFamily="34" charset="0"/>
+                <a:cs typeface="Microsoft Tai Le" panose="020B0502040204020203" pitchFamily="34" charset="0"/>
+              </a:rPr>
+              <a:t>Introduction</a:t>
+            </a:r>
+          </a:p>
+          <a:p>
+            <a:pPr marL="457200" indent="-457200">
               <a:lnSpc>
                 <a:spcPct val="150000"/>
               </a:lnSpc>
-              <a:buFont typeface="Arial" charset="0"/>
+              <a:buFont typeface="Arial" panose="020B0604020202020204" pitchFamily="34" charset="0"/>
               <a:buChar char="•"/>
             </a:pPr>
             <a:r>
-              <a:rPr lang="en-US" altLang="zh-CN" sz="2000" dirty="0"/>
+              <a:rPr lang="en-US" altLang="zh-CN" sz="3200" dirty="0" smtClean="0"/>
+              <a:t>Air-Gapping</a:t>
+            </a:r>
+          </a:p>
+          <a:p>
+            <a:pPr marL="457200" indent="-457200">
+              <a:lnSpc>
+                <a:spcPct val="150000"/>
+              </a:lnSpc>
+              <a:buFont typeface="Arial" panose="020B0604020202020204" pitchFamily="34" charset="0"/>
+              <a:buChar char="•"/>
+            </a:pPr>
+            <a:r>
+              <a:rPr lang="en-US" altLang="zh-CN" sz="3200" dirty="0" smtClean="0"/>
               <a:t>Attack payload</a:t>
             </a:r>
           </a:p>
@@ -6069,6 +8289,13 @@
   <p:clrMapOvr>
     <a:masterClrMapping/>
   </p:clrMapOvr>
+  <p:timing>
+    <p:tnLst>
+      <p:par>
+        <p:cTn id="1" dur="indefinite" restart="never" nodeType="tmRoot"/>
+      </p:par>
+    </p:tnLst>
+  </p:timing>
 </p:sld>
 </file>
 
@@ -6097,8 +8324,8 @@
         </p:nvSpPr>
         <p:spPr>
           <a:xfrm>
-            <a:off x="878541" y="632245"/>
-            <a:ext cx="10470307" cy="5693866"/>
+            <a:off x="689811" y="641683"/>
+            <a:ext cx="10972799" cy="5221942"/>
           </a:xfrm>
           <a:prstGeom prst="rect">
             <a:avLst/>
@@ -6111,220 +8338,87 @@
           </a:bodyPr>
           <a:lstStyle/>
           <a:p>
-            <a:r>
-              <a:rPr lang="en-US" altLang="zh-CN" sz="2800" dirty="0">
-                <a:latin typeface="Abadi MT Condensed Extra Bold" charset="0"/>
-                <a:ea typeface="Abadi MT Condensed Extra Bold" charset="0"/>
-                <a:cs typeface="Abadi MT Condensed Extra Bold" charset="0"/>
+            <a:pPr>
+              <a:lnSpc>
+                <a:spcPts val="4000"/>
+              </a:lnSpc>
+            </a:pPr>
+            <a:r>
+              <a:rPr lang="en-US" altLang="zh-CN" sz="3200" b="1" dirty="0">
+                <a:latin typeface="Microsoft Tai Le" panose="020B0502040204020203" pitchFamily="34" charset="0"/>
+                <a:cs typeface="Microsoft Tai Le" panose="020B0502040204020203" pitchFamily="34" charset="0"/>
               </a:rPr>
-              <a:t>Air </a:t>
-            </a:r>
-            <a:r>
-              <a:rPr lang="en-US" altLang="zh-CN" sz="2800" dirty="0" smtClean="0">
-                <a:latin typeface="Abadi MT Condensed Extra Bold" charset="0"/>
-                <a:ea typeface="Abadi MT Condensed Extra Bold" charset="0"/>
-                <a:cs typeface="Abadi MT Condensed Extra Bold" charset="0"/>
-              </a:rPr>
-              <a:t>gapping</a:t>
-            </a:r>
-            <a:endParaRPr lang="en-US" altLang="zh-CN" sz="2800" dirty="0">
-              <a:latin typeface="Abadi MT Condensed Extra Bold" charset="0"/>
-              <a:ea typeface="Abadi MT Condensed Extra Bold" charset="0"/>
-              <a:cs typeface="Abadi MT Condensed Extra Bold" charset="0"/>
-            </a:endParaRPr>
-          </a:p>
-          <a:p>
-            <a:endParaRPr lang="zh-CN" altLang="en-US" sz="2800" dirty="0" smtClean="0"/>
-          </a:p>
-          <a:p>
-            <a:pPr marL="285750" indent="-285750">
-              <a:buFont typeface="Arial" charset="0"/>
+              <a:t>Air gapping</a:t>
+            </a:r>
+          </a:p>
+          <a:p>
+            <a:pPr marL="457200" indent="-457200">
+              <a:lnSpc>
+                <a:spcPts val="4000"/>
+              </a:lnSpc>
+              <a:buFont typeface="Arial" panose="020B0604020202020204" pitchFamily="34" charset="0"/>
               <a:buChar char="•"/>
             </a:pPr>
             <a:r>
-              <a:rPr lang="en-US" altLang="zh-CN" sz="2800" dirty="0" smtClean="0"/>
-              <a:t>Air</a:t>
-            </a:r>
-            <a:r>
-              <a:rPr lang="zh-CN" altLang="en-US" sz="2800" dirty="0" smtClean="0"/>
-              <a:t> </a:t>
-            </a:r>
-            <a:r>
-              <a:rPr lang="en-US" altLang="zh-CN" sz="2800" dirty="0" smtClean="0"/>
-              <a:t>gapping</a:t>
-            </a:r>
-            <a:endParaRPr lang="zh-CN" altLang="en-US" sz="2800" dirty="0"/>
-          </a:p>
-          <a:p>
-            <a:r>
-              <a:rPr lang="zh-CN" altLang="en-US" sz="2800" dirty="0" smtClean="0"/>
-              <a:t>	</a:t>
-            </a:r>
-            <a:r>
-              <a:rPr lang="en-US" altLang="zh-CN" sz="2800" dirty="0" smtClean="0"/>
-              <a:t>- </a:t>
-            </a:r>
-            <a:r>
-              <a:rPr lang="en-US" altLang="zh-CN" sz="2800" dirty="0"/>
-              <a:t>Wikipedia</a:t>
-            </a:r>
-            <a:r>
-              <a:rPr lang="en-US" altLang="zh-CN" sz="2800" b="1" dirty="0"/>
+              <a:rPr lang="en-US" altLang="zh-CN" sz="2400" dirty="0" smtClean="0"/>
+              <a:t>Air </a:t>
+            </a:r>
+            <a:r>
+              <a:rPr lang="en-US" altLang="zh-CN" sz="2400" dirty="0"/>
+              <a:t>gapping </a:t>
+            </a:r>
+          </a:p>
+          <a:p>
+            <a:pPr lvl="1">
+              <a:lnSpc>
+                <a:spcPts val="4000"/>
+              </a:lnSpc>
+            </a:pPr>
+            <a:r>
+              <a:rPr lang="en-US" altLang="zh-CN" sz="2400" dirty="0"/>
+              <a:t>- Wikipedia</a:t>
+            </a:r>
+            <a:r>
+              <a:rPr lang="en-US" altLang="zh-CN" sz="2400" b="1" dirty="0"/>
               <a:t>: “</a:t>
             </a:r>
             <a:r>
-              <a:rPr lang="en-US" altLang="zh-CN" sz="2800" dirty="0"/>
-              <a:t>air </a:t>
-            </a:r>
-            <a:r>
-              <a:rPr lang="en-US" altLang="zh-CN" sz="2800" dirty="0" smtClean="0"/>
-              <a:t>gapping </a:t>
-            </a:r>
-            <a:r>
-              <a:rPr lang="en-US" altLang="zh-CN" sz="2800" dirty="0"/>
-              <a:t>is a network security </a:t>
-            </a:r>
-            <a:r>
-              <a:rPr lang="en-US" altLang="zh-CN" sz="2800" dirty="0" smtClean="0"/>
-              <a:t>measure</a:t>
-            </a:r>
-            <a:r>
-              <a:rPr lang="zh-CN" altLang="en-US" sz="2800" dirty="0" smtClean="0"/>
-              <a:t> </a:t>
-            </a:r>
-            <a:r>
-              <a:rPr lang="en-US" altLang="zh-CN" sz="2800" dirty="0" smtClean="0"/>
-              <a:t>employed </a:t>
-            </a:r>
-            <a:r>
-              <a:rPr lang="en-US" altLang="zh-CN" sz="2800" dirty="0"/>
-              <a:t>on one or </a:t>
-            </a:r>
-            <a:r>
-              <a:rPr lang="en-US" altLang="zh-CN" sz="2800" dirty="0" smtClean="0"/>
-              <a:t>more computers </a:t>
-            </a:r>
-            <a:r>
-              <a:rPr lang="en-US" altLang="zh-CN" sz="2800" dirty="0"/>
-              <a:t>to ensure that </a:t>
-            </a:r>
-            <a:r>
-              <a:rPr lang="en-US" altLang="zh-CN" sz="2800" dirty="0" smtClean="0"/>
-              <a:t>a</a:t>
-            </a:r>
-            <a:r>
-              <a:rPr lang="zh-CN" altLang="en-US" sz="2800" dirty="0" smtClean="0"/>
-              <a:t> </a:t>
-            </a:r>
-            <a:r>
-              <a:rPr lang="en-US" altLang="zh-CN" sz="2800" dirty="0" smtClean="0"/>
-              <a:t>secure </a:t>
-            </a:r>
-            <a:r>
-              <a:rPr lang="en-US" altLang="zh-CN" sz="2800" dirty="0"/>
-              <a:t>computer network is physically isolated from </a:t>
-            </a:r>
-            <a:r>
-              <a:rPr lang="en-US" altLang="zh-CN" sz="2800" dirty="0" smtClean="0"/>
-              <a:t>unsecured</a:t>
-            </a:r>
-            <a:r>
-              <a:rPr lang="zh-CN" altLang="en-US" sz="2800" dirty="0" smtClean="0"/>
-              <a:t> </a:t>
-            </a:r>
-            <a:r>
-              <a:rPr lang="en-US" altLang="zh-CN" sz="2800" dirty="0" smtClean="0"/>
-              <a:t>networks</a:t>
-            </a:r>
-            <a:r>
-              <a:rPr lang="en-US" altLang="zh-CN" sz="2800" dirty="0"/>
-              <a:t>, such as the public Internet or an unsecured local </a:t>
-            </a:r>
-            <a:r>
-              <a:rPr lang="en-US" altLang="zh-CN" sz="2800" dirty="0" smtClean="0"/>
-              <a:t>area</a:t>
-            </a:r>
-            <a:r>
-              <a:rPr lang="zh-CN" altLang="en-US" sz="2800" dirty="0" smtClean="0"/>
-              <a:t> </a:t>
-            </a:r>
-            <a:r>
-              <a:rPr lang="en-US" altLang="zh-CN" sz="2800" dirty="0" smtClean="0"/>
-              <a:t>network. </a:t>
-            </a:r>
-            <a:r>
-              <a:rPr lang="en-US" altLang="zh-CN" sz="2800" dirty="0"/>
-              <a:t>The name arises from the technique of creating </a:t>
-            </a:r>
-            <a:r>
-              <a:rPr lang="en-US" altLang="zh-CN" sz="2800" dirty="0" smtClean="0"/>
-              <a:t>a</a:t>
-            </a:r>
-            <a:r>
-              <a:rPr lang="zh-CN" altLang="en-US" sz="2800" dirty="0" smtClean="0"/>
-              <a:t> </a:t>
-            </a:r>
-            <a:r>
-              <a:rPr lang="en-US" altLang="zh-CN" sz="2800" dirty="0" smtClean="0"/>
-              <a:t>network </a:t>
-            </a:r>
-            <a:r>
-              <a:rPr lang="en-US" altLang="zh-CN" sz="2800" dirty="0"/>
-              <a:t>that is physically separated (with a conceptual </a:t>
-            </a:r>
-            <a:r>
-              <a:rPr lang="en-US" altLang="zh-CN" sz="2800" i="1" dirty="0"/>
-              <a:t>air </a:t>
-            </a:r>
-            <a:r>
-              <a:rPr lang="en-US" altLang="zh-CN" sz="2800" i="1" dirty="0" smtClean="0"/>
-              <a:t>gap</a:t>
-            </a:r>
-            <a:r>
-              <a:rPr lang="en-US" altLang="zh-CN" sz="2800" dirty="0" smtClean="0"/>
+              <a:rPr lang="en-US" altLang="zh-CN" sz="2400" dirty="0"/>
+              <a:t>air gapping is a network security measure employed on one or more computers to ensure that a secure computer network is physically isolated from unsecured networks, such as the public Internet or an unsecured local area network. The name arises from the technique of creating a network that is physically separated (with a conceptual </a:t>
+            </a:r>
+            <a:r>
+              <a:rPr lang="en-US" altLang="zh-CN" sz="2400" i="1" dirty="0"/>
+              <a:t>air gap</a:t>
+            </a:r>
+            <a:r>
+              <a:rPr lang="en-US" altLang="zh-CN" sz="2400" dirty="0"/>
               <a:t>)</a:t>
             </a:r>
-            <a:r>
-              <a:rPr lang="zh-CN" altLang="en-US" sz="2800" dirty="0" smtClean="0"/>
-              <a:t> </a:t>
-            </a:r>
-            <a:r>
-              <a:rPr lang="en-US" altLang="zh-CN" sz="2800" dirty="0" smtClean="0"/>
-              <a:t>from </a:t>
-            </a:r>
-            <a:r>
-              <a:rPr lang="en-US" altLang="zh-CN" sz="2800" dirty="0"/>
-              <a:t>all other networks</a:t>
-            </a:r>
-            <a:r>
-              <a:rPr lang="en-US" altLang="zh-CN" sz="2800" dirty="0" smtClean="0"/>
-              <a:t>.”</a:t>
-            </a:r>
-            <a:endParaRPr lang="zh-CN" altLang="en-US" sz="2800" dirty="0" smtClean="0"/>
-          </a:p>
-          <a:p>
-            <a:endParaRPr lang="en-US" altLang="zh-CN" sz="2800" dirty="0"/>
-          </a:p>
-          <a:p>
-            <a:pPr marL="285750" indent="-285750">
-              <a:buFont typeface="Arial" charset="0"/>
+          </a:p>
+          <a:p>
+            <a:pPr lvl="1">
+              <a:lnSpc>
+                <a:spcPts val="4000"/>
+              </a:lnSpc>
+            </a:pPr>
+            <a:r>
+              <a:rPr lang="en-US" altLang="zh-CN" sz="2400" dirty="0"/>
+              <a:t>from all other networks.”</a:t>
+            </a:r>
+          </a:p>
+          <a:p>
+            <a:pPr marL="457200" indent="-457200">
+              <a:lnSpc>
+                <a:spcPts val="4000"/>
+              </a:lnSpc>
+              <a:buFont typeface="Arial" panose="020B0604020202020204" pitchFamily="34" charset="0"/>
               <a:buChar char="•"/>
             </a:pPr>
             <a:r>
-              <a:rPr lang="en-US" altLang="zh-CN" sz="2800" dirty="0" smtClean="0"/>
-              <a:t>Air </a:t>
-            </a:r>
-            <a:r>
-              <a:rPr lang="en-US" altLang="zh-CN" sz="2800" dirty="0"/>
-              <a:t>gapping aims to avoid the intrusion and data leakage</a:t>
-            </a:r>
-          </a:p>
-          <a:p>
-            <a:r>
-              <a:rPr lang="en-US" altLang="zh-CN" sz="2800" dirty="0"/>
-              <a:t>through network connections</a:t>
-            </a:r>
-            <a:endParaRPr lang="zh-CN" altLang="en-US" sz="2800" dirty="0"/>
+              <a:rPr lang="en-US" altLang="zh-CN" sz="2400" dirty="0"/>
+              <a:t>Air gapping aims to avoid the intrusion and data leakage through network connections</a:t>
+            </a:r>
+            <a:endParaRPr lang="zh-CN" altLang="en-US" sz="2400" dirty="0"/>
           </a:p>
         </p:txBody>
       </p:sp>
@@ -6338,6 +8432,13 @@
   <p:clrMapOvr>
     <a:masterClrMapping/>
   </p:clrMapOvr>
+  <p:timing>
+    <p:tnLst>
+      <p:par>
+        <p:cTn id="1" dur="indefinite" restart="never" nodeType="tmRoot"/>
+      </p:par>
+    </p:tnLst>
+  </p:timing>
 </p:sld>
 </file>
 
@@ -6366,7 +8467,7 @@
           </p:cNvPicPr>
           <p:nvPr/>
         </p:nvPicPr>
-        <p:blipFill>
+        <p:blipFill rotWithShape="1">
           <a:blip r:embed="rId2">
             <a:extLst>
               <a:ext uri="{28A0092B-C50C-407E-A947-70E740481C1C}">
@@ -6374,15 +8475,13 @@
               </a:ext>
             </a:extLst>
           </a:blip>
-          <a:srcRect/>
-          <a:stretch>
-            <a:fillRect/>
-          </a:stretch>
+          <a:srcRect l="2173"/>
+          <a:stretch/>
         </p:blipFill>
         <p:spPr bwMode="auto">
           <a:xfrm>
-            <a:off x="4158350" y="900207"/>
-            <a:ext cx="7789241" cy="4856106"/>
+            <a:off x="4924926" y="1523999"/>
+            <a:ext cx="7058524" cy="4463980"/>
           </a:xfrm>
           <a:prstGeom prst="rect">
             <a:avLst/>
@@ -6401,14 +8500,14 @@
       </p:pic>
       <p:sp>
         <p:nvSpPr>
-          <p:cNvPr id="4" name="文本框 3"/>
+          <p:cNvPr id="3" name="文本框 2"/>
           <p:cNvSpPr txBox="1"/>
           <p:nvPr/>
         </p:nvSpPr>
         <p:spPr>
           <a:xfrm>
-            <a:off x="473626" y="712926"/>
-            <a:ext cx="3200400" cy="2492990"/>
+            <a:off x="689812" y="1909010"/>
+            <a:ext cx="3584609" cy="2154436"/>
           </a:xfrm>
           <a:prstGeom prst="rect">
             <a:avLst/>
@@ -6421,95 +8520,105 @@
           </a:bodyPr>
           <a:lstStyle/>
           <a:p>
-            <a:r>
-              <a:rPr lang="en-US" altLang="zh-CN" sz="2800" dirty="0" err="1" smtClean="0">
-                <a:latin typeface="Abadi MT Condensed Extra Bold" charset="0"/>
-                <a:ea typeface="Abadi MT Condensed Extra Bold" charset="0"/>
-                <a:cs typeface="Abadi MT Condensed Extra Bold" charset="0"/>
-              </a:rPr>
-              <a:t>Stuxnet</a:t>
-            </a:r>
-            <a:r>
-              <a:rPr lang="zh-CN" altLang="en-US" sz="2800" dirty="0" smtClean="0">
-                <a:latin typeface="Abadi MT Condensed Extra Bold" charset="0"/>
-                <a:ea typeface="Abadi MT Condensed Extra Bold" charset="0"/>
-                <a:cs typeface="Abadi MT Condensed Extra Bold" charset="0"/>
-              </a:rPr>
-              <a:t> </a:t>
-            </a:r>
-            <a:r>
-              <a:rPr lang="en-US" altLang="zh-CN" sz="2800" dirty="0" smtClean="0">
-                <a:latin typeface="Abadi MT Condensed Extra Bold" charset="0"/>
-                <a:ea typeface="Abadi MT Condensed Extra Bold" charset="0"/>
-                <a:cs typeface="Abadi MT Condensed Extra Bold" charset="0"/>
-              </a:rPr>
-              <a:t>Worm(2010)</a:t>
-            </a:r>
-            <a:endParaRPr lang="en-US" altLang="zh-CN" sz="2800" dirty="0">
-              <a:latin typeface="Abadi MT Condensed Extra Bold" charset="0"/>
-              <a:ea typeface="Abadi MT Condensed Extra Bold" charset="0"/>
-              <a:cs typeface="Abadi MT Condensed Extra Bold" charset="0"/>
-            </a:endParaRPr>
-          </a:p>
-          <a:p>
             <a:pPr marL="285750" indent="-285750">
+              <a:spcBef>
+                <a:spcPts val="2400"/>
+              </a:spcBef>
               <a:buFont typeface="Arial" panose="020B0604020202020204" pitchFamily="34" charset="0"/>
               <a:buChar char="•"/>
             </a:pPr>
-            <a:endParaRPr lang="zh-CN" altLang="en-US" sz="2800" dirty="0" smtClean="0"/>
+            <a:r>
+              <a:rPr lang="en-US" altLang="zh-CN" sz="2400" dirty="0">
+                <a:latin typeface="+mj-lt"/>
+              </a:rPr>
+              <a:t>Attacking initiated </a:t>
+            </a:r>
+            <a:r>
+              <a:rPr lang="en-US" altLang="zh-CN" sz="2400" dirty="0" smtClean="0">
+                <a:latin typeface="+mj-lt"/>
+              </a:rPr>
+              <a:t>via an </a:t>
+            </a:r>
+            <a:r>
+              <a:rPr lang="en-US" altLang="zh-CN" sz="2400" dirty="0">
+                <a:latin typeface="+mj-lt"/>
+              </a:rPr>
+              <a:t>infected USB drive</a:t>
+            </a:r>
           </a:p>
           <a:p>
             <a:pPr marL="285750" indent="-285750">
+              <a:spcBef>
+                <a:spcPts val="2400"/>
+              </a:spcBef>
               <a:buFont typeface="Arial" panose="020B0604020202020204" pitchFamily="34" charset="0"/>
               <a:buChar char="•"/>
             </a:pPr>
             <a:r>
-              <a:rPr lang="en-US" altLang="zh-CN" sz="2000" dirty="0" smtClean="0"/>
-              <a:t>Attacking </a:t>
-            </a:r>
-            <a:r>
-              <a:rPr lang="en-US" altLang="zh-CN" sz="2000" dirty="0"/>
-              <a:t>initiated </a:t>
-            </a:r>
-            <a:r>
-              <a:rPr lang="en-US" altLang="zh-CN" sz="2000" dirty="0" err="1"/>
-              <a:t>viaan</a:t>
-            </a:r>
-            <a:r>
-              <a:rPr lang="en-US" altLang="zh-CN" sz="2000" dirty="0"/>
-              <a:t> infected USB </a:t>
-            </a:r>
-            <a:r>
-              <a:rPr lang="en-US" altLang="zh-CN" sz="2000" dirty="0" smtClean="0"/>
-              <a:t>drive</a:t>
-            </a:r>
-            <a:endParaRPr lang="zh-CN" altLang="en-US" sz="2000" dirty="0" smtClean="0"/>
-          </a:p>
-          <a:p>
-            <a:pPr marL="285750" indent="-285750">
-              <a:buFont typeface="Arial" panose="020B0604020202020204" pitchFamily="34" charset="0"/>
-              <a:buChar char="•"/>
-            </a:pPr>
-            <a:endParaRPr lang="en-US" altLang="zh-CN" sz="2000" dirty="0"/>
-          </a:p>
-          <a:p>
-            <a:pPr marL="285750" indent="-285750">
-              <a:buFont typeface="Arial" panose="020B0604020202020204" pitchFamily="34" charset="0"/>
-              <a:buChar char="•"/>
-            </a:pPr>
-            <a:r>
-              <a:rPr lang="en-US" altLang="zh-CN" sz="2000" dirty="0"/>
+              <a:rPr lang="en-US" altLang="zh-CN" sz="2400" dirty="0">
+                <a:latin typeface="+mj-lt"/>
+              </a:rPr>
               <a:t>Designed to attack the </a:t>
             </a:r>
             <a:r>
-              <a:rPr lang="en-US" altLang="zh-CN" sz="2000" dirty="0" err="1"/>
+              <a:rPr lang="en-US" altLang="zh-CN" sz="2400" dirty="0" err="1">
+                <a:latin typeface="+mj-lt"/>
+              </a:rPr>
               <a:t>Yilan</a:t>
             </a:r>
             <a:r>
-              <a:rPr lang="en-US" altLang="zh-CN" sz="2000" dirty="0"/>
-              <a:t> nuclear</a:t>
-            </a:r>
-            <a:endParaRPr lang="zh-CN" altLang="en-US" sz="2000" dirty="0" smtClean="0"/>
+              <a:rPr lang="en-US" altLang="zh-CN" sz="2400" dirty="0">
+                <a:latin typeface="+mj-lt"/>
+              </a:rPr>
+              <a:t> nuclear </a:t>
+            </a:r>
+            <a:r>
+              <a:rPr lang="en-US" altLang="zh-CN" sz="2400" dirty="0"/>
+              <a:t>facility</a:t>
+            </a:r>
+            <a:endParaRPr lang="zh-CN" altLang="en-US" sz="2400" dirty="0"/>
+          </a:p>
+          <a:p>
+            <a:endParaRPr lang="zh-CN" altLang="en-US" dirty="0"/>
+          </a:p>
+        </p:txBody>
+      </p:sp>
+      <p:sp>
+        <p:nvSpPr>
+          <p:cNvPr id="7" name="文本框 6"/>
+          <p:cNvSpPr txBox="1"/>
+          <p:nvPr/>
+        </p:nvSpPr>
+        <p:spPr>
+          <a:xfrm>
+            <a:off x="689812" y="641683"/>
+            <a:ext cx="4957010" cy="584775"/>
+          </a:xfrm>
+          <a:prstGeom prst="rect">
+            <a:avLst/>
+          </a:prstGeom>
+          <a:noFill/>
+        </p:spPr>
+        <p:txBody>
+          <a:bodyPr wrap="square" rtlCol="0">
+            <a:spAutoFit/>
+          </a:bodyPr>
+          <a:lstStyle/>
+          <a:p>
+            <a:r>
+              <a:rPr lang="en-US" altLang="zh-CN" sz="3200" b="1" dirty="0" err="1">
+                <a:latin typeface="Microsoft Tai Le" panose="020B0502040204020203" pitchFamily="34" charset="0"/>
+                <a:cs typeface="Microsoft Tai Le" panose="020B0502040204020203" pitchFamily="34" charset="0"/>
+              </a:rPr>
+              <a:t>Stuxnet</a:t>
+            </a:r>
+            <a:r>
+              <a:rPr lang="en-US" altLang="zh-CN" sz="3200" b="1" dirty="0">
+                <a:latin typeface="Microsoft Tai Le" panose="020B0502040204020203" pitchFamily="34" charset="0"/>
+                <a:cs typeface="Microsoft Tai Le" panose="020B0502040204020203" pitchFamily="34" charset="0"/>
+              </a:rPr>
+              <a:t> Worm (2010)</a:t>
+            </a:r>
           </a:p>
         </p:txBody>
       </p:sp>
@@ -6523,6 +8632,13 @@
   <p:clrMapOvr>
     <a:masterClrMapping/>
   </p:clrMapOvr>
+  <p:timing>
+    <p:tnLst>
+      <p:par>
+        <p:cTn id="1" dur="indefinite" restart="never" nodeType="tmRoot"/>
+      </p:par>
+    </p:tnLst>
+  </p:timing>
 </p:sld>
 </file>
 
@@ -6567,8 +8683,8 @@
         </p:blipFill>
         <p:spPr bwMode="auto">
           <a:xfrm>
-            <a:off x="2149980" y="2421208"/>
-            <a:ext cx="6509972" cy="3853903"/>
+            <a:off x="2418324" y="2540271"/>
+            <a:ext cx="6456996" cy="3822541"/>
           </a:xfrm>
           <a:prstGeom prst="rect">
             <a:avLst/>
@@ -6587,14 +8703,14 @@
       </p:pic>
       <p:sp>
         <p:nvSpPr>
-          <p:cNvPr id="5" name="文本框 3"/>
+          <p:cNvPr id="5" name="文本框 4"/>
           <p:cNvSpPr txBox="1"/>
           <p:nvPr/>
         </p:nvSpPr>
         <p:spPr>
           <a:xfrm>
-            <a:off x="473626" y="712926"/>
-            <a:ext cx="9862680" cy="1384995"/>
+            <a:off x="689812" y="641683"/>
+            <a:ext cx="4957010" cy="584775"/>
           </a:xfrm>
           <a:prstGeom prst="rect">
             <a:avLst/>
@@ -6607,82 +8723,52 @@
           </a:bodyPr>
           <a:lstStyle/>
           <a:p>
-            <a:r>
-              <a:rPr lang="en-US" altLang="zh-CN" sz="2800" dirty="0" smtClean="0">
-                <a:latin typeface="Abadi MT Condensed Extra Bold" charset="0"/>
-                <a:ea typeface="Abadi MT Condensed Extra Bold" charset="0"/>
-                <a:cs typeface="Abadi MT Condensed Extra Bold" charset="0"/>
+            <a:pPr>
+              <a:spcBef>
+                <a:spcPts val="2400"/>
+              </a:spcBef>
+            </a:pPr>
+            <a:r>
+              <a:rPr lang="en-US" altLang="zh-CN" sz="3200" b="1" dirty="0">
+                <a:latin typeface="Microsoft Tai Le" panose="020B0502040204020203" pitchFamily="34" charset="0"/>
+                <a:cs typeface="Microsoft Tai Le" panose="020B0502040204020203" pitchFamily="34" charset="0"/>
               </a:rPr>
-              <a:t>Attack</a:t>
-            </a:r>
-            <a:r>
-              <a:rPr lang="zh-CN" altLang="en-US" sz="2800" dirty="0" smtClean="0">
-                <a:latin typeface="Abadi MT Condensed Extra Bold" charset="0"/>
-                <a:ea typeface="Abadi MT Condensed Extra Bold" charset="0"/>
-                <a:cs typeface="Abadi MT Condensed Extra Bold" charset="0"/>
-              </a:rPr>
-              <a:t> </a:t>
-            </a:r>
-            <a:r>
-              <a:rPr lang="en-US" altLang="zh-CN" sz="2800" dirty="0" smtClean="0">
-                <a:latin typeface="Abadi MT Condensed Extra Bold" charset="0"/>
-                <a:ea typeface="Abadi MT Condensed Extra Bold" charset="0"/>
-                <a:cs typeface="Abadi MT Condensed Extra Bold" charset="0"/>
-              </a:rPr>
-              <a:t>Payload</a:t>
-            </a:r>
-            <a:r>
-              <a:rPr lang="zh-CN" altLang="en-US" sz="2800" dirty="0" smtClean="0">
-                <a:latin typeface="Abadi MT Condensed Extra Bold" charset="0"/>
-                <a:ea typeface="Abadi MT Condensed Extra Bold" charset="0"/>
-                <a:cs typeface="Abadi MT Condensed Extra Bold" charset="0"/>
-              </a:rPr>
-              <a:t> </a:t>
-            </a:r>
-            <a:r>
-              <a:rPr lang="en-US" altLang="zh-CN" sz="2800" dirty="0" smtClean="0">
-                <a:latin typeface="Abadi MT Condensed Extra Bold" charset="0"/>
-                <a:ea typeface="Abadi MT Condensed Extra Bold" charset="0"/>
-                <a:cs typeface="Abadi MT Condensed Extra Bold" charset="0"/>
-              </a:rPr>
-              <a:t>-</a:t>
-            </a:r>
-            <a:r>
-              <a:rPr lang="zh-CN" altLang="en-US" sz="2800" dirty="0" smtClean="0">
-                <a:latin typeface="Abadi MT Condensed Extra Bold" charset="0"/>
-                <a:ea typeface="Abadi MT Condensed Extra Bold" charset="0"/>
-                <a:cs typeface="Abadi MT Condensed Extra Bold" charset="0"/>
-              </a:rPr>
-              <a:t> </a:t>
-            </a:r>
-            <a:r>
-              <a:rPr lang="en-US" altLang="zh-CN" sz="2800" dirty="0" smtClean="0">
-                <a:latin typeface="Abadi MT Condensed Extra Bold" charset="0"/>
-                <a:ea typeface="Abadi MT Condensed Extra Bold" charset="0"/>
-                <a:cs typeface="Abadi MT Condensed Extra Bold" charset="0"/>
-              </a:rPr>
-              <a:t>1</a:t>
-            </a:r>
-            <a:endParaRPr lang="en-US" altLang="zh-CN" sz="2800" dirty="0">
-              <a:latin typeface="Abadi MT Condensed Extra Bold" charset="0"/>
-              <a:ea typeface="Abadi MT Condensed Extra Bold" charset="0"/>
-              <a:cs typeface="Abadi MT Condensed Extra Bold" charset="0"/>
-            </a:endParaRPr>
-          </a:p>
-          <a:p>
-            <a:pPr marL="285750" indent="-285750">
+              <a:t>Attack payload – 1</a:t>
+            </a:r>
+          </a:p>
+        </p:txBody>
+      </p:sp>
+      <p:sp>
+        <p:nvSpPr>
+          <p:cNvPr id="6" name="文本框 5"/>
+          <p:cNvSpPr txBox="1"/>
+          <p:nvPr/>
+        </p:nvSpPr>
+        <p:spPr>
+          <a:xfrm>
+            <a:off x="689812" y="1652532"/>
+            <a:ext cx="9143999" cy="461665"/>
+          </a:xfrm>
+          <a:prstGeom prst="rect">
+            <a:avLst/>
+          </a:prstGeom>
+          <a:noFill/>
+        </p:spPr>
+        <p:txBody>
+          <a:bodyPr wrap="square" rtlCol="0">
+            <a:spAutoFit/>
+          </a:bodyPr>
+          <a:lstStyle/>
+          <a:p>
+            <a:pPr marL="342900" indent="-342900">
+              <a:spcBef>
+                <a:spcPts val="2400"/>
+              </a:spcBef>
               <a:buFont typeface="Arial" panose="020B0604020202020204" pitchFamily="34" charset="0"/>
               <a:buChar char="•"/>
             </a:pPr>
-            <a:endParaRPr lang="zh-CN" altLang="en-US" sz="2800" dirty="0" smtClean="0"/>
-          </a:p>
-          <a:p>
-            <a:pPr marL="285750" indent="-285750">
-              <a:buFont typeface="Arial" panose="020B0604020202020204" pitchFamily="34" charset="0"/>
-              <a:buChar char="•"/>
-            </a:pPr>
-            <a:r>
-              <a:rPr lang="en-US" altLang="zh-CN" sz="2800" dirty="0"/>
+            <a:r>
+              <a:rPr lang="en-US" altLang="zh-CN" sz="2400" dirty="0"/>
               <a:t>Transmission of data using infrasonic waves or ultrasonic</a:t>
             </a:r>
           </a:p>
@@ -6698,6 +8784,13 @@
   <p:clrMapOvr>
     <a:masterClrMapping/>
   </p:clrMapOvr>
+  <p:timing>
+    <p:tnLst>
+      <p:par>
+        <p:cTn id="1" dur="indefinite" restart="never" nodeType="tmRoot"/>
+      </p:par>
+    </p:tnLst>
+  </p:timing>
 </p:sld>
 </file>
 
@@ -6718,59 +8811,9 @@
           <a:chExt cx="0" cy="0"/>
         </a:xfrm>
       </p:grpSpPr>
-      <p:sp>
-        <p:nvSpPr>
-          <p:cNvPr id="5" name="文本框 3"/>
-          <p:cNvSpPr txBox="1"/>
-          <p:nvPr/>
-        </p:nvSpPr>
-        <p:spPr>
-          <a:xfrm>
-            <a:off x="473626" y="712926"/>
-            <a:ext cx="9862680" cy="1384995"/>
-          </a:xfrm>
-          <a:prstGeom prst="rect">
-            <a:avLst/>
-          </a:prstGeom>
-          <a:noFill/>
-        </p:spPr>
-        <p:txBody>
-          <a:bodyPr wrap="square" rtlCol="0">
-            <a:spAutoFit/>
-          </a:bodyPr>
-          <a:lstStyle/>
-          <a:p>
-            <a:r>
-              <a:rPr lang="en-US" altLang="zh-CN" sz="2800" dirty="0">
-                <a:latin typeface="Abadi MT Condensed Extra Bold" charset="0"/>
-                <a:ea typeface="Abadi MT Condensed Extra Bold" charset="0"/>
-                <a:cs typeface="Abadi MT Condensed Extra Bold" charset="0"/>
-              </a:rPr>
-              <a:t>Attack payload – 2</a:t>
-            </a:r>
-          </a:p>
-          <a:p>
-            <a:pPr marL="285750" indent="-285750">
-              <a:buFont typeface="Arial" panose="020B0604020202020204" pitchFamily="34" charset="0"/>
-              <a:buChar char="•"/>
-            </a:pPr>
-            <a:endParaRPr lang="zh-CN" altLang="en-US" sz="2800" dirty="0" smtClean="0"/>
-          </a:p>
-          <a:p>
-            <a:pPr marL="285750" indent="-285750">
-              <a:buFont typeface="Arial" panose="020B0604020202020204" pitchFamily="34" charset="0"/>
-              <a:buChar char="•"/>
-            </a:pPr>
-            <a:r>
-              <a:rPr lang="en-US" altLang="zh-CN" sz="2800" dirty="0"/>
-              <a:t>Stealing computer data from a power line</a:t>
-            </a:r>
-          </a:p>
-        </p:txBody>
-      </p:sp>
       <p:pic>
         <p:nvPicPr>
-          <p:cNvPr id="4" name="Picture 2" descr="http://www.aqniu.com/wp-content/uploads/2018/04/%E8%A3%85%E7%BD%AE%E7%A4%BA%E6%84%8F%E5%9B%BE.jpg"/>
+          <p:cNvPr id="3074" name="Picture 2" descr="http://www.aqniu.com/wp-content/uploads/2018/04/%E8%A3%85%E7%BD%AE%E7%A4%BA%E6%84%8F%E5%9B%BE.jpg"/>
           <p:cNvPicPr>
             <a:picLocks noChangeAspect="1" noChangeArrowheads="1"/>
           </p:cNvPicPr>
@@ -6791,8 +8834,8 @@
         </p:blipFill>
         <p:spPr bwMode="auto">
           <a:xfrm>
-            <a:off x="2057923" y="2466435"/>
-            <a:ext cx="6694086" cy="3499813"/>
+            <a:off x="2358190" y="2540271"/>
+            <a:ext cx="7007871" cy="3663867"/>
           </a:xfrm>
           <a:prstGeom prst="rect">
             <a:avLst/>
@@ -6809,16 +8852,91 @@
           </a:extLst>
         </p:spPr>
       </p:pic>
+      <p:sp>
+        <p:nvSpPr>
+          <p:cNvPr id="4" name="文本框 3"/>
+          <p:cNvSpPr txBox="1"/>
+          <p:nvPr/>
+        </p:nvSpPr>
+        <p:spPr>
+          <a:xfrm>
+            <a:off x="689812" y="641683"/>
+            <a:ext cx="4957010" cy="584775"/>
+          </a:xfrm>
+          <a:prstGeom prst="rect">
+            <a:avLst/>
+          </a:prstGeom>
+          <a:noFill/>
+        </p:spPr>
+        <p:txBody>
+          <a:bodyPr wrap="square" rtlCol="0">
+            <a:spAutoFit/>
+          </a:bodyPr>
+          <a:lstStyle/>
+          <a:p>
+            <a:r>
+              <a:rPr lang="en-US" altLang="zh-CN" sz="3200" b="1" dirty="0">
+                <a:latin typeface="Microsoft Tai Le" panose="020B0502040204020203" pitchFamily="34" charset="0"/>
+                <a:cs typeface="Microsoft Tai Le" panose="020B0502040204020203" pitchFamily="34" charset="0"/>
+              </a:rPr>
+              <a:t>Attack payload – 2</a:t>
+            </a:r>
+          </a:p>
+        </p:txBody>
+      </p:sp>
+      <p:sp>
+        <p:nvSpPr>
+          <p:cNvPr id="5" name="文本框 4"/>
+          <p:cNvSpPr txBox="1"/>
+          <p:nvPr/>
+        </p:nvSpPr>
+        <p:spPr>
+          <a:xfrm>
+            <a:off x="689812" y="1652532"/>
+            <a:ext cx="9143999" cy="461665"/>
+          </a:xfrm>
+          <a:prstGeom prst="rect">
+            <a:avLst/>
+          </a:prstGeom>
+          <a:noFill/>
+        </p:spPr>
+        <p:txBody>
+          <a:bodyPr wrap="square" rtlCol="0">
+            <a:spAutoFit/>
+          </a:bodyPr>
+          <a:lstStyle/>
+          <a:p>
+            <a:pPr marL="342900" indent="-342900">
+              <a:spcBef>
+                <a:spcPts val="2400"/>
+              </a:spcBef>
+              <a:buFont typeface="Arial" panose="020B0604020202020204" pitchFamily="34" charset="0"/>
+              <a:buChar char="•"/>
+            </a:pPr>
+            <a:r>
+              <a:rPr lang="en-US" altLang="zh-CN" sz="2400" dirty="0"/>
+              <a:t>Stealing computer data from a power line</a:t>
+            </a:r>
+          </a:p>
+        </p:txBody>
+      </p:sp>
     </p:spTree>
     <p:extLst>
       <p:ext uri="{BB962C8B-B14F-4D97-AF65-F5344CB8AC3E}">
-        <p14:creationId xmlns:p14="http://schemas.microsoft.com/office/powerpoint/2010/main" val="107729520"/>
+        <p14:creationId xmlns:p14="http://schemas.microsoft.com/office/powerpoint/2010/main" val="239648323"/>
       </p:ext>
     </p:extLst>
   </p:cSld>
   <p:clrMapOvr>
     <a:masterClrMapping/>
   </p:clrMapOvr>
+  <p:timing>
+    <p:tnLst>
+      <p:par>
+        <p:cTn id="1" dur="indefinite" restart="never" nodeType="tmRoot"/>
+      </p:par>
+    </p:tnLst>
+  </p:timing>
 </p:sld>
 </file>
 
@@ -6839,72 +8957,9 @@
           <a:chExt cx="0" cy="0"/>
         </a:xfrm>
       </p:grpSpPr>
-      <p:sp>
-        <p:nvSpPr>
-          <p:cNvPr id="5" name="文本框 3"/>
-          <p:cNvSpPr txBox="1"/>
-          <p:nvPr/>
-        </p:nvSpPr>
-        <p:spPr>
-          <a:xfrm>
-            <a:off x="473626" y="712926"/>
-            <a:ext cx="9862680" cy="1384995"/>
-          </a:xfrm>
-          <a:prstGeom prst="rect">
-            <a:avLst/>
-          </a:prstGeom>
-          <a:noFill/>
-        </p:spPr>
-        <p:txBody>
-          <a:bodyPr wrap="square" rtlCol="0">
-            <a:spAutoFit/>
-          </a:bodyPr>
-          <a:lstStyle/>
-          <a:p>
-            <a:r>
-              <a:rPr lang="en-US" altLang="zh-CN" sz="2800" dirty="0">
-                <a:latin typeface="Abadi MT Condensed Extra Bold" charset="0"/>
-                <a:ea typeface="Abadi MT Condensed Extra Bold" charset="0"/>
-                <a:cs typeface="Abadi MT Condensed Extra Bold" charset="0"/>
-              </a:rPr>
-              <a:t>Attack payload – </a:t>
-            </a:r>
-            <a:r>
-              <a:rPr lang="en-US" altLang="zh-CN" sz="2800" dirty="0" smtClean="0">
-                <a:latin typeface="Abadi MT Condensed Extra Bold" charset="0"/>
-                <a:ea typeface="Abadi MT Condensed Extra Bold" charset="0"/>
-                <a:cs typeface="Abadi MT Condensed Extra Bold" charset="0"/>
-              </a:rPr>
-              <a:t>3</a:t>
-            </a:r>
-            <a:endParaRPr lang="en-US" altLang="zh-CN" sz="2800" dirty="0">
-              <a:latin typeface="Abadi MT Condensed Extra Bold" charset="0"/>
-              <a:ea typeface="Abadi MT Condensed Extra Bold" charset="0"/>
-              <a:cs typeface="Abadi MT Condensed Extra Bold" charset="0"/>
-            </a:endParaRPr>
-          </a:p>
-          <a:p>
-            <a:pPr marL="285750" indent="-285750">
-              <a:buFont typeface="Arial" panose="020B0604020202020204" pitchFamily="34" charset="0"/>
-              <a:buChar char="•"/>
-            </a:pPr>
-            <a:endParaRPr lang="zh-CN" altLang="en-US" sz="2800" dirty="0" smtClean="0"/>
-          </a:p>
-          <a:p>
-            <a:pPr marL="285750" indent="-285750">
-              <a:buFont typeface="Arial" panose="020B0604020202020204" pitchFamily="34" charset="0"/>
-              <a:buChar char="•"/>
-            </a:pPr>
-            <a:r>
-              <a:rPr lang="en-US" altLang="zh-CN" sz="2800" dirty="0"/>
-              <a:t>HID attack</a:t>
-            </a:r>
-          </a:p>
-        </p:txBody>
-      </p:sp>
       <p:pic>
         <p:nvPicPr>
-          <p:cNvPr id="6" name="Picture 2" descr="leonardo.jpg"/>
+          <p:cNvPr id="4098" name="Picture 2" descr="leonardo.jpg"/>
           <p:cNvPicPr>
             <a:picLocks noChangeAspect="1" noChangeArrowheads="1"/>
           </p:cNvPicPr>
@@ -6925,8 +8980,8 @@
         </p:blipFill>
         <p:spPr bwMode="auto">
           <a:xfrm>
-            <a:off x="3279199" y="2859740"/>
-            <a:ext cx="4251534" cy="3191731"/>
+            <a:off x="5646822" y="1226458"/>
+            <a:ext cx="5823006" cy="4371474"/>
           </a:xfrm>
           <a:prstGeom prst="rect">
             <a:avLst/>
@@ -6943,16 +8998,148 @@
           </a:extLst>
         </p:spPr>
       </p:pic>
+      <p:sp>
+        <p:nvSpPr>
+          <p:cNvPr id="4" name="文本框 3"/>
+          <p:cNvSpPr txBox="1"/>
+          <p:nvPr/>
+        </p:nvSpPr>
+        <p:spPr>
+          <a:xfrm>
+            <a:off x="689812" y="641683"/>
+            <a:ext cx="4957010" cy="584775"/>
+          </a:xfrm>
+          <a:prstGeom prst="rect">
+            <a:avLst/>
+          </a:prstGeom>
+          <a:noFill/>
+        </p:spPr>
+        <p:txBody>
+          <a:bodyPr wrap="square" rtlCol="0">
+            <a:spAutoFit/>
+          </a:bodyPr>
+          <a:lstStyle/>
+          <a:p>
+            <a:r>
+              <a:rPr lang="en-US" altLang="zh-CN" sz="3200" b="1" dirty="0">
+                <a:latin typeface="Microsoft Tai Le" panose="020B0502040204020203" pitchFamily="34" charset="0"/>
+                <a:cs typeface="Microsoft Tai Le" panose="020B0502040204020203" pitchFamily="34" charset="0"/>
+              </a:rPr>
+              <a:t>Attack payload – </a:t>
+            </a:r>
+            <a:r>
+              <a:rPr lang="en-US" altLang="zh-CN" sz="3200" b="1" dirty="0" smtClean="0">
+                <a:latin typeface="Microsoft Tai Le" panose="020B0502040204020203" pitchFamily="34" charset="0"/>
+                <a:cs typeface="Microsoft Tai Le" panose="020B0502040204020203" pitchFamily="34" charset="0"/>
+              </a:rPr>
+              <a:t>3</a:t>
+            </a:r>
+            <a:endParaRPr lang="en-US" altLang="zh-CN" sz="3200" b="1" dirty="0">
+              <a:latin typeface="Microsoft Tai Le" panose="020B0502040204020203" pitchFamily="34" charset="0"/>
+              <a:cs typeface="Microsoft Tai Le" panose="020B0502040204020203" pitchFamily="34" charset="0"/>
+            </a:endParaRPr>
+          </a:p>
+        </p:txBody>
+      </p:sp>
+      <p:sp>
+        <p:nvSpPr>
+          <p:cNvPr id="5" name="文本框 4"/>
+          <p:cNvSpPr txBox="1"/>
+          <p:nvPr/>
+        </p:nvSpPr>
+        <p:spPr>
+          <a:xfrm>
+            <a:off x="689812" y="1652532"/>
+            <a:ext cx="9143999" cy="2492990"/>
+          </a:xfrm>
+          <a:prstGeom prst="rect">
+            <a:avLst/>
+          </a:prstGeom>
+          <a:noFill/>
+        </p:spPr>
+        <p:txBody>
+          <a:bodyPr wrap="square" rtlCol="0">
+            <a:spAutoFit/>
+          </a:bodyPr>
+          <a:lstStyle/>
+          <a:p>
+            <a:pPr marL="342900" indent="-342900">
+              <a:spcBef>
+                <a:spcPts val="2400"/>
+              </a:spcBef>
+              <a:buFont typeface="Arial" panose="020B0604020202020204" pitchFamily="34" charset="0"/>
+              <a:buChar char="•"/>
+            </a:pPr>
+            <a:r>
+              <a:rPr lang="en-US" altLang="zh-CN" sz="2400" dirty="0"/>
+              <a:t>HID </a:t>
+            </a:r>
+            <a:r>
+              <a:rPr lang="en-US" altLang="zh-CN" sz="2400" dirty="0" smtClean="0"/>
+              <a:t>attack</a:t>
+            </a:r>
+          </a:p>
+          <a:p>
+            <a:pPr marL="800100" lvl="1" indent="-342900">
+              <a:spcBef>
+                <a:spcPts val="2400"/>
+              </a:spcBef>
+              <a:buFont typeface="Arial" panose="020B0604020202020204" pitchFamily="34" charset="0"/>
+              <a:buChar char="•"/>
+            </a:pPr>
+            <a:r>
+              <a:rPr lang="en-US" altLang="zh-CN" sz="2400" dirty="0" err="1" smtClean="0"/>
+              <a:t>BadUSB</a:t>
+            </a:r>
+            <a:endParaRPr lang="en-US" altLang="zh-CN" sz="2400" dirty="0" smtClean="0"/>
+          </a:p>
+          <a:p>
+            <a:pPr marL="800100" lvl="1" indent="-342900">
+              <a:spcBef>
+                <a:spcPts val="2400"/>
+              </a:spcBef>
+              <a:buFont typeface="Arial" panose="020B0604020202020204" pitchFamily="34" charset="0"/>
+              <a:buChar char="•"/>
+            </a:pPr>
+            <a:r>
+              <a:rPr lang="en-US" altLang="zh-CN" sz="2400" dirty="0" err="1" smtClean="0"/>
+              <a:t>Bushbussy</a:t>
+            </a:r>
+            <a:endParaRPr lang="en-US" altLang="zh-CN" sz="2400" dirty="0" smtClean="0"/>
+          </a:p>
+          <a:p>
+            <a:pPr marL="800100" lvl="1" indent="-342900">
+              <a:spcBef>
+                <a:spcPts val="2400"/>
+              </a:spcBef>
+              <a:buFont typeface="Arial" panose="020B0604020202020204" pitchFamily="34" charset="0"/>
+              <a:buChar char="•"/>
+            </a:pPr>
+            <a:r>
+              <a:rPr lang="en-US" altLang="zh-CN" sz="2400" dirty="0" smtClean="0"/>
+              <a:t>Yellow Ducky</a:t>
+            </a:r>
+            <a:endParaRPr lang="en-US" altLang="zh-CN" sz="2400" dirty="0"/>
+          </a:p>
+        </p:txBody>
+      </p:sp>
     </p:spTree>
     <p:extLst>
       <p:ext uri="{BB962C8B-B14F-4D97-AF65-F5344CB8AC3E}">
-        <p14:creationId xmlns:p14="http://schemas.microsoft.com/office/powerpoint/2010/main" val="1399502862"/>
+        <p14:creationId xmlns:p14="http://schemas.microsoft.com/office/powerpoint/2010/main" val="1498371808"/>
       </p:ext>
     </p:extLst>
   </p:cSld>
   <p:clrMapOvr>
     <a:masterClrMapping/>
   </p:clrMapOvr>
+  <p:timing>
+    <p:tnLst>
+      <p:par>
+        <p:cTn id="1" dur="indefinite" restart="never" nodeType="tmRoot"/>
+      </p:par>
+    </p:tnLst>
+  </p:timing>
 </p:sld>
 </file>
 
@@ -6975,14 +9162,14 @@
       </p:grpSpPr>
       <p:sp>
         <p:nvSpPr>
-          <p:cNvPr id="3" name="文本框 3"/>
+          <p:cNvPr id="2" name="文本框 1"/>
           <p:cNvSpPr txBox="1"/>
           <p:nvPr/>
         </p:nvSpPr>
         <p:spPr>
           <a:xfrm>
-            <a:off x="535049" y="4197552"/>
-            <a:ext cx="5928503" cy="1754326"/>
+            <a:off x="898359" y="3930316"/>
+            <a:ext cx="4924926" cy="2308324"/>
           </a:xfrm>
           <a:prstGeom prst="rect">
             <a:avLst/>
@@ -6996,26 +9183,12 @@
           <a:lstStyle/>
           <a:p>
             <a:r>
-              <a:rPr lang="en-US" altLang="zh-CN" sz="5400" dirty="0">
-                <a:latin typeface="Abadi MT Condensed Extra Bold" charset="0"/>
-                <a:ea typeface="Abadi MT Condensed Extra Bold" charset="0"/>
-                <a:cs typeface="Abadi MT Condensed Extra Bold" charset="0"/>
+              <a:rPr lang="en-US" altLang="zh-CN" sz="4800" b="1" dirty="0" smtClean="0">
+                <a:latin typeface="Microsoft Tai Le" panose="020B0502040204020203" pitchFamily="34" charset="0"/>
+                <a:cs typeface="Microsoft Tai Le" panose="020B0502040204020203" pitchFamily="34" charset="0"/>
               </a:rPr>
-              <a:t>Previous research on Ghost </a:t>
-            </a:r>
-            <a:r>
-              <a:rPr lang="en-US" altLang="zh-CN" sz="5400" dirty="0" smtClean="0">
-                <a:latin typeface="Abadi MT Condensed Extra Bold" charset="0"/>
-                <a:ea typeface="Abadi MT Condensed Extra Bold" charset="0"/>
-                <a:cs typeface="Abadi MT Condensed Extra Bold" charset="0"/>
-              </a:rPr>
-              <a:t>Tunnel</a:t>
-            </a:r>
-            <a:endParaRPr lang="en-US" altLang="zh-CN" sz="5400" dirty="0">
-              <a:latin typeface="Abadi MT Condensed Extra Bold" charset="0"/>
-              <a:ea typeface="Abadi MT Condensed Extra Bold" charset="0"/>
-              <a:cs typeface="Abadi MT Condensed Extra Bold" charset="0"/>
-            </a:endParaRPr>
+              <a:t>Previous research on Ghost Tunnel</a:t>
+            </a:r>
           </a:p>
         </p:txBody>
       </p:sp>
@@ -7029,6 +9202,13 @@
   <p:clrMapOvr>
     <a:masterClrMapping/>
   </p:clrMapOvr>
+  <p:timing>
+    <p:tnLst>
+      <p:par>
+        <p:cTn id="1" dur="indefinite" restart="never" nodeType="tmRoot"/>
+      </p:par>
+    </p:tnLst>
+  </p:timing>
 </p:sld>
 </file>
 
